--- a/Presentations/Fall Updates/FallUpdate3.pptx
+++ b/Presentations/Fall Updates/FallUpdate3.pptx
@@ -5,13 +5,21 @@
     <p:sldMasterId id="2147483660" r:id="rId1"/>
   </p:sldMasterIdLst>
   <p:notesMasterIdLst>
-    <p:notesMasterId r:id="rId6"/>
+    <p:notesMasterId r:id="rId14"/>
   </p:notesMasterIdLst>
   <p:sldIdLst>
     <p:sldId id="256" r:id="rId2"/>
-    <p:sldId id="259" r:id="rId3"/>
-    <p:sldId id="262" r:id="rId4"/>
+    <p:sldId id="262" r:id="rId3"/>
+    <p:sldId id="259" r:id="rId4"/>
     <p:sldId id="260" r:id="rId5"/>
+    <p:sldId id="273" r:id="rId6"/>
+    <p:sldId id="274" r:id="rId7"/>
+    <p:sldId id="277" r:id="rId8"/>
+    <p:sldId id="265" r:id="rId9"/>
+    <p:sldId id="258" r:id="rId10"/>
+    <p:sldId id="271" r:id="rId11"/>
+    <p:sldId id="275" r:id="rId12"/>
+    <p:sldId id="276" r:id="rId13"/>
   </p:sldIdLst>
   <p:sldSz cx="12192000" cy="6858000"/>
   <p:notesSz cx="6858000" cy="9144000"/>
@@ -110,6 +118,11 @@
       </a:defRPr>
     </a:lvl9pPr>
   </p:defaultTextStyle>
+  <p:extLst>
+    <p:ext uri="{EFAFB233-063F-42B5-8137-9DF3F51BA10A}">
+      <p15:sldGuideLst xmlns:p15="http://schemas.microsoft.com/office/powerpoint/2012/main"/>
+    </p:ext>
+  </p:extLst>
 </p:presentation>
 </file>
 
@@ -127,9 +140,9 @@
 
 <file path=ppt/comments/comment1.xml><?xml version="1.0" encoding="utf-8"?>
 <p:cmLst xmlns:a="http://schemas.openxmlformats.org/drawingml/2006/main" xmlns:r="http://schemas.openxmlformats.org/officeDocument/2006/relationships" xmlns:p="http://schemas.openxmlformats.org/presentationml/2006/main">
-  <p:cm authorId="1" dt="2020-06-12T11:21:35.375" idx="1">
+  <p:cm authorId="1" dt="2020-06-12T11:22:14.038" idx="2">
     <p:pos x="10" y="10"/>
-    <p:text>What is the thermal lens effect?</p:text>
+    <p:text>This technique is the one we used for our laser-induced temperature measurement, Which can serve as an experimental way to validate the simulation results. The two papers did the same thing (see comments on slide #10). It is helpful to mention it, however, he focus should be on the equations and simulation.</p:text>
     <p:extLst>
       <p:ext uri="{C676402C-5697-4E1C-873F-D02D1690AC5C}">
         <p15:threadingInfo xmlns:p15="http://schemas.microsoft.com/office/powerpoint/2012/main" timeZoneBias="240"/>
@@ -141,9 +154,9 @@
 
 <file path=ppt/comments/comment2.xml><?xml version="1.0" encoding="utf-8"?>
 <p:cmLst xmlns:a="http://schemas.openxmlformats.org/drawingml/2006/main" xmlns:r="http://schemas.openxmlformats.org/officeDocument/2006/relationships" xmlns:p="http://schemas.openxmlformats.org/presentationml/2006/main">
-  <p:cm authorId="1" dt="2020-06-12T11:22:14.038" idx="2">
+  <p:cm authorId="1" dt="2020-06-12T11:21:35.375" idx="1">
     <p:pos x="10" y="10"/>
-    <p:text>This technique is the one we used for our laser-induced temperature measurement, Which can serve as an experimental way to validate the simulation results. The two papers did the same thing (see comments on slide #10). It is helpful to mention it, however, he focus should be on the equations and simulation.</p:text>
+    <p:text>What is the thermal lens effect?</p:text>
     <p:extLst>
       <p:ext uri="{C676402C-5697-4E1C-873F-D02D1690AC5C}">
         <p15:threadingInfo xmlns:p15="http://schemas.microsoft.com/office/powerpoint/2012/main" timeZoneBias="240"/>
@@ -583,14 +596,14 @@
               <a:rPr lang="en-US" smtClean="0"/>
               <a:t>2</a:t>
             </a:fld>
-            <a:endParaRPr lang="en-US" dirty="0"/>
+            <a:endParaRPr lang="en-US"/>
           </a:p>
         </p:txBody>
       </p:sp>
     </p:spTree>
     <p:extLst>
       <p:ext uri="{BB962C8B-B14F-4D97-AF65-F5344CB8AC3E}">
-        <p14:creationId xmlns:p14="http://schemas.microsoft.com/office/powerpoint/2010/main" val="2420909537"/>
+        <p14:creationId xmlns:p14="http://schemas.microsoft.com/office/powerpoint/2010/main" val="2151824517"/>
       </p:ext>
     </p:extLst>
   </p:cSld>
@@ -667,14 +680,14 @@
               <a:rPr lang="en-US" smtClean="0"/>
               <a:t>3</a:t>
             </a:fld>
-            <a:endParaRPr lang="en-US"/>
+            <a:endParaRPr lang="en-US" dirty="0"/>
           </a:p>
         </p:txBody>
       </p:sp>
     </p:spTree>
     <p:extLst>
       <p:ext uri="{BB962C8B-B14F-4D97-AF65-F5344CB8AC3E}">
-        <p14:creationId xmlns:p14="http://schemas.microsoft.com/office/powerpoint/2010/main" val="2151824517"/>
+        <p14:creationId xmlns:p14="http://schemas.microsoft.com/office/powerpoint/2010/main" val="2420909537"/>
       </p:ext>
     </p:extLst>
   </p:cSld>
@@ -8403,6 +8416,926 @@
 </p:sld>
 </file>
 
+<file path=ppt/slides/slide10.xml><?xml version="1.0" encoding="utf-8"?>
+<p:sld xmlns:a="http://schemas.openxmlformats.org/drawingml/2006/main" xmlns:r="http://schemas.openxmlformats.org/officeDocument/2006/relationships" xmlns:p="http://schemas.openxmlformats.org/presentationml/2006/main">
+  <p:cSld>
+    <p:spTree>
+      <p:nvGrpSpPr>
+        <p:cNvPr id="1" name=""/>
+        <p:cNvGrpSpPr/>
+        <p:nvPr/>
+      </p:nvGrpSpPr>
+      <p:grpSpPr>
+        <a:xfrm>
+          <a:off x="0" y="0"/>
+          <a:ext cx="0" cy="0"/>
+          <a:chOff x="0" y="0"/>
+          <a:chExt cx="0" cy="0"/>
+        </a:xfrm>
+      </p:grpSpPr>
+      <p:sp>
+        <p:nvSpPr>
+          <p:cNvPr id="2" name="Title 1"/>
+          <p:cNvSpPr>
+            <a:spLocks noGrp="1"/>
+          </p:cNvSpPr>
+          <p:nvPr>
+            <p:ph type="title"/>
+          </p:nvPr>
+        </p:nvSpPr>
+        <p:spPr/>
+        <p:txBody>
+          <a:bodyPr/>
+          <a:lstStyle/>
+          <a:p>
+            <a:r>
+              <a:rPr lang="en-US" dirty="0"/>
+              <a:t>Comparison to Temperature Data</a:t>
+            </a:r>
+          </a:p>
+        </p:txBody>
+      </p:sp>
+      <p:pic>
+        <p:nvPicPr>
+          <p:cNvPr id="5" name="Picture 4"/>
+          <p:cNvPicPr>
+            <a:picLocks noChangeAspect="1"/>
+          </p:cNvPicPr>
+          <p:nvPr/>
+        </p:nvPicPr>
+        <p:blipFill>
+          <a:blip r:embed="rId2">
+            <a:extLst>
+              <a:ext uri="{28A0092B-C50C-407E-A947-70E740481C1C}">
+                <a14:useLocalDpi xmlns:a14="http://schemas.microsoft.com/office/drawing/2010/main" val="0"/>
+              </a:ext>
+            </a:extLst>
+          </a:blip>
+          <a:stretch>
+            <a:fillRect/>
+          </a:stretch>
+        </p:blipFill>
+        <p:spPr>
+          <a:xfrm>
+            <a:off x="6387171" y="2103583"/>
+            <a:ext cx="5470002" cy="4102502"/>
+          </a:xfrm>
+          <a:prstGeom prst="rect">
+            <a:avLst/>
+          </a:prstGeom>
+        </p:spPr>
+      </p:pic>
+      <p:pic>
+        <p:nvPicPr>
+          <p:cNvPr id="3" name="Picture 2"/>
+          <p:cNvPicPr>
+            <a:picLocks noChangeAspect="1"/>
+          </p:cNvPicPr>
+          <p:nvPr/>
+        </p:nvPicPr>
+        <p:blipFill>
+          <a:blip r:embed="rId3">
+            <a:extLst>
+              <a:ext uri="{28A0092B-C50C-407E-A947-70E740481C1C}">
+                <a14:useLocalDpi xmlns:a14="http://schemas.microsoft.com/office/drawing/2010/main" val="0"/>
+              </a:ext>
+            </a:extLst>
+          </a:blip>
+          <a:stretch>
+            <a:fillRect/>
+          </a:stretch>
+        </p:blipFill>
+        <p:spPr>
+          <a:xfrm>
+            <a:off x="317835" y="2103583"/>
+            <a:ext cx="5485713" cy="4114285"/>
+          </a:xfrm>
+          <a:prstGeom prst="rect">
+            <a:avLst/>
+          </a:prstGeom>
+        </p:spPr>
+      </p:pic>
+      <p:cxnSp>
+        <p:nvCxnSpPr>
+          <p:cNvPr id="9" name="Straight Arrow Connector 8">
+            <a:extLst>
+              <a:ext uri="{FF2B5EF4-FFF2-40B4-BE49-F238E27FC236}">
+                <a16:creationId xmlns:a16="http://schemas.microsoft.com/office/drawing/2014/main" id="{BE226352-B3A3-41AC-9E38-921EA09F311C}"/>
+              </a:ext>
+            </a:extLst>
+          </p:cNvPr>
+          <p:cNvCxnSpPr/>
+          <p:nvPr/>
+        </p:nvCxnSpPr>
+        <p:spPr>
+          <a:xfrm>
+            <a:off x="2156791" y="3409123"/>
+            <a:ext cx="0" cy="2226365"/>
+          </a:xfrm>
+          <a:prstGeom prst="straightConnector1">
+            <a:avLst/>
+          </a:prstGeom>
+          <a:ln>
+            <a:headEnd type="triangle"/>
+            <a:tailEnd type="triangle"/>
+          </a:ln>
+        </p:spPr>
+        <p:style>
+          <a:lnRef idx="1">
+            <a:schemeClr val="accent1"/>
+          </a:lnRef>
+          <a:fillRef idx="0">
+            <a:schemeClr val="accent1"/>
+          </a:fillRef>
+          <a:effectRef idx="0">
+            <a:schemeClr val="accent1"/>
+          </a:effectRef>
+          <a:fontRef idx="minor">
+            <a:schemeClr val="tx1"/>
+          </a:fontRef>
+        </p:style>
+      </p:cxnSp>
+      <p:cxnSp>
+        <p:nvCxnSpPr>
+          <p:cNvPr id="13" name="Straight Arrow Connector 12">
+            <a:extLst>
+              <a:ext uri="{FF2B5EF4-FFF2-40B4-BE49-F238E27FC236}">
+                <a16:creationId xmlns:a16="http://schemas.microsoft.com/office/drawing/2014/main" id="{457CB908-7C9E-4107-9A5E-C27B8C7C6AD9}"/>
+              </a:ext>
+            </a:extLst>
+          </p:cNvPr>
+          <p:cNvCxnSpPr>
+            <a:cxnSpLocks/>
+          </p:cNvCxnSpPr>
+          <p:nvPr/>
+        </p:nvCxnSpPr>
+        <p:spPr>
+          <a:xfrm flipV="1">
+            <a:off x="9367630" y="2743201"/>
+            <a:ext cx="0" cy="2892288"/>
+          </a:xfrm>
+          <a:prstGeom prst="straightConnector1">
+            <a:avLst/>
+          </a:prstGeom>
+          <a:ln>
+            <a:headEnd type="triangle"/>
+            <a:tailEnd type="triangle"/>
+          </a:ln>
+        </p:spPr>
+        <p:style>
+          <a:lnRef idx="1">
+            <a:schemeClr val="accent1"/>
+          </a:lnRef>
+          <a:fillRef idx="0">
+            <a:schemeClr val="accent1"/>
+          </a:fillRef>
+          <a:effectRef idx="0">
+            <a:schemeClr val="accent1"/>
+          </a:effectRef>
+          <a:fontRef idx="minor">
+            <a:schemeClr val="tx1"/>
+          </a:fontRef>
+        </p:style>
+      </p:cxnSp>
+      <p:cxnSp>
+        <p:nvCxnSpPr>
+          <p:cNvPr id="17" name="Straight Arrow Connector 16">
+            <a:extLst>
+              <a:ext uri="{FF2B5EF4-FFF2-40B4-BE49-F238E27FC236}">
+                <a16:creationId xmlns:a16="http://schemas.microsoft.com/office/drawing/2014/main" id="{F19590BF-B989-45BC-856F-1ADFFD455143}"/>
+              </a:ext>
+            </a:extLst>
+          </p:cNvPr>
+          <p:cNvCxnSpPr/>
+          <p:nvPr/>
+        </p:nvCxnSpPr>
+        <p:spPr>
+          <a:xfrm flipV="1">
+            <a:off x="11320669" y="2594114"/>
+            <a:ext cx="0" cy="3150704"/>
+          </a:xfrm>
+          <a:prstGeom prst="straightConnector1">
+            <a:avLst/>
+          </a:prstGeom>
+          <a:ln>
+            <a:solidFill>
+              <a:srgbClr val="FF0000"/>
+            </a:solidFill>
+            <a:headEnd type="triangle"/>
+            <a:tailEnd type="triangle"/>
+          </a:ln>
+        </p:spPr>
+        <p:style>
+          <a:lnRef idx="1">
+            <a:schemeClr val="accent1"/>
+          </a:lnRef>
+          <a:fillRef idx="0">
+            <a:schemeClr val="accent1"/>
+          </a:fillRef>
+          <a:effectRef idx="0">
+            <a:schemeClr val="accent1"/>
+          </a:effectRef>
+          <a:fontRef idx="minor">
+            <a:schemeClr val="tx1"/>
+          </a:fontRef>
+        </p:style>
+      </p:cxnSp>
+      <p:cxnSp>
+        <p:nvCxnSpPr>
+          <p:cNvPr id="20" name="Straight Arrow Connector 19">
+            <a:extLst>
+              <a:ext uri="{FF2B5EF4-FFF2-40B4-BE49-F238E27FC236}">
+                <a16:creationId xmlns:a16="http://schemas.microsoft.com/office/drawing/2014/main" id="{59923312-6126-4706-AF8C-40F8C4567EBB}"/>
+              </a:ext>
+            </a:extLst>
+          </p:cNvPr>
+          <p:cNvCxnSpPr/>
+          <p:nvPr/>
+        </p:nvCxnSpPr>
+        <p:spPr>
+          <a:xfrm flipV="1">
+            <a:off x="3115917" y="3081131"/>
+            <a:ext cx="0" cy="2554357"/>
+          </a:xfrm>
+          <a:prstGeom prst="straightConnector1">
+            <a:avLst/>
+          </a:prstGeom>
+          <a:ln>
+            <a:solidFill>
+              <a:srgbClr val="FF0000"/>
+            </a:solidFill>
+            <a:headEnd type="triangle"/>
+            <a:tailEnd type="triangle"/>
+          </a:ln>
+        </p:spPr>
+        <p:style>
+          <a:lnRef idx="1">
+            <a:schemeClr val="accent1"/>
+          </a:lnRef>
+          <a:fillRef idx="0">
+            <a:schemeClr val="accent1"/>
+          </a:fillRef>
+          <a:effectRef idx="0">
+            <a:schemeClr val="accent1"/>
+          </a:effectRef>
+          <a:fontRef idx="minor">
+            <a:schemeClr val="tx1"/>
+          </a:fontRef>
+        </p:style>
+      </p:cxnSp>
+      <p:sp>
+        <p:nvSpPr>
+          <p:cNvPr id="4" name="TextBox 3">
+            <a:extLst>
+              <a:ext uri="{FF2B5EF4-FFF2-40B4-BE49-F238E27FC236}">
+                <a16:creationId xmlns:a16="http://schemas.microsoft.com/office/drawing/2014/main" id="{3AC50411-C88D-4492-B69B-6882F379B6C6}"/>
+              </a:ext>
+            </a:extLst>
+          </p:cNvPr>
+          <p:cNvSpPr txBox="1"/>
+          <p:nvPr/>
+        </p:nvSpPr>
+        <p:spPr>
+          <a:xfrm>
+            <a:off x="317835" y="6302619"/>
+            <a:ext cx="11539338" cy="369332"/>
+          </a:xfrm>
+          <a:prstGeom prst="rect">
+            <a:avLst/>
+          </a:prstGeom>
+          <a:noFill/>
+        </p:spPr>
+        <p:txBody>
+          <a:bodyPr wrap="square" rtlCol="0">
+            <a:spAutoFit/>
+          </a:bodyPr>
+          <a:lstStyle/>
+          <a:p>
+            <a:pPr algn="ctr"/>
+            <a:r>
+              <a:rPr lang="en-US" dirty="0"/>
+              <a:t>Fig. 6 – Peak temperature delta at independent times (a), experimental temperature transient (b) </a:t>
+            </a:r>
+          </a:p>
+        </p:txBody>
+      </p:sp>
+      <p:sp>
+        <p:nvSpPr>
+          <p:cNvPr id="6" name="TextBox 5">
+            <a:extLst>
+              <a:ext uri="{FF2B5EF4-FFF2-40B4-BE49-F238E27FC236}">
+                <a16:creationId xmlns:a16="http://schemas.microsoft.com/office/drawing/2014/main" id="{9F02DCAD-33D1-41FD-84BC-4DAE55BC4DAA}"/>
+              </a:ext>
+            </a:extLst>
+          </p:cNvPr>
+          <p:cNvSpPr txBox="1"/>
+          <p:nvPr/>
+        </p:nvSpPr>
+        <p:spPr>
+          <a:xfrm>
+            <a:off x="442291" y="2226365"/>
+            <a:ext cx="318052" cy="369332"/>
+          </a:xfrm>
+          <a:prstGeom prst="rect">
+            <a:avLst/>
+          </a:prstGeom>
+          <a:noFill/>
+        </p:spPr>
+        <p:txBody>
+          <a:bodyPr wrap="square" rtlCol="0">
+            <a:spAutoFit/>
+          </a:bodyPr>
+          <a:lstStyle/>
+          <a:p>
+            <a:r>
+              <a:rPr lang="en-US" dirty="0">
+                <a:solidFill>
+                  <a:schemeClr val="bg1"/>
+                </a:solidFill>
+              </a:rPr>
+              <a:t>a</a:t>
+            </a:r>
+          </a:p>
+        </p:txBody>
+      </p:sp>
+      <p:sp>
+        <p:nvSpPr>
+          <p:cNvPr id="7" name="TextBox 6">
+            <a:extLst>
+              <a:ext uri="{FF2B5EF4-FFF2-40B4-BE49-F238E27FC236}">
+                <a16:creationId xmlns:a16="http://schemas.microsoft.com/office/drawing/2014/main" id="{C302AC32-3F50-4D99-B2DA-A5497E70D901}"/>
+              </a:ext>
+            </a:extLst>
+          </p:cNvPr>
+          <p:cNvSpPr txBox="1"/>
+          <p:nvPr/>
+        </p:nvSpPr>
+        <p:spPr>
+          <a:xfrm>
+            <a:off x="6513444" y="2194099"/>
+            <a:ext cx="318052" cy="369332"/>
+          </a:xfrm>
+          <a:prstGeom prst="rect">
+            <a:avLst/>
+          </a:prstGeom>
+          <a:noFill/>
+        </p:spPr>
+        <p:txBody>
+          <a:bodyPr wrap="square" rtlCol="0">
+            <a:spAutoFit/>
+          </a:bodyPr>
+          <a:lstStyle/>
+          <a:p>
+            <a:r>
+              <a:rPr lang="en-US" dirty="0">
+                <a:solidFill>
+                  <a:schemeClr val="bg1"/>
+                </a:solidFill>
+              </a:rPr>
+              <a:t>b</a:t>
+            </a:r>
+          </a:p>
+        </p:txBody>
+      </p:sp>
+    </p:spTree>
+    <p:extLst>
+      <p:ext uri="{BB962C8B-B14F-4D97-AF65-F5344CB8AC3E}">
+        <p14:creationId xmlns:p14="http://schemas.microsoft.com/office/powerpoint/2010/main" val="2649790658"/>
+      </p:ext>
+    </p:extLst>
+  </p:cSld>
+  <p:clrMapOvr>
+    <a:masterClrMapping/>
+  </p:clrMapOvr>
+  <p:timing>
+    <p:tnLst>
+      <p:par>
+        <p:cTn id="1" dur="indefinite" restart="never" nodeType="tmRoot">
+          <p:childTnLst>
+            <p:seq concurrent="1" nextAc="seek">
+              <p:cTn id="2" dur="indefinite" nodeType="mainSeq">
+                <p:childTnLst>
+                  <p:par>
+                    <p:cTn id="3" fill="hold">
+                      <p:stCondLst>
+                        <p:cond delay="indefinite"/>
+                      </p:stCondLst>
+                      <p:childTnLst>
+                        <p:par>
+                          <p:cTn id="4" fill="hold">
+                            <p:stCondLst>
+                              <p:cond delay="0"/>
+                            </p:stCondLst>
+                            <p:childTnLst>
+                              <p:par>
+                                <p:cTn id="5" presetID="1" presetClass="entr" presetSubtype="0" fill="hold" nodeType="clickEffect">
+                                  <p:stCondLst>
+                                    <p:cond delay="0"/>
+                                  </p:stCondLst>
+                                  <p:childTnLst>
+                                    <p:set>
+                                      <p:cBhvr>
+                                        <p:cTn id="6" dur="1" fill="hold">
+                                          <p:stCondLst>
+                                            <p:cond delay="0"/>
+                                          </p:stCondLst>
+                                        </p:cTn>
+                                        <p:tgtEl>
+                                          <p:spTgt spid="9"/>
+                                        </p:tgtEl>
+                                        <p:attrNameLst>
+                                          <p:attrName>style.visibility</p:attrName>
+                                        </p:attrNameLst>
+                                      </p:cBhvr>
+                                      <p:to>
+                                        <p:strVal val="visible"/>
+                                      </p:to>
+                                    </p:set>
+                                  </p:childTnLst>
+                                </p:cTn>
+                              </p:par>
+                            </p:childTnLst>
+                          </p:cTn>
+                        </p:par>
+                      </p:childTnLst>
+                    </p:cTn>
+                  </p:par>
+                  <p:par>
+                    <p:cTn id="7" fill="hold">
+                      <p:stCondLst>
+                        <p:cond delay="indefinite"/>
+                      </p:stCondLst>
+                      <p:childTnLst>
+                        <p:par>
+                          <p:cTn id="8" fill="hold">
+                            <p:stCondLst>
+                              <p:cond delay="0"/>
+                            </p:stCondLst>
+                            <p:childTnLst>
+                              <p:par>
+                                <p:cTn id="9" presetID="1" presetClass="entr" presetSubtype="0" fill="hold" nodeType="clickEffect">
+                                  <p:stCondLst>
+                                    <p:cond delay="0"/>
+                                  </p:stCondLst>
+                                  <p:childTnLst>
+                                    <p:set>
+                                      <p:cBhvr>
+                                        <p:cTn id="10" dur="1" fill="hold">
+                                          <p:stCondLst>
+                                            <p:cond delay="0"/>
+                                          </p:stCondLst>
+                                        </p:cTn>
+                                        <p:tgtEl>
+                                          <p:spTgt spid="13"/>
+                                        </p:tgtEl>
+                                        <p:attrNameLst>
+                                          <p:attrName>style.visibility</p:attrName>
+                                        </p:attrNameLst>
+                                      </p:cBhvr>
+                                      <p:to>
+                                        <p:strVal val="visible"/>
+                                      </p:to>
+                                    </p:set>
+                                  </p:childTnLst>
+                                </p:cTn>
+                              </p:par>
+                            </p:childTnLst>
+                          </p:cTn>
+                        </p:par>
+                      </p:childTnLst>
+                    </p:cTn>
+                  </p:par>
+                  <p:par>
+                    <p:cTn id="11" fill="hold">
+                      <p:stCondLst>
+                        <p:cond delay="indefinite"/>
+                      </p:stCondLst>
+                      <p:childTnLst>
+                        <p:par>
+                          <p:cTn id="12" fill="hold">
+                            <p:stCondLst>
+                              <p:cond delay="0"/>
+                            </p:stCondLst>
+                            <p:childTnLst>
+                              <p:par>
+                                <p:cTn id="13" presetID="1" presetClass="entr" presetSubtype="0" fill="hold" nodeType="clickEffect">
+                                  <p:stCondLst>
+                                    <p:cond delay="0"/>
+                                  </p:stCondLst>
+                                  <p:childTnLst>
+                                    <p:set>
+                                      <p:cBhvr>
+                                        <p:cTn id="14" dur="1" fill="hold">
+                                          <p:stCondLst>
+                                            <p:cond delay="0"/>
+                                          </p:stCondLst>
+                                        </p:cTn>
+                                        <p:tgtEl>
+                                          <p:spTgt spid="20"/>
+                                        </p:tgtEl>
+                                        <p:attrNameLst>
+                                          <p:attrName>style.visibility</p:attrName>
+                                        </p:attrNameLst>
+                                      </p:cBhvr>
+                                      <p:to>
+                                        <p:strVal val="visible"/>
+                                      </p:to>
+                                    </p:set>
+                                  </p:childTnLst>
+                                </p:cTn>
+                              </p:par>
+                            </p:childTnLst>
+                          </p:cTn>
+                        </p:par>
+                      </p:childTnLst>
+                    </p:cTn>
+                  </p:par>
+                  <p:par>
+                    <p:cTn id="15" fill="hold">
+                      <p:stCondLst>
+                        <p:cond delay="indefinite"/>
+                      </p:stCondLst>
+                      <p:childTnLst>
+                        <p:par>
+                          <p:cTn id="16" fill="hold">
+                            <p:stCondLst>
+                              <p:cond delay="0"/>
+                            </p:stCondLst>
+                            <p:childTnLst>
+                              <p:par>
+                                <p:cTn id="17" presetID="1" presetClass="entr" presetSubtype="0" fill="hold" nodeType="clickEffect">
+                                  <p:stCondLst>
+                                    <p:cond delay="0"/>
+                                  </p:stCondLst>
+                                  <p:childTnLst>
+                                    <p:set>
+                                      <p:cBhvr>
+                                        <p:cTn id="18" dur="1" fill="hold">
+                                          <p:stCondLst>
+                                            <p:cond delay="0"/>
+                                          </p:stCondLst>
+                                        </p:cTn>
+                                        <p:tgtEl>
+                                          <p:spTgt spid="17"/>
+                                        </p:tgtEl>
+                                        <p:attrNameLst>
+                                          <p:attrName>style.visibility</p:attrName>
+                                        </p:attrNameLst>
+                                      </p:cBhvr>
+                                      <p:to>
+                                        <p:strVal val="visible"/>
+                                      </p:to>
+                                    </p:set>
+                                  </p:childTnLst>
+                                </p:cTn>
+                              </p:par>
+                            </p:childTnLst>
+                          </p:cTn>
+                        </p:par>
+                      </p:childTnLst>
+                    </p:cTn>
+                  </p:par>
+                </p:childTnLst>
+              </p:cTn>
+              <p:prevCondLst>
+                <p:cond evt="onPrev" delay="0">
+                  <p:tgtEl>
+                    <p:sldTgt/>
+                  </p:tgtEl>
+                </p:cond>
+              </p:prevCondLst>
+              <p:nextCondLst>
+                <p:cond evt="onNext" delay="0">
+                  <p:tgtEl>
+                    <p:sldTgt/>
+                  </p:tgtEl>
+                </p:cond>
+              </p:nextCondLst>
+            </p:seq>
+          </p:childTnLst>
+        </p:cTn>
+      </p:par>
+    </p:tnLst>
+  </p:timing>
+</p:sld>
+</file>
+
+<file path=ppt/slides/slide11.xml><?xml version="1.0" encoding="utf-8"?>
+<p:sld xmlns:a="http://schemas.openxmlformats.org/drawingml/2006/main" xmlns:r="http://schemas.openxmlformats.org/officeDocument/2006/relationships" xmlns:p="http://schemas.openxmlformats.org/presentationml/2006/main">
+  <p:cSld>
+    <p:spTree>
+      <p:nvGrpSpPr>
+        <p:cNvPr id="1" name=""/>
+        <p:cNvGrpSpPr/>
+        <p:nvPr/>
+      </p:nvGrpSpPr>
+      <p:grpSpPr>
+        <a:xfrm>
+          <a:off x="0" y="0"/>
+          <a:ext cx="0" cy="0"/>
+          <a:chOff x="0" y="0"/>
+          <a:chExt cx="0" cy="0"/>
+        </a:xfrm>
+      </p:grpSpPr>
+      <p:sp>
+        <p:nvSpPr>
+          <p:cNvPr id="2" name="Title 1">
+            <a:extLst>
+              <a:ext uri="{FF2B5EF4-FFF2-40B4-BE49-F238E27FC236}">
+                <a16:creationId xmlns:a16="http://schemas.microsoft.com/office/drawing/2014/main" id="{986BBFDD-17AB-487F-A753-A7CDF363B9D7}"/>
+              </a:ext>
+            </a:extLst>
+          </p:cNvPr>
+          <p:cNvSpPr>
+            <a:spLocks noGrp="1"/>
+          </p:cNvSpPr>
+          <p:nvPr>
+            <p:ph type="title"/>
+          </p:nvPr>
+        </p:nvSpPr>
+        <p:spPr/>
+        <p:txBody>
+          <a:bodyPr/>
+          <a:lstStyle/>
+          <a:p>
+            <a:r>
+              <a:rPr lang="en-US" dirty="0"/>
+              <a:t>Conclusions</a:t>
+            </a:r>
+          </a:p>
+        </p:txBody>
+      </p:sp>
+      <p:sp>
+        <p:nvSpPr>
+          <p:cNvPr id="3" name="Content Placeholder 2">
+            <a:extLst>
+              <a:ext uri="{FF2B5EF4-FFF2-40B4-BE49-F238E27FC236}">
+                <a16:creationId xmlns:a16="http://schemas.microsoft.com/office/drawing/2014/main" id="{FE08B819-CF38-4F62-A8C1-B32025FF7D5B}"/>
+              </a:ext>
+            </a:extLst>
+          </p:cNvPr>
+          <p:cNvSpPr>
+            <a:spLocks noGrp="1"/>
+          </p:cNvSpPr>
+          <p:nvPr>
+            <p:ph idx="1"/>
+          </p:nvPr>
+        </p:nvSpPr>
+        <p:spPr>
+          <a:xfrm>
+            <a:off x="680321" y="2336873"/>
+            <a:ext cx="5415679" cy="4004292"/>
+          </a:xfrm>
+        </p:spPr>
+        <p:txBody>
+          <a:bodyPr>
+            <a:normAutofit/>
+          </a:bodyPr>
+          <a:lstStyle/>
+          <a:p>
+            <a:r>
+              <a:rPr lang="en-US" dirty="0"/>
+              <a:t>Shown previously is the </a:t>
+            </a:r>
+            <a:r>
+              <a:rPr lang="en-US" b="1" dirty="0"/>
+              <a:t>peak temperature delta </a:t>
+            </a:r>
+            <a:r>
+              <a:rPr lang="en-US" dirty="0"/>
+              <a:t>at independent times </a:t>
+            </a:r>
+          </a:p>
+          <a:p>
+            <a:pPr lvl="1"/>
+            <a:r>
+              <a:rPr lang="en-US" dirty="0"/>
+              <a:t>Different metric to the experimental data – shown in Fig. 5</a:t>
+            </a:r>
+          </a:p>
+          <a:p>
+            <a:r>
+              <a:rPr lang="en-US" dirty="0"/>
+              <a:t>Slope of the lower time regimes demonstrates a slower increase in temperature </a:t>
+            </a:r>
+          </a:p>
+          <a:p>
+            <a:pPr lvl="1"/>
+            <a:r>
+              <a:rPr lang="en-US" dirty="0"/>
+              <a:t>May be a symptom of the equation being used for modeling</a:t>
+            </a:r>
+          </a:p>
+          <a:p>
+            <a:r>
+              <a:rPr lang="en-US" dirty="0"/>
+              <a:t>Less Stabilization at higher regimes</a:t>
+            </a:r>
+          </a:p>
+          <a:p>
+            <a:endParaRPr lang="en-US" dirty="0"/>
+          </a:p>
+        </p:txBody>
+      </p:sp>
+      <p:pic>
+        <p:nvPicPr>
+          <p:cNvPr id="4" name="Picture 3">
+            <a:extLst>
+              <a:ext uri="{FF2B5EF4-FFF2-40B4-BE49-F238E27FC236}">
+                <a16:creationId xmlns:a16="http://schemas.microsoft.com/office/drawing/2014/main" id="{4E5C3CCC-BAF5-4CCA-8476-774FAC09A756}"/>
+              </a:ext>
+            </a:extLst>
+          </p:cNvPr>
+          <p:cNvPicPr>
+            <a:picLocks noChangeAspect="1"/>
+          </p:cNvPicPr>
+          <p:nvPr/>
+        </p:nvPicPr>
+        <p:blipFill>
+          <a:blip r:embed="rId2"/>
+          <a:stretch>
+            <a:fillRect/>
+          </a:stretch>
+        </p:blipFill>
+        <p:spPr>
+          <a:xfrm>
+            <a:off x="7251304" y="2511859"/>
+            <a:ext cx="4260375" cy="2891891"/>
+          </a:xfrm>
+          <a:prstGeom prst="rect">
+            <a:avLst/>
+          </a:prstGeom>
+        </p:spPr>
+      </p:pic>
+      <p:sp>
+        <p:nvSpPr>
+          <p:cNvPr id="5" name="TextBox 4">
+            <a:extLst>
+              <a:ext uri="{FF2B5EF4-FFF2-40B4-BE49-F238E27FC236}">
+                <a16:creationId xmlns:a16="http://schemas.microsoft.com/office/drawing/2014/main" id="{BD1586E5-52EF-4760-AD4F-E90173411BDA}"/>
+              </a:ext>
+            </a:extLst>
+          </p:cNvPr>
+          <p:cNvSpPr txBox="1"/>
+          <p:nvPr/>
+        </p:nvSpPr>
+        <p:spPr>
+          <a:xfrm>
+            <a:off x="7951304" y="5521186"/>
+            <a:ext cx="3061253" cy="646331"/>
+          </a:xfrm>
+          <a:prstGeom prst="rect">
+            <a:avLst/>
+          </a:prstGeom>
+          <a:noFill/>
+        </p:spPr>
+        <p:txBody>
+          <a:bodyPr wrap="square" rtlCol="0">
+            <a:spAutoFit/>
+          </a:bodyPr>
+          <a:lstStyle/>
+          <a:p>
+            <a:r>
+              <a:rPr lang="en-US" dirty="0"/>
+              <a:t>Fig. 4 – Representative temperature transient</a:t>
+            </a:r>
+          </a:p>
+        </p:txBody>
+      </p:sp>
+    </p:spTree>
+    <p:extLst>
+      <p:ext uri="{BB962C8B-B14F-4D97-AF65-F5344CB8AC3E}">
+        <p14:creationId xmlns:p14="http://schemas.microsoft.com/office/powerpoint/2010/main" val="988765828"/>
+      </p:ext>
+    </p:extLst>
+  </p:cSld>
+  <p:clrMapOvr>
+    <a:masterClrMapping/>
+  </p:clrMapOvr>
+</p:sld>
+</file>
+
+<file path=ppt/slides/slide12.xml><?xml version="1.0" encoding="utf-8"?>
+<p:sld xmlns:a="http://schemas.openxmlformats.org/drawingml/2006/main" xmlns:r="http://schemas.openxmlformats.org/officeDocument/2006/relationships" xmlns:p="http://schemas.openxmlformats.org/presentationml/2006/main">
+  <p:cSld>
+    <p:spTree>
+      <p:nvGrpSpPr>
+        <p:cNvPr id="1" name=""/>
+        <p:cNvGrpSpPr/>
+        <p:nvPr/>
+      </p:nvGrpSpPr>
+      <p:grpSpPr>
+        <a:xfrm>
+          <a:off x="0" y="0"/>
+          <a:ext cx="0" cy="0"/>
+          <a:chOff x="0" y="0"/>
+          <a:chExt cx="0" cy="0"/>
+        </a:xfrm>
+      </p:grpSpPr>
+      <p:sp>
+        <p:nvSpPr>
+          <p:cNvPr id="2" name="Title 1">
+            <a:extLst>
+              <a:ext uri="{FF2B5EF4-FFF2-40B4-BE49-F238E27FC236}">
+                <a16:creationId xmlns:a16="http://schemas.microsoft.com/office/drawing/2014/main" id="{E531F1C2-7A9E-4672-8895-3BA09A080399}"/>
+              </a:ext>
+            </a:extLst>
+          </p:cNvPr>
+          <p:cNvSpPr>
+            <a:spLocks noGrp="1"/>
+          </p:cNvSpPr>
+          <p:nvPr>
+            <p:ph type="title"/>
+          </p:nvPr>
+        </p:nvSpPr>
+        <p:spPr/>
+        <p:txBody>
+          <a:bodyPr/>
+          <a:lstStyle/>
+          <a:p>
+            <a:r>
+              <a:rPr lang="en-US" dirty="0"/>
+              <a:t>Next Steps</a:t>
+            </a:r>
+          </a:p>
+        </p:txBody>
+      </p:sp>
+      <p:sp>
+        <p:nvSpPr>
+          <p:cNvPr id="3" name="Content Placeholder 2">
+            <a:extLst>
+              <a:ext uri="{FF2B5EF4-FFF2-40B4-BE49-F238E27FC236}">
+                <a16:creationId xmlns:a16="http://schemas.microsoft.com/office/drawing/2014/main" id="{FF57C24C-1E94-4415-8DC4-EE3DB6357B1E}"/>
+              </a:ext>
+            </a:extLst>
+          </p:cNvPr>
+          <p:cNvSpPr>
+            <a:spLocks noGrp="1"/>
+          </p:cNvSpPr>
+          <p:nvPr>
+            <p:ph idx="1"/>
+          </p:nvPr>
+        </p:nvSpPr>
+        <p:spPr/>
+        <p:txBody>
+          <a:bodyPr/>
+          <a:lstStyle/>
+          <a:p>
+            <a:r>
+              <a:rPr lang="en-US" dirty="0"/>
+              <a:t>Fix the Pulse Width, explore the creation of a temperature transient</a:t>
+            </a:r>
+          </a:p>
+          <a:p>
+            <a:endParaRPr lang="en-US" dirty="0"/>
+          </a:p>
+          <a:p>
+            <a:r>
+              <a:rPr lang="en-US" dirty="0"/>
+              <a:t>Look at early time samples, see</a:t>
+            </a:r>
+          </a:p>
+          <a:p>
+            <a:pPr marL="0" indent="0">
+              <a:buNone/>
+            </a:pPr>
+            <a:endParaRPr lang="en-US" dirty="0"/>
+          </a:p>
+          <a:p>
+            <a:r>
+              <a:rPr lang="en-US" dirty="0"/>
+              <a:t>Find alternative model equations that lead a more accurate result</a:t>
+            </a:r>
+          </a:p>
+          <a:p>
+            <a:pPr lvl="1"/>
+            <a:r>
+              <a:rPr lang="en-US" dirty="0"/>
+              <a:t>If the first bullet point is successful, this may not be needed</a:t>
+            </a:r>
+          </a:p>
+          <a:p>
+            <a:pPr lvl="1"/>
+            <a:endParaRPr lang="en-US" dirty="0"/>
+          </a:p>
+          <a:p>
+            <a:endParaRPr lang="en-US" dirty="0"/>
+          </a:p>
+        </p:txBody>
+      </p:sp>
+    </p:spTree>
+    <p:extLst>
+      <p:ext uri="{BB962C8B-B14F-4D97-AF65-F5344CB8AC3E}">
+        <p14:creationId xmlns:p14="http://schemas.microsoft.com/office/powerpoint/2010/main" val="3359512043"/>
+      </p:ext>
+    </p:extLst>
+  </p:cSld>
+  <p:clrMapOvr>
+    <a:masterClrMapping/>
+  </p:clrMapOvr>
+</p:sld>
+</file>
+
 <file path=ppt/slides/slide2.xml><?xml version="1.0" encoding="utf-8"?>
 <p:sld xmlns:a="http://schemas.openxmlformats.org/drawingml/2006/main" xmlns:r="http://schemas.openxmlformats.org/officeDocument/2006/relationships" xmlns:p="http://schemas.openxmlformats.org/presentationml/2006/main">
   <p:cSld>
@@ -8437,12 +9370,104 @@
           <a:p>
             <a:r>
               <a:rPr lang="en-US" dirty="0"/>
-              <a:t>Theoretical Calculation of the ADTR </a:t>
-            </a:r>
-            <a:r>
-              <a:rPr lang="en-US" sz="1050" dirty="0"/>
-              <a:t>[1]</a:t>
-            </a:r>
+              <a:t>Open Pipette Method for ADTR Measurement</a:t>
+            </a:r>
+            <a:r>
+              <a:rPr kumimoji="0" lang="en-US" sz="1050" b="0" i="0" u="none" strike="noStrike" kern="1200" cap="none" spc="0" normalizeH="0" baseline="0" noProof="0" dirty="0">
+                <a:ln>
+                  <a:noFill/>
+                </a:ln>
+                <a:solidFill>
+                  <a:prstClr val="white"/>
+                </a:solidFill>
+                <a:effectLst/>
+                <a:uLnTx/>
+                <a:uFillTx/>
+                <a:latin typeface="Trebuchet MS" panose="020B0603020202020204"/>
+                <a:ea typeface="+mj-ea"/>
+                <a:cs typeface="+mj-cs"/>
+              </a:rPr>
+              <a:t> [1]</a:t>
+            </a:r>
+            <a:endParaRPr lang="en-US" dirty="0"/>
+          </a:p>
+        </p:txBody>
+      </p:sp>
+      <p:sp>
+        <p:nvSpPr>
+          <p:cNvPr id="3" name="Content Placeholder 2"/>
+          <p:cNvSpPr>
+            <a:spLocks noGrp="1"/>
+          </p:cNvSpPr>
+          <p:nvPr>
+            <p:ph idx="1"/>
+          </p:nvPr>
+        </p:nvSpPr>
+        <p:spPr>
+          <a:xfrm>
+            <a:off x="680321" y="2336872"/>
+            <a:ext cx="6805264" cy="4247801"/>
+          </a:xfrm>
+        </p:spPr>
+        <p:txBody>
+          <a:bodyPr/>
+          <a:lstStyle/>
+          <a:p>
+            <a:r>
+              <a:rPr lang="en-US" dirty="0"/>
+              <a:t>Rapid temperature measurement technique  at the micron scale</a:t>
+            </a:r>
+          </a:p>
+          <a:p>
+            <a:pPr lvl="1"/>
+            <a:r>
+              <a:rPr lang="en-US" dirty="0"/>
+              <a:t>Carried out by using a microamp current amplifier</a:t>
+            </a:r>
+          </a:p>
+          <a:p>
+            <a:pPr marL="457200" lvl="1" indent="0">
+              <a:buNone/>
+            </a:pPr>
+            <a:endParaRPr lang="en-US" dirty="0"/>
+          </a:p>
+          <a:p>
+            <a:r>
+              <a:rPr lang="en-US" dirty="0"/>
+              <a:t>Synchronized laser irradiation would cause a local temperature change</a:t>
+            </a:r>
+          </a:p>
+          <a:p>
+            <a:pPr lvl="1"/>
+            <a:r>
+              <a:rPr lang="en-US" dirty="0"/>
+              <a:t>This would induce a resistance variation in the pipette</a:t>
+            </a:r>
+          </a:p>
+          <a:p>
+            <a:pPr marL="457200" lvl="1" indent="0">
+              <a:buNone/>
+            </a:pPr>
+            <a:endParaRPr lang="en-US" dirty="0"/>
+          </a:p>
+          <a:p>
+            <a:r>
+              <a:rPr lang="en-US" dirty="0"/>
+              <a:t>The measured pipette resistance was calibrated as a function of the ADTR</a:t>
+            </a:r>
+          </a:p>
+          <a:p>
+            <a:pPr lvl="2"/>
+            <a:endParaRPr lang="en-US" dirty="0"/>
+          </a:p>
+          <a:p>
+            <a:pPr lvl="1"/>
+            <a:endParaRPr lang="en-US" dirty="0"/>
+          </a:p>
+          <a:p>
+            <a:endParaRPr lang="en-US" dirty="0"/>
+          </a:p>
+          <a:p>
             <a:endParaRPr lang="en-US" dirty="0"/>
           </a:p>
         </p:txBody>
@@ -8463,8 +9488,8 @@
         </p:blipFill>
         <p:spPr>
           <a:xfrm>
-            <a:off x="680321" y="2402983"/>
-            <a:ext cx="4376770" cy="847731"/>
+            <a:off x="7871792" y="2268873"/>
+            <a:ext cx="3077582" cy="3627151"/>
           </a:xfrm>
           <a:prstGeom prst="rect">
             <a:avLst/>
@@ -8473,86 +9498,20 @@
       </p:pic>
       <p:sp>
         <p:nvSpPr>
-          <p:cNvPr id="5" name="Right Arrow 4"/>
-          <p:cNvSpPr/>
-          <p:nvPr/>
-        </p:nvSpPr>
-        <p:spPr>
-          <a:xfrm>
-            <a:off x="5425570" y="2640489"/>
-            <a:ext cx="1287117" cy="372717"/>
-          </a:xfrm>
-          <a:prstGeom prst="rightArrow">
-            <a:avLst/>
-          </a:prstGeom>
-          <a:solidFill>
-            <a:schemeClr val="tx1"/>
-          </a:solidFill>
-          <a:ln>
-            <a:solidFill>
-              <a:schemeClr val="tx1"/>
-            </a:solidFill>
-          </a:ln>
-        </p:spPr>
-        <p:style>
-          <a:lnRef idx="2">
-            <a:schemeClr val="accent1">
-              <a:shade val="50000"/>
-            </a:schemeClr>
-          </a:lnRef>
-          <a:fillRef idx="1">
-            <a:schemeClr val="accent1"/>
-          </a:fillRef>
-          <a:effectRef idx="0">
-            <a:schemeClr val="accent1"/>
-          </a:effectRef>
-          <a:fontRef idx="minor">
-            <a:schemeClr val="lt1"/>
-          </a:fontRef>
-        </p:style>
-        <p:txBody>
-          <a:bodyPr rtlCol="0" anchor="ctr"/>
-          <a:lstStyle/>
-          <a:p>
-            <a:pPr algn="ctr"/>
-            <a:endParaRPr lang="en-US" dirty="0"/>
-          </a:p>
-        </p:txBody>
-      </p:sp>
-      <p:pic>
-        <p:nvPicPr>
-          <p:cNvPr id="6" name="Picture 5"/>
-          <p:cNvPicPr>
-            <a:picLocks noChangeAspect="1"/>
-          </p:cNvPicPr>
-          <p:nvPr/>
-        </p:nvPicPr>
-        <p:blipFill>
-          <a:blip r:embed="rId4"/>
-          <a:stretch>
-            <a:fillRect/>
-          </a:stretch>
-        </p:blipFill>
-        <p:spPr>
-          <a:xfrm>
-            <a:off x="7081166" y="2402983"/>
-            <a:ext cx="4376770" cy="847731"/>
-          </a:xfrm>
-          <a:prstGeom prst="rect">
-            <a:avLst/>
-          </a:prstGeom>
-        </p:spPr>
-      </p:pic>
-      <p:sp>
-        <p:nvSpPr>
-          <p:cNvPr id="8" name="TextBox 7"/>
+          <p:cNvPr id="5" name="TextBox 4">
+            <a:extLst>
+              <a:ext uri="{FF2B5EF4-FFF2-40B4-BE49-F238E27FC236}">
+                <a16:creationId xmlns:a16="http://schemas.microsoft.com/office/drawing/2014/main" id="{70C2F066-84E0-4C28-82A0-C7D3ED79C317}"/>
+              </a:ext>
+            </a:extLst>
+          </p:cNvPr>
           <p:cNvSpPr txBox="1"/>
           <p:nvPr/>
         </p:nvSpPr>
         <p:spPr>
           <a:xfrm>
-            <a:off x="1362640" y="3250714"/>
-            <a:ext cx="3137659" cy="923330"/>
+            <a:off x="7738324" y="5973417"/>
+            <a:ext cx="3344517" cy="523220"/>
           </a:xfrm>
           <a:prstGeom prst="rect">
             <a:avLst/>
@@ -8567,139 +9526,8 @@
           <a:p>
             <a:pPr algn="ctr"/>
             <a:r>
-              <a:rPr lang="en-US" dirty="0"/>
-              <a:t>Eq. 1 – </a:t>
-            </a:r>
-          </a:p>
-          <a:p>
-            <a:pPr algn="ctr"/>
-            <a:r>
-              <a:rPr lang="en-US" dirty="0"/>
-              <a:t>Mathematical Model of Heat Conduction Equation</a:t>
-            </a:r>
-          </a:p>
-        </p:txBody>
-      </p:sp>
-      <p:sp>
-        <p:nvSpPr>
-          <p:cNvPr id="9" name="TextBox 8"/>
-          <p:cNvSpPr txBox="1"/>
-          <p:nvPr/>
-        </p:nvSpPr>
-        <p:spPr>
-          <a:xfrm>
-            <a:off x="7225679" y="3289587"/>
-            <a:ext cx="4087743" cy="1477328"/>
-          </a:xfrm>
-          <a:prstGeom prst="rect">
-            <a:avLst/>
-          </a:prstGeom>
-          <a:noFill/>
-        </p:spPr>
-        <p:txBody>
-          <a:bodyPr wrap="square" rtlCol="0">
-            <a:spAutoFit/>
-          </a:bodyPr>
-          <a:lstStyle/>
-          <a:p>
-            <a:pPr algn="ctr"/>
-            <a:r>
-              <a:rPr lang="en-US" dirty="0"/>
-              <a:t>Eq. 2 – </a:t>
-            </a:r>
-          </a:p>
-          <a:p>
-            <a:pPr algn="ctr"/>
-            <a:r>
-              <a:rPr lang="en-US" dirty="0"/>
-              <a:t>Equation 1 solved using a Gaussian approximation. </a:t>
-            </a:r>
-            <a:r>
-              <a:rPr lang="el-GR" dirty="0"/>
-              <a:t>Δ</a:t>
-            </a:r>
-            <a:r>
-              <a:rPr lang="en-US" dirty="0"/>
-              <a:t>T obtained in consideration of the thermal lens effect</a:t>
-            </a:r>
-          </a:p>
-        </p:txBody>
-      </p:sp>
-      <p:sp>
-        <p:nvSpPr>
-          <p:cNvPr id="10" name="TextBox 9"/>
-          <p:cNvSpPr txBox="1"/>
-          <p:nvPr/>
-        </p:nvSpPr>
-        <p:spPr>
-          <a:xfrm>
-            <a:off x="1033895" y="5021775"/>
-            <a:ext cx="9357690" cy="1200329"/>
-          </a:xfrm>
-          <a:prstGeom prst="rect">
-            <a:avLst/>
-          </a:prstGeom>
-          <a:noFill/>
-        </p:spPr>
-        <p:txBody>
-          <a:bodyPr wrap="none" rtlCol="0">
-            <a:spAutoFit/>
-          </a:bodyPr>
-          <a:lstStyle/>
-          <a:p>
-            <a:pPr marL="285750" indent="-285750">
-              <a:buFont typeface="Arial" panose="020B0604020202020204" pitchFamily="34" charset="0"/>
-              <a:buChar char="•"/>
-            </a:pPr>
-            <a:r>
-              <a:rPr lang="en-US" dirty="0"/>
-              <a:t>The thermal lens effect occurs when the laser beam is absorbed in the focusing region</a:t>
-            </a:r>
-          </a:p>
-          <a:p>
-            <a:pPr marL="285750" indent="-285750">
-              <a:buFont typeface="Arial" panose="020B0604020202020204" pitchFamily="34" charset="0"/>
-              <a:buChar char="•"/>
-            </a:pPr>
-            <a:r>
-              <a:rPr lang="en-US" dirty="0"/>
-              <a:t>Equation 2 predicted a linear relationship between the laser power and </a:t>
-            </a:r>
-            <a:r>
-              <a:rPr lang="el-GR" dirty="0"/>
-              <a:t>Δ</a:t>
-            </a:r>
-            <a:r>
-              <a:rPr lang="en-US" dirty="0"/>
-              <a:t>T. </a:t>
-            </a:r>
-          </a:p>
-          <a:p>
-            <a:pPr marL="285750" indent="-285750">
-              <a:buFont typeface="Arial" panose="020B0604020202020204" pitchFamily="34" charset="0"/>
-              <a:buChar char="•"/>
-            </a:pPr>
-            <a:r>
-              <a:rPr lang="en-US" dirty="0"/>
-              <a:t>This deduction was confirmed via an open pipette method to measure the </a:t>
-            </a:r>
-            <a:r>
-              <a:rPr lang="el-GR" dirty="0"/>
-              <a:t>Δ</a:t>
-            </a:r>
-            <a:r>
-              <a:rPr lang="en-US" dirty="0"/>
-              <a:t>T directly</a:t>
-            </a:r>
-          </a:p>
-          <a:p>
-            <a:pPr marL="742950" lvl="1" indent="-285750">
-              <a:buFont typeface="Arial" panose="020B0604020202020204" pitchFamily="34" charset="0"/>
-              <a:buChar char="•"/>
-            </a:pPr>
-            <a:r>
-              <a:rPr lang="en-US" dirty="0"/>
-              <a:t>980-nm wavelength infrared laser irradiation</a:t>
+              <a:rPr lang="en-US" sz="1400" dirty="0"/>
+              <a:t>Fig 1. Open Pipette Method &amp; The Geometric Relationship</a:t>
             </a:r>
           </a:p>
         </p:txBody>
@@ -8707,7 +9535,7 @@
     </p:spTree>
     <p:extLst>
       <p:ext uri="{BB962C8B-B14F-4D97-AF65-F5344CB8AC3E}">
-        <p14:creationId xmlns:p14="http://schemas.microsoft.com/office/powerpoint/2010/main" val="3060278284"/>
+        <p14:creationId xmlns:p14="http://schemas.microsoft.com/office/powerpoint/2010/main" val="2102302730"/>
       </p:ext>
     </p:extLst>
   </p:cSld>
@@ -8751,82 +9579,12 @@
           <a:p>
             <a:r>
               <a:rPr lang="en-US" dirty="0"/>
-              <a:t>Open Pipette Method for ADTR Measurement</a:t>
-            </a:r>
-          </a:p>
-        </p:txBody>
-      </p:sp>
-      <p:sp>
-        <p:nvSpPr>
-          <p:cNvPr id="3" name="Content Placeholder 2"/>
-          <p:cNvSpPr>
-            <a:spLocks noGrp="1"/>
-          </p:cNvSpPr>
-          <p:nvPr>
-            <p:ph idx="1"/>
-          </p:nvPr>
-        </p:nvSpPr>
-        <p:spPr>
-          <a:xfrm>
-            <a:off x="680321" y="2336873"/>
-            <a:ext cx="6805264" cy="3599316"/>
-          </a:xfrm>
-        </p:spPr>
-        <p:txBody>
-          <a:bodyPr/>
-          <a:lstStyle/>
-          <a:p>
-            <a:r>
-              <a:rPr lang="en-US" dirty="0"/>
-              <a:t>Rapid temperature measurement technique  at the micron scale</a:t>
-            </a:r>
-          </a:p>
-          <a:p>
-            <a:pPr lvl="1"/>
-            <a:r>
-              <a:rPr lang="en-US" dirty="0"/>
-              <a:t>Carried out by using a </a:t>
-            </a:r>
-            <a:r>
-              <a:rPr lang="en-US" dirty="0" err="1"/>
-              <a:t>microamp</a:t>
-            </a:r>
-            <a:r>
-              <a:rPr lang="en-US" dirty="0"/>
-              <a:t> current amplifier</a:t>
-            </a:r>
-          </a:p>
-          <a:p>
-            <a:r>
-              <a:rPr lang="en-US" dirty="0"/>
-              <a:t>Synchronized laser irradiation would cause a local temperature change</a:t>
-            </a:r>
-          </a:p>
-          <a:p>
-            <a:pPr lvl="1"/>
-            <a:r>
-              <a:rPr lang="en-US" dirty="0"/>
-              <a:t>This would induce a resistance variation in the pipette</a:t>
-            </a:r>
-          </a:p>
-          <a:p>
-            <a:r>
-              <a:rPr lang="en-US" dirty="0"/>
-              <a:t>The measured pipette resistance was calibrated as a function of the ADTR</a:t>
-            </a:r>
-          </a:p>
-          <a:p>
-            <a:pPr lvl="2"/>
-            <a:endParaRPr lang="en-US" dirty="0"/>
-          </a:p>
-          <a:p>
-            <a:pPr lvl="1"/>
-            <a:endParaRPr lang="en-US" dirty="0"/>
-          </a:p>
-          <a:p>
-            <a:endParaRPr lang="en-US" dirty="0"/>
-          </a:p>
-          <a:p>
+              <a:t>Theoretical Calculation of the ADTR </a:t>
+            </a:r>
+            <a:r>
+              <a:rPr lang="en-US" sz="1050" dirty="0"/>
+              <a:t>[1]</a:t>
+            </a:r>
             <a:endParaRPr lang="en-US" dirty="0"/>
           </a:p>
         </p:txBody>
@@ -8847,18 +9605,251 @@
         </p:blipFill>
         <p:spPr>
           <a:xfrm>
-            <a:off x="7871792" y="2268873"/>
-            <a:ext cx="3077582" cy="3627151"/>
+            <a:off x="680321" y="2402983"/>
+            <a:ext cx="4376770" cy="847731"/>
           </a:xfrm>
           <a:prstGeom prst="rect">
             <a:avLst/>
           </a:prstGeom>
         </p:spPr>
       </p:pic>
+      <p:sp>
+        <p:nvSpPr>
+          <p:cNvPr id="5" name="Right Arrow 4"/>
+          <p:cNvSpPr/>
+          <p:nvPr/>
+        </p:nvSpPr>
+        <p:spPr>
+          <a:xfrm>
+            <a:off x="5425570" y="2640489"/>
+            <a:ext cx="1287117" cy="372717"/>
+          </a:xfrm>
+          <a:prstGeom prst="rightArrow">
+            <a:avLst/>
+          </a:prstGeom>
+          <a:solidFill>
+            <a:schemeClr val="tx1"/>
+          </a:solidFill>
+          <a:ln>
+            <a:solidFill>
+              <a:schemeClr val="tx1"/>
+            </a:solidFill>
+          </a:ln>
+        </p:spPr>
+        <p:style>
+          <a:lnRef idx="2">
+            <a:schemeClr val="accent1">
+              <a:shade val="50000"/>
+            </a:schemeClr>
+          </a:lnRef>
+          <a:fillRef idx="1">
+            <a:schemeClr val="accent1"/>
+          </a:fillRef>
+          <a:effectRef idx="0">
+            <a:schemeClr val="accent1"/>
+          </a:effectRef>
+          <a:fontRef idx="minor">
+            <a:schemeClr val="lt1"/>
+          </a:fontRef>
+        </p:style>
+        <p:txBody>
+          <a:bodyPr rtlCol="0" anchor="ctr"/>
+          <a:lstStyle/>
+          <a:p>
+            <a:pPr algn="ctr"/>
+            <a:endParaRPr lang="en-US" dirty="0"/>
+          </a:p>
+        </p:txBody>
+      </p:sp>
+      <p:pic>
+        <p:nvPicPr>
+          <p:cNvPr id="6" name="Picture 5"/>
+          <p:cNvPicPr>
+            <a:picLocks noChangeAspect="1"/>
+          </p:cNvPicPr>
+          <p:nvPr/>
+        </p:nvPicPr>
+        <p:blipFill>
+          <a:blip r:embed="rId4"/>
+          <a:stretch>
+            <a:fillRect/>
+          </a:stretch>
+        </p:blipFill>
+        <p:spPr>
+          <a:xfrm>
+            <a:off x="7081166" y="2402983"/>
+            <a:ext cx="4376770" cy="847731"/>
+          </a:xfrm>
+          <a:prstGeom prst="rect">
+            <a:avLst/>
+          </a:prstGeom>
+        </p:spPr>
+      </p:pic>
+      <p:sp>
+        <p:nvSpPr>
+          <p:cNvPr id="8" name="TextBox 7"/>
+          <p:cNvSpPr txBox="1"/>
+          <p:nvPr/>
+        </p:nvSpPr>
+        <p:spPr>
+          <a:xfrm>
+            <a:off x="1362640" y="3250714"/>
+            <a:ext cx="3137659" cy="923330"/>
+          </a:xfrm>
+          <a:prstGeom prst="rect">
+            <a:avLst/>
+          </a:prstGeom>
+          <a:noFill/>
+        </p:spPr>
+        <p:txBody>
+          <a:bodyPr wrap="square" rtlCol="0">
+            <a:spAutoFit/>
+          </a:bodyPr>
+          <a:lstStyle/>
+          <a:p>
+            <a:pPr algn="ctr"/>
+            <a:r>
+              <a:rPr lang="en-US" dirty="0"/>
+              <a:t>Eq. 1 – </a:t>
+            </a:r>
+          </a:p>
+          <a:p>
+            <a:pPr algn="ctr"/>
+            <a:r>
+              <a:rPr lang="en-US" dirty="0"/>
+              <a:t>Mathematical Model of Heat Conduction Equation</a:t>
+            </a:r>
+          </a:p>
+        </p:txBody>
+      </p:sp>
+      <p:sp>
+        <p:nvSpPr>
+          <p:cNvPr id="9" name="TextBox 8"/>
+          <p:cNvSpPr txBox="1"/>
+          <p:nvPr/>
+        </p:nvSpPr>
+        <p:spPr>
+          <a:xfrm>
+            <a:off x="7225679" y="3289587"/>
+            <a:ext cx="4087743" cy="1477328"/>
+          </a:xfrm>
+          <a:prstGeom prst="rect">
+            <a:avLst/>
+          </a:prstGeom>
+          <a:noFill/>
+        </p:spPr>
+        <p:txBody>
+          <a:bodyPr wrap="square" rtlCol="0">
+            <a:spAutoFit/>
+          </a:bodyPr>
+          <a:lstStyle/>
+          <a:p>
+            <a:pPr algn="ctr"/>
+            <a:r>
+              <a:rPr lang="en-US" dirty="0"/>
+              <a:t>Eq. 2 – </a:t>
+            </a:r>
+          </a:p>
+          <a:p>
+            <a:pPr algn="ctr"/>
+            <a:r>
+              <a:rPr lang="en-US" dirty="0"/>
+              <a:t>Equation 1 solved using a Gaussian approximation. </a:t>
+            </a:r>
+            <a:r>
+              <a:rPr lang="el-GR" dirty="0"/>
+              <a:t>Δ</a:t>
+            </a:r>
+            <a:r>
+              <a:rPr lang="en-US" dirty="0"/>
+              <a:t>T obtained in consideration of the thermal lens effect</a:t>
+            </a:r>
+          </a:p>
+        </p:txBody>
+      </p:sp>
+      <p:sp>
+        <p:nvSpPr>
+          <p:cNvPr id="10" name="TextBox 9"/>
+          <p:cNvSpPr txBox="1"/>
+          <p:nvPr/>
+        </p:nvSpPr>
+        <p:spPr>
+          <a:xfrm>
+            <a:off x="1033895" y="5021775"/>
+            <a:ext cx="9357690" cy="1200329"/>
+          </a:xfrm>
+          <a:prstGeom prst="rect">
+            <a:avLst/>
+          </a:prstGeom>
+          <a:noFill/>
+        </p:spPr>
+        <p:txBody>
+          <a:bodyPr wrap="none" rtlCol="0">
+            <a:spAutoFit/>
+          </a:bodyPr>
+          <a:lstStyle/>
+          <a:p>
+            <a:pPr marL="285750" indent="-285750">
+              <a:buFont typeface="Arial" panose="020B0604020202020204" pitchFamily="34" charset="0"/>
+              <a:buChar char="•"/>
+            </a:pPr>
+            <a:r>
+              <a:rPr lang="en-US" dirty="0"/>
+              <a:t>The thermal lens effect occurs when the laser beam is absorbed in the focusing region</a:t>
+            </a:r>
+          </a:p>
+          <a:p>
+            <a:pPr marL="285750" indent="-285750">
+              <a:buFont typeface="Arial" panose="020B0604020202020204" pitchFamily="34" charset="0"/>
+              <a:buChar char="•"/>
+            </a:pPr>
+            <a:r>
+              <a:rPr lang="en-US" dirty="0"/>
+              <a:t>Equation 2 predicted a linear relationship between the laser power and </a:t>
+            </a:r>
+            <a:r>
+              <a:rPr lang="el-GR" dirty="0"/>
+              <a:t>Δ</a:t>
+            </a:r>
+            <a:r>
+              <a:rPr lang="en-US" dirty="0"/>
+              <a:t>T. </a:t>
+            </a:r>
+          </a:p>
+          <a:p>
+            <a:pPr marL="285750" indent="-285750">
+              <a:buFont typeface="Arial" panose="020B0604020202020204" pitchFamily="34" charset="0"/>
+              <a:buChar char="•"/>
+            </a:pPr>
+            <a:r>
+              <a:rPr lang="en-US" dirty="0"/>
+              <a:t>This deduction was confirmed via an open pipette method to measure the </a:t>
+            </a:r>
+            <a:r>
+              <a:rPr lang="el-GR" dirty="0"/>
+              <a:t>Δ</a:t>
+            </a:r>
+            <a:r>
+              <a:rPr lang="en-US" dirty="0"/>
+              <a:t>T directly</a:t>
+            </a:r>
+          </a:p>
+          <a:p>
+            <a:pPr marL="742950" lvl="1" indent="-285750">
+              <a:buFont typeface="Arial" panose="020B0604020202020204" pitchFamily="34" charset="0"/>
+              <a:buChar char="•"/>
+            </a:pPr>
+            <a:r>
+              <a:rPr lang="en-US" dirty="0"/>
+              <a:t>980-nm wavelength infrared laser irradiation</a:t>
+            </a:r>
+          </a:p>
+        </p:txBody>
+      </p:sp>
     </p:spTree>
     <p:extLst>
       <p:ext uri="{BB962C8B-B14F-4D97-AF65-F5344CB8AC3E}">
-        <p14:creationId xmlns:p14="http://schemas.microsoft.com/office/powerpoint/2010/main" val="2102302730"/>
+        <p14:creationId xmlns:p14="http://schemas.microsoft.com/office/powerpoint/2010/main" val="3060278284"/>
       </p:ext>
     </p:extLst>
   </p:cSld>
@@ -8904,6 +9895,24 @@
               <a:rPr lang="en-US" dirty="0"/>
               <a:t>Variable Considerations</a:t>
             </a:r>
+            <a:r>
+              <a:rPr kumimoji="0" lang="en-US" sz="1050" b="0" i="0" u="none" strike="noStrike" kern="1200" cap="none" spc="0" normalizeH="0" baseline="0" noProof="0" dirty="0">
+                <a:ln>
+                  <a:noFill/>
+                </a:ln>
+                <a:solidFill>
+                  <a:prstClr val="white"/>
+                </a:solidFill>
+                <a:effectLst/>
+                <a:uLnTx/>
+                <a:uFillTx/>
+                <a:latin typeface="Trebuchet MS" panose="020B0603020202020204"/>
+                <a:ea typeface="+mj-ea"/>
+                <a:cs typeface="+mj-cs"/>
+              </a:rPr>
+              <a:t> [1]</a:t>
+            </a:r>
+            <a:endParaRPr lang="en-US" dirty="0"/>
           </a:p>
         </p:txBody>
       </p:sp>
@@ -9075,7 +10084,7 @@
           <a:p>
             <a:r>
               <a:rPr lang="en-US" sz="1400" dirty="0"/>
-              <a:t>P = .009999 W	irradiation laser power, obeys Beer-Lambert law		with the initial laser power Po</a:t>
+              <a:t>P = .009999 W	irradiation laser power, obeys Beer-Lambert law				with the initial laser power Po</a:t>
             </a:r>
           </a:p>
           <a:p>
@@ -9270,6 +10279,1231 @@
     <p:extLst>
       <p:ext uri="{BB962C8B-B14F-4D97-AF65-F5344CB8AC3E}">
         <p14:creationId xmlns:p14="http://schemas.microsoft.com/office/powerpoint/2010/main" val="838778057"/>
+      </p:ext>
+    </p:extLst>
+  </p:cSld>
+  <p:clrMapOvr>
+    <a:masterClrMapping/>
+  </p:clrMapOvr>
+</p:sld>
+</file>
+
+<file path=ppt/slides/slide5.xml><?xml version="1.0" encoding="utf-8"?>
+<p:sld xmlns:a="http://schemas.openxmlformats.org/drawingml/2006/main" xmlns:r="http://schemas.openxmlformats.org/officeDocument/2006/relationships" xmlns:p="http://schemas.openxmlformats.org/presentationml/2006/main">
+  <p:cSld>
+    <p:spTree>
+      <p:nvGrpSpPr>
+        <p:cNvPr id="1" name=""/>
+        <p:cNvGrpSpPr/>
+        <p:nvPr/>
+      </p:nvGrpSpPr>
+      <p:grpSpPr>
+        <a:xfrm>
+          <a:off x="0" y="0"/>
+          <a:ext cx="0" cy="0"/>
+          <a:chOff x="0" y="0"/>
+          <a:chExt cx="0" cy="0"/>
+        </a:xfrm>
+      </p:grpSpPr>
+      <p:sp>
+        <p:nvSpPr>
+          <p:cNvPr id="2" name="Title 1"/>
+          <p:cNvSpPr>
+            <a:spLocks noGrp="1"/>
+          </p:cNvSpPr>
+          <p:nvPr>
+            <p:ph type="title"/>
+          </p:nvPr>
+        </p:nvSpPr>
+        <p:spPr/>
+        <p:txBody>
+          <a:bodyPr/>
+          <a:lstStyle/>
+          <a:p>
+            <a:r>
+              <a:rPr lang="en-US" dirty="0"/>
+              <a:t>Computed Values</a:t>
+            </a:r>
+          </a:p>
+        </p:txBody>
+      </p:sp>
+      <p:graphicFrame>
+        <p:nvGraphicFramePr>
+          <p:cNvPr id="4" name="Table 3"/>
+          <p:cNvGraphicFramePr>
+            <a:graphicFrameLocks noGrp="1"/>
+          </p:cNvGraphicFramePr>
+          <p:nvPr>
+            <p:extLst>
+              <p:ext uri="{D42A27DB-BD31-4B8C-83A1-F6EECF244321}">
+                <p14:modId xmlns:p14="http://schemas.microsoft.com/office/powerpoint/2010/main" val="4084603855"/>
+              </p:ext>
+            </p:extLst>
+          </p:nvPr>
+        </p:nvGraphicFramePr>
+        <p:xfrm>
+          <a:off x="1289193" y="2250970"/>
+          <a:ext cx="9211498" cy="4147014"/>
+        </p:xfrm>
+        <a:graphic>
+          <a:graphicData uri="http://schemas.openxmlformats.org/drawingml/2006/table">
+            <a:tbl>
+              <a:tblPr firstRow="1" bandRow="1">
+                <a:tableStyleId>{073A0DAA-6AF3-43AB-8588-CEC1D06C72B9}</a:tableStyleId>
+              </a:tblPr>
+              <a:tblGrid>
+                <a:gridCol w="4266781">
+                  <a:extLst>
+                    <a:ext uri="{9D8B030D-6E8A-4147-A177-3AD203B41FA5}">
+                      <a16:colId xmlns:a16="http://schemas.microsoft.com/office/drawing/2014/main" val="3155804813"/>
+                    </a:ext>
+                  </a:extLst>
+                </a:gridCol>
+                <a:gridCol w="4944717">
+                  <a:extLst>
+                    <a:ext uri="{9D8B030D-6E8A-4147-A177-3AD203B41FA5}">
+                      <a16:colId xmlns:a16="http://schemas.microsoft.com/office/drawing/2014/main" val="4281221820"/>
+                    </a:ext>
+                  </a:extLst>
+                </a:gridCol>
+              </a:tblGrid>
+              <a:tr h="424532">
+                <a:tc>
+                  <a:txBody>
+                    <a:bodyPr/>
+                    <a:lstStyle/>
+                    <a:p>
+                      <a:r>
+                        <a:rPr lang="en-US" dirty="0"/>
+                        <a:t>Parameter</a:t>
+                      </a:r>
+                    </a:p>
+                  </a:txBody>
+                  <a:tcPr/>
+                </a:tc>
+                <a:tc>
+                  <a:txBody>
+                    <a:bodyPr/>
+                    <a:lstStyle/>
+                    <a:p>
+                      <a:r>
+                        <a:rPr lang="en-US" dirty="0"/>
+                        <a:t>Calculated Value</a:t>
+                      </a:r>
+                    </a:p>
+                  </a:txBody>
+                  <a:tcPr/>
+                </a:tc>
+                <a:extLst>
+                  <a:ext uri="{0D108BD9-81ED-4DB2-BD59-A6C34878D82A}">
+                    <a16:rowId xmlns:a16="http://schemas.microsoft.com/office/drawing/2014/main" val="4236597733"/>
+                  </a:ext>
+                </a:extLst>
+              </a:tr>
+              <a:tr h="634612">
+                <a:tc>
+                  <a:txBody>
+                    <a:bodyPr/>
+                    <a:lstStyle/>
+                    <a:p>
+                      <a:r>
+                        <a:rPr lang="en-US" dirty="0"/>
+                        <a:t>Power</a:t>
+                      </a:r>
+                      <a:r>
+                        <a:rPr lang="en-US" baseline="0" dirty="0"/>
+                        <a:t> at the Sample Plane</a:t>
+                      </a:r>
+                      <a:endParaRPr lang="en-US" dirty="0"/>
+                    </a:p>
+                  </a:txBody>
+                  <a:tcPr/>
+                </a:tc>
+                <a:tc>
+                  <a:txBody>
+                    <a:bodyPr/>
+                    <a:lstStyle/>
+                    <a:p>
+                      <a:r>
+                        <a:rPr lang="en-US" dirty="0"/>
+                        <a:t>2.9mW </a:t>
+                      </a:r>
+                      <a:r>
+                        <a:rPr lang="en-US" i="1" dirty="0"/>
+                        <a:t>or</a:t>
+                      </a:r>
+                      <a:r>
+                        <a:rPr lang="en-US" i="0" dirty="0"/>
+                        <a:t> 5.5mW</a:t>
+                      </a:r>
+                      <a:endParaRPr lang="en-US" dirty="0"/>
+                    </a:p>
+                  </a:txBody>
+                  <a:tcPr/>
+                </a:tc>
+                <a:extLst>
+                  <a:ext uri="{0D108BD9-81ED-4DB2-BD59-A6C34878D82A}">
+                    <a16:rowId xmlns:a16="http://schemas.microsoft.com/office/drawing/2014/main" val="2479556230"/>
+                  </a:ext>
+                </a:extLst>
+              </a:tr>
+              <a:tr h="634612">
+                <a:tc>
+                  <a:txBody>
+                    <a:bodyPr/>
+                    <a:lstStyle/>
+                    <a:p>
+                      <a:r>
+                        <a:rPr lang="en-US" dirty="0"/>
+                        <a:t>Beam Radius at</a:t>
+                      </a:r>
+                      <a:r>
+                        <a:rPr lang="en-US" baseline="0" dirty="0"/>
+                        <a:t> the Sample Plane</a:t>
+                      </a:r>
+                      <a:endParaRPr lang="en-US" dirty="0"/>
+                    </a:p>
+                  </a:txBody>
+                  <a:tcPr/>
+                </a:tc>
+                <a:tc>
+                  <a:txBody>
+                    <a:bodyPr/>
+                    <a:lstStyle/>
+                    <a:p>
+                      <a:r>
+                        <a:rPr lang="en-US" dirty="0"/>
+                        <a:t>25.18 um</a:t>
+                      </a:r>
+                    </a:p>
+                    <a:p>
+                      <a:endParaRPr lang="en-US" dirty="0"/>
+                    </a:p>
+                  </a:txBody>
+                  <a:tcPr/>
+                </a:tc>
+                <a:extLst>
+                  <a:ext uri="{0D108BD9-81ED-4DB2-BD59-A6C34878D82A}">
+                    <a16:rowId xmlns:a16="http://schemas.microsoft.com/office/drawing/2014/main" val="2311335666"/>
+                  </a:ext>
+                </a:extLst>
+              </a:tr>
+              <a:tr h="634612">
+                <a:tc>
+                  <a:txBody>
+                    <a:bodyPr/>
+                    <a:lstStyle/>
+                    <a:p>
+                      <a:r>
+                        <a:rPr lang="en-US" dirty="0"/>
+                        <a:t>Beam Radius at the Waist</a:t>
+                      </a:r>
+                    </a:p>
+                  </a:txBody>
+                  <a:tcPr/>
+                </a:tc>
+                <a:tc>
+                  <a:txBody>
+                    <a:bodyPr/>
+                    <a:lstStyle/>
+                    <a:p>
+                      <a:r>
+                        <a:rPr lang="en-US" dirty="0"/>
+                        <a:t>25 um</a:t>
+                      </a:r>
+                    </a:p>
+                  </a:txBody>
+                  <a:tcPr/>
+                </a:tc>
+                <a:extLst>
+                  <a:ext uri="{0D108BD9-81ED-4DB2-BD59-A6C34878D82A}">
+                    <a16:rowId xmlns:a16="http://schemas.microsoft.com/office/drawing/2014/main" val="2930440930"/>
+                  </a:ext>
+                </a:extLst>
+              </a:tr>
+              <a:tr h="906589">
+                <a:tc>
+                  <a:txBody>
+                    <a:bodyPr/>
+                    <a:lstStyle/>
+                    <a:p>
+                      <a:r>
+                        <a:rPr lang="en-US" dirty="0"/>
+                        <a:t>Sample Plane Position (z-distance)</a:t>
+                      </a:r>
+                    </a:p>
+                  </a:txBody>
+                  <a:tcPr/>
+                </a:tc>
+                <a:tc>
+                  <a:txBody>
+                    <a:bodyPr/>
+                    <a:lstStyle/>
+                    <a:p>
+                      <a:r>
+                        <a:rPr lang="en-US" dirty="0"/>
+                        <a:t>117.55um</a:t>
+                      </a:r>
+                    </a:p>
+                  </a:txBody>
+                  <a:tcPr/>
+                </a:tc>
+                <a:extLst>
+                  <a:ext uri="{0D108BD9-81ED-4DB2-BD59-A6C34878D82A}">
+                    <a16:rowId xmlns:a16="http://schemas.microsoft.com/office/drawing/2014/main" val="1584063858"/>
+                  </a:ext>
+                </a:extLst>
+              </a:tr>
+              <a:tr h="906589">
+                <a:tc>
+                  <a:txBody>
+                    <a:bodyPr/>
+                    <a:lstStyle/>
+                    <a:p>
+                      <a:r>
+                        <a:rPr lang="en-US" dirty="0"/>
+                        <a:t>Characteristic Thermal Time Constant</a:t>
+                      </a:r>
+                    </a:p>
+                  </a:txBody>
+                  <a:tcPr/>
+                </a:tc>
+                <a:tc>
+                  <a:txBody>
+                    <a:bodyPr/>
+                    <a:lstStyle/>
+                    <a:p>
+                      <a:r>
+                        <a:rPr lang="en-US" dirty="0"/>
+                        <a:t>110.54um</a:t>
+                      </a:r>
+                    </a:p>
+                  </a:txBody>
+                  <a:tcPr/>
+                </a:tc>
+                <a:extLst>
+                  <a:ext uri="{0D108BD9-81ED-4DB2-BD59-A6C34878D82A}">
+                    <a16:rowId xmlns:a16="http://schemas.microsoft.com/office/drawing/2014/main" val="2777126704"/>
+                  </a:ext>
+                </a:extLst>
+              </a:tr>
+            </a:tbl>
+          </a:graphicData>
+        </a:graphic>
+      </p:graphicFrame>
+    </p:spTree>
+    <p:extLst>
+      <p:ext uri="{BB962C8B-B14F-4D97-AF65-F5344CB8AC3E}">
+        <p14:creationId xmlns:p14="http://schemas.microsoft.com/office/powerpoint/2010/main" val="1074490893"/>
+      </p:ext>
+    </p:extLst>
+  </p:cSld>
+  <p:clrMapOvr>
+    <a:masterClrMapping/>
+  </p:clrMapOvr>
+</p:sld>
+</file>
+
+<file path=ppt/slides/slide6.xml><?xml version="1.0" encoding="utf-8"?>
+<p:sld xmlns:a="http://schemas.openxmlformats.org/drawingml/2006/main" xmlns:r="http://schemas.openxmlformats.org/officeDocument/2006/relationships" xmlns:p="http://schemas.openxmlformats.org/presentationml/2006/main">
+  <p:cSld>
+    <p:spTree>
+      <p:nvGrpSpPr>
+        <p:cNvPr id="1" name=""/>
+        <p:cNvGrpSpPr/>
+        <p:nvPr/>
+      </p:nvGrpSpPr>
+      <p:grpSpPr>
+        <a:xfrm>
+          <a:off x="0" y="0"/>
+          <a:ext cx="0" cy="0"/>
+          <a:chOff x="0" y="0"/>
+          <a:chExt cx="0" cy="0"/>
+        </a:xfrm>
+      </p:grpSpPr>
+      <p:sp>
+        <p:nvSpPr>
+          <p:cNvPr id="2" name="Title 1">
+            <a:extLst>
+              <a:ext uri="{FF2B5EF4-FFF2-40B4-BE49-F238E27FC236}">
+                <a16:creationId xmlns:a16="http://schemas.microsoft.com/office/drawing/2014/main" id="{1C13D16D-A147-4067-96B5-F6BF568B43B1}"/>
+              </a:ext>
+            </a:extLst>
+          </p:cNvPr>
+          <p:cNvSpPr>
+            <a:spLocks noGrp="1"/>
+          </p:cNvSpPr>
+          <p:nvPr>
+            <p:ph type="title"/>
+          </p:nvPr>
+        </p:nvSpPr>
+        <p:spPr/>
+        <p:txBody>
+          <a:bodyPr/>
+          <a:lstStyle/>
+          <a:p>
+            <a:r>
+              <a:rPr lang="en-US" dirty="0"/>
+              <a:t>Implementation Strategy - Declarations</a:t>
+            </a:r>
+          </a:p>
+        </p:txBody>
+      </p:sp>
+      <p:pic>
+        <p:nvPicPr>
+          <p:cNvPr id="3" name="Picture 2">
+            <a:extLst>
+              <a:ext uri="{FF2B5EF4-FFF2-40B4-BE49-F238E27FC236}">
+                <a16:creationId xmlns:a16="http://schemas.microsoft.com/office/drawing/2014/main" id="{539A345C-6788-4719-B10F-C685AA702A0E}"/>
+              </a:ext>
+            </a:extLst>
+          </p:cNvPr>
+          <p:cNvPicPr>
+            <a:picLocks noChangeAspect="1"/>
+          </p:cNvPicPr>
+          <p:nvPr/>
+        </p:nvPicPr>
+        <p:blipFill>
+          <a:blip r:embed="rId2"/>
+          <a:stretch>
+            <a:fillRect/>
+          </a:stretch>
+        </p:blipFill>
+        <p:spPr>
+          <a:xfrm>
+            <a:off x="1626257" y="2148604"/>
+            <a:ext cx="8516625" cy="2024077"/>
+          </a:xfrm>
+          <a:prstGeom prst="rect">
+            <a:avLst/>
+          </a:prstGeom>
+        </p:spPr>
+      </p:pic>
+      <p:sp>
+        <p:nvSpPr>
+          <p:cNvPr id="4" name="TextBox 3">
+            <a:extLst>
+              <a:ext uri="{FF2B5EF4-FFF2-40B4-BE49-F238E27FC236}">
+                <a16:creationId xmlns:a16="http://schemas.microsoft.com/office/drawing/2014/main" id="{8E416BA0-A8E5-40C4-A3A1-7F97DFE4C6EA}"/>
+              </a:ext>
+            </a:extLst>
+          </p:cNvPr>
+          <p:cNvSpPr txBox="1"/>
+          <p:nvPr/>
+        </p:nvSpPr>
+        <p:spPr>
+          <a:xfrm>
+            <a:off x="1626257" y="4517335"/>
+            <a:ext cx="8516625" cy="1477328"/>
+          </a:xfrm>
+          <a:prstGeom prst="rect">
+            <a:avLst/>
+          </a:prstGeom>
+          <a:noFill/>
+        </p:spPr>
+        <p:txBody>
+          <a:bodyPr wrap="square" rtlCol="0">
+            <a:spAutoFit/>
+          </a:bodyPr>
+          <a:lstStyle/>
+          <a:p>
+            <a:r>
+              <a:rPr lang="en-US" dirty="0"/>
+              <a:t>Important Considerations:</a:t>
+            </a:r>
+          </a:p>
+          <a:p>
+            <a:pPr marL="285750" indent="-285750">
+              <a:buFont typeface="Arial" panose="020B0604020202020204" pitchFamily="34" charset="0"/>
+              <a:buChar char="•"/>
+            </a:pPr>
+            <a:r>
+              <a:rPr lang="en-US" dirty="0"/>
+              <a:t>Array P0 contains initial power values</a:t>
+            </a:r>
+          </a:p>
+          <a:p>
+            <a:pPr marL="742950" lvl="1" indent="-285750">
+              <a:buFont typeface="Arial" panose="020B0604020202020204" pitchFamily="34" charset="0"/>
+              <a:buChar char="•"/>
+            </a:pPr>
+            <a:r>
+              <a:rPr lang="en-US" dirty="0"/>
+              <a:t> Will be turned into irradiation laser power </a:t>
+            </a:r>
+          </a:p>
+          <a:p>
+            <a:pPr marL="285750" indent="-285750">
+              <a:buFont typeface="Arial" panose="020B0604020202020204" pitchFamily="34" charset="0"/>
+              <a:buChar char="•"/>
+            </a:pPr>
+            <a:r>
+              <a:rPr lang="en-US" dirty="0"/>
+              <a:t>Laser fiber is perpendicular to the axon</a:t>
+            </a:r>
+          </a:p>
+          <a:p>
+            <a:pPr marL="285750" indent="-285750">
+              <a:buFont typeface="Arial" panose="020B0604020202020204" pitchFamily="34" charset="0"/>
+              <a:buChar char="•"/>
+            </a:pPr>
+            <a:r>
+              <a:rPr lang="en-US" dirty="0"/>
+              <a:t>Laser is perfectly columnated </a:t>
+            </a:r>
+          </a:p>
+        </p:txBody>
+      </p:sp>
+      <p:sp>
+        <p:nvSpPr>
+          <p:cNvPr id="5" name="TextBox 4">
+            <a:extLst>
+              <a:ext uri="{FF2B5EF4-FFF2-40B4-BE49-F238E27FC236}">
+                <a16:creationId xmlns:a16="http://schemas.microsoft.com/office/drawing/2014/main" id="{2C40FD2B-5110-46CC-B935-65F292530C71}"/>
+              </a:ext>
+            </a:extLst>
+          </p:cNvPr>
+          <p:cNvSpPr txBox="1"/>
+          <p:nvPr/>
+        </p:nvSpPr>
+        <p:spPr>
+          <a:xfrm>
+            <a:off x="10294182" y="2678595"/>
+            <a:ext cx="1446144" cy="830997"/>
+          </a:xfrm>
+          <a:prstGeom prst="rect">
+            <a:avLst/>
+          </a:prstGeom>
+          <a:noFill/>
+        </p:spPr>
+        <p:txBody>
+          <a:bodyPr wrap="square" rtlCol="0">
+            <a:spAutoFit/>
+          </a:bodyPr>
+          <a:lstStyle/>
+          <a:p>
+            <a:r>
+              <a:rPr lang="en-US" sz="1200" dirty="0"/>
+              <a:t>Fig 2.</a:t>
+            </a:r>
+          </a:p>
+          <a:p>
+            <a:r>
+              <a:rPr lang="en-US" sz="1200" dirty="0"/>
+              <a:t>Variable Declaration in Python</a:t>
+            </a:r>
+          </a:p>
+        </p:txBody>
+      </p:sp>
+    </p:spTree>
+    <p:extLst>
+      <p:ext uri="{BB962C8B-B14F-4D97-AF65-F5344CB8AC3E}">
+        <p14:creationId xmlns:p14="http://schemas.microsoft.com/office/powerpoint/2010/main" val="2720983542"/>
+      </p:ext>
+    </p:extLst>
+  </p:cSld>
+  <p:clrMapOvr>
+    <a:masterClrMapping/>
+  </p:clrMapOvr>
+</p:sld>
+</file>
+
+<file path=ppt/slides/slide7.xml><?xml version="1.0" encoding="utf-8"?>
+<p:sld xmlns:a="http://schemas.openxmlformats.org/drawingml/2006/main" xmlns:r="http://schemas.openxmlformats.org/officeDocument/2006/relationships" xmlns:p="http://schemas.openxmlformats.org/presentationml/2006/main">
+  <p:cSld>
+    <p:spTree>
+      <p:nvGrpSpPr>
+        <p:cNvPr id="1" name=""/>
+        <p:cNvGrpSpPr/>
+        <p:nvPr/>
+      </p:nvGrpSpPr>
+      <p:grpSpPr>
+        <a:xfrm>
+          <a:off x="0" y="0"/>
+          <a:ext cx="0" cy="0"/>
+          <a:chOff x="0" y="0"/>
+          <a:chExt cx="0" cy="0"/>
+        </a:xfrm>
+      </p:grpSpPr>
+      <p:sp>
+        <p:nvSpPr>
+          <p:cNvPr id="2" name="Title 1">
+            <a:extLst>
+              <a:ext uri="{FF2B5EF4-FFF2-40B4-BE49-F238E27FC236}">
+                <a16:creationId xmlns:a16="http://schemas.microsoft.com/office/drawing/2014/main" id="{89FF84F8-F219-46FC-A37A-240D46AA58DB}"/>
+              </a:ext>
+            </a:extLst>
+          </p:cNvPr>
+          <p:cNvSpPr>
+            <a:spLocks noGrp="1"/>
+          </p:cNvSpPr>
+          <p:nvPr>
+            <p:ph type="title"/>
+          </p:nvPr>
+        </p:nvSpPr>
+        <p:spPr/>
+        <p:txBody>
+          <a:bodyPr/>
+          <a:lstStyle/>
+          <a:p>
+            <a:r>
+              <a:rPr lang="en-US" dirty="0"/>
+              <a:t>Implementation Strategy – Integration &amp; Loop</a:t>
+            </a:r>
+          </a:p>
+        </p:txBody>
+      </p:sp>
+      <p:pic>
+        <p:nvPicPr>
+          <p:cNvPr id="3" name="Picture 2">
+            <a:extLst>
+              <a:ext uri="{FF2B5EF4-FFF2-40B4-BE49-F238E27FC236}">
+                <a16:creationId xmlns:a16="http://schemas.microsoft.com/office/drawing/2014/main" id="{1E213AB0-3A8E-460A-BF20-F393D2D526E5}"/>
+              </a:ext>
+            </a:extLst>
+          </p:cNvPr>
+          <p:cNvPicPr>
+            <a:picLocks noChangeAspect="1"/>
+          </p:cNvPicPr>
+          <p:nvPr/>
+        </p:nvPicPr>
+        <p:blipFill>
+          <a:blip r:embed="rId2"/>
+          <a:stretch>
+            <a:fillRect/>
+          </a:stretch>
+        </p:blipFill>
+        <p:spPr>
+          <a:xfrm>
+            <a:off x="257774" y="2834218"/>
+            <a:ext cx="6585574" cy="1911128"/>
+          </a:xfrm>
+          <a:prstGeom prst="rect">
+            <a:avLst/>
+          </a:prstGeom>
+        </p:spPr>
+      </p:pic>
+      <p:pic>
+        <p:nvPicPr>
+          <p:cNvPr id="5" name="Picture 4">
+            <a:extLst>
+              <a:ext uri="{FF2B5EF4-FFF2-40B4-BE49-F238E27FC236}">
+                <a16:creationId xmlns:a16="http://schemas.microsoft.com/office/drawing/2014/main" id="{852BB09D-DB54-479A-AC95-64CD3F585343}"/>
+              </a:ext>
+            </a:extLst>
+          </p:cNvPr>
+          <p:cNvPicPr>
+            <a:picLocks noChangeAspect="1"/>
+          </p:cNvPicPr>
+          <p:nvPr/>
+        </p:nvPicPr>
+        <p:blipFill>
+          <a:blip r:embed="rId3"/>
+          <a:stretch>
+            <a:fillRect/>
+          </a:stretch>
+        </p:blipFill>
+        <p:spPr>
+          <a:xfrm>
+            <a:off x="6996353" y="4113954"/>
+            <a:ext cx="4459064" cy="863245"/>
+          </a:xfrm>
+          <a:prstGeom prst="rect">
+            <a:avLst/>
+          </a:prstGeom>
+        </p:spPr>
+      </p:pic>
+      <p:sp>
+        <p:nvSpPr>
+          <p:cNvPr id="6" name="TextBox 5">
+            <a:extLst>
+              <a:ext uri="{FF2B5EF4-FFF2-40B4-BE49-F238E27FC236}">
+                <a16:creationId xmlns:a16="http://schemas.microsoft.com/office/drawing/2014/main" id="{6F899A1C-145A-4E83-9EC9-CB74C73AC6DE}"/>
+              </a:ext>
+            </a:extLst>
+          </p:cNvPr>
+          <p:cNvSpPr txBox="1"/>
+          <p:nvPr/>
+        </p:nvSpPr>
+        <p:spPr>
+          <a:xfrm>
+            <a:off x="611257" y="4795236"/>
+            <a:ext cx="5517056" cy="646331"/>
+          </a:xfrm>
+          <a:prstGeom prst="rect">
+            <a:avLst/>
+          </a:prstGeom>
+          <a:noFill/>
+        </p:spPr>
+        <p:txBody>
+          <a:bodyPr wrap="square" rtlCol="0">
+            <a:spAutoFit/>
+          </a:bodyPr>
+          <a:lstStyle/>
+          <a:p>
+            <a:pPr algn="ctr"/>
+            <a:r>
+              <a:rPr lang="en-US" dirty="0"/>
+              <a:t>Fig. 3 – Computation of Temperature delta with variable Power</a:t>
+            </a:r>
+          </a:p>
+        </p:txBody>
+      </p:sp>
+      <p:pic>
+        <p:nvPicPr>
+          <p:cNvPr id="7" name="Picture 6">
+            <a:extLst>
+              <a:ext uri="{FF2B5EF4-FFF2-40B4-BE49-F238E27FC236}">
+                <a16:creationId xmlns:a16="http://schemas.microsoft.com/office/drawing/2014/main" id="{F15B4DC4-D88C-4EE3-8598-7AF79E158BF3}"/>
+              </a:ext>
+            </a:extLst>
+          </p:cNvPr>
+          <p:cNvPicPr>
+            <a:picLocks noChangeAspect="1"/>
+          </p:cNvPicPr>
+          <p:nvPr/>
+        </p:nvPicPr>
+        <p:blipFill>
+          <a:blip r:embed="rId4"/>
+          <a:stretch>
+            <a:fillRect/>
+          </a:stretch>
+        </p:blipFill>
+        <p:spPr>
+          <a:xfrm>
+            <a:off x="6969695" y="2820746"/>
+            <a:ext cx="4432407" cy="1169873"/>
+          </a:xfrm>
+          <a:prstGeom prst="rect">
+            <a:avLst/>
+          </a:prstGeom>
+        </p:spPr>
+      </p:pic>
+    </p:spTree>
+    <p:extLst>
+      <p:ext uri="{BB962C8B-B14F-4D97-AF65-F5344CB8AC3E}">
+        <p14:creationId xmlns:p14="http://schemas.microsoft.com/office/powerpoint/2010/main" val="837503023"/>
+      </p:ext>
+    </p:extLst>
+  </p:cSld>
+  <p:clrMapOvr>
+    <a:masterClrMapping/>
+  </p:clrMapOvr>
+</p:sld>
+</file>
+
+<file path=ppt/slides/slide8.xml><?xml version="1.0" encoding="utf-8"?>
+<p:sld xmlns:a="http://schemas.openxmlformats.org/drawingml/2006/main" xmlns:r="http://schemas.openxmlformats.org/officeDocument/2006/relationships" xmlns:p="http://schemas.openxmlformats.org/presentationml/2006/main">
+  <p:cSld>
+    <p:spTree>
+      <p:nvGrpSpPr>
+        <p:cNvPr id="1" name=""/>
+        <p:cNvGrpSpPr/>
+        <p:nvPr/>
+      </p:nvGrpSpPr>
+      <p:grpSpPr>
+        <a:xfrm>
+          <a:off x="0" y="0"/>
+          <a:ext cx="0" cy="0"/>
+          <a:chOff x="0" y="0"/>
+          <a:chExt cx="0" cy="0"/>
+        </a:xfrm>
+      </p:grpSpPr>
+      <p:sp>
+        <p:nvSpPr>
+          <p:cNvPr id="2" name="Title 1"/>
+          <p:cNvSpPr>
+            <a:spLocks noGrp="1"/>
+          </p:cNvSpPr>
+          <p:nvPr>
+            <p:ph type="title"/>
+          </p:nvPr>
+        </p:nvSpPr>
+        <p:spPr/>
+        <p:txBody>
+          <a:bodyPr/>
+          <a:lstStyle/>
+          <a:p>
+            <a:r>
+              <a:rPr lang="en-US" dirty="0"/>
+              <a:t>Equation Implementation Results</a:t>
+            </a:r>
+          </a:p>
+        </p:txBody>
+      </p:sp>
+      <p:pic>
+        <p:nvPicPr>
+          <p:cNvPr id="4" name="Picture 3"/>
+          <p:cNvPicPr>
+            <a:picLocks noChangeAspect="1"/>
+          </p:cNvPicPr>
+          <p:nvPr/>
+        </p:nvPicPr>
+        <p:blipFill>
+          <a:blip r:embed="rId2">
+            <a:extLst>
+              <a:ext uri="{28A0092B-C50C-407E-A947-70E740481C1C}">
+                <a14:useLocalDpi xmlns:a14="http://schemas.microsoft.com/office/drawing/2010/main" val="0"/>
+              </a:ext>
+            </a:extLst>
+          </a:blip>
+          <a:stretch>
+            <a:fillRect/>
+          </a:stretch>
+        </p:blipFill>
+        <p:spPr>
+          <a:xfrm>
+            <a:off x="1148882" y="2031843"/>
+            <a:ext cx="2777251" cy="2082938"/>
+          </a:xfrm>
+          <a:prstGeom prst="rect">
+            <a:avLst/>
+          </a:prstGeom>
+        </p:spPr>
+      </p:pic>
+      <p:pic>
+        <p:nvPicPr>
+          <p:cNvPr id="5" name="Picture 4"/>
+          <p:cNvPicPr>
+            <a:picLocks noChangeAspect="1"/>
+          </p:cNvPicPr>
+          <p:nvPr/>
+        </p:nvPicPr>
+        <p:blipFill>
+          <a:blip r:embed="rId3">
+            <a:extLst>
+              <a:ext uri="{28A0092B-C50C-407E-A947-70E740481C1C}">
+                <a14:useLocalDpi xmlns:a14="http://schemas.microsoft.com/office/drawing/2010/main" val="0"/>
+              </a:ext>
+            </a:extLst>
+          </a:blip>
+          <a:stretch>
+            <a:fillRect/>
+          </a:stretch>
+        </p:blipFill>
+        <p:spPr>
+          <a:xfrm>
+            <a:off x="4706493" y="4382213"/>
+            <a:ext cx="2777251" cy="2082938"/>
+          </a:xfrm>
+          <a:prstGeom prst="rect">
+            <a:avLst/>
+          </a:prstGeom>
+        </p:spPr>
+      </p:pic>
+      <p:pic>
+        <p:nvPicPr>
+          <p:cNvPr id="6" name="Picture 5"/>
+          <p:cNvPicPr>
+            <a:picLocks noChangeAspect="1"/>
+          </p:cNvPicPr>
+          <p:nvPr/>
+        </p:nvPicPr>
+        <p:blipFill>
+          <a:blip r:embed="rId4">
+            <a:extLst>
+              <a:ext uri="{28A0092B-C50C-407E-A947-70E740481C1C}">
+                <a14:useLocalDpi xmlns:a14="http://schemas.microsoft.com/office/drawing/2010/main" val="0"/>
+              </a:ext>
+            </a:extLst>
+          </a:blip>
+          <a:stretch>
+            <a:fillRect/>
+          </a:stretch>
+        </p:blipFill>
+        <p:spPr>
+          <a:xfrm>
+            <a:off x="8255152" y="2031843"/>
+            <a:ext cx="2777251" cy="2082938"/>
+          </a:xfrm>
+          <a:prstGeom prst="rect">
+            <a:avLst/>
+          </a:prstGeom>
+        </p:spPr>
+      </p:pic>
+      <p:pic>
+        <p:nvPicPr>
+          <p:cNvPr id="7" name="Picture 6"/>
+          <p:cNvPicPr>
+            <a:picLocks noChangeAspect="1"/>
+          </p:cNvPicPr>
+          <p:nvPr/>
+        </p:nvPicPr>
+        <p:blipFill>
+          <a:blip r:embed="rId5">
+            <a:extLst>
+              <a:ext uri="{28A0092B-C50C-407E-A947-70E740481C1C}">
+                <a14:useLocalDpi xmlns:a14="http://schemas.microsoft.com/office/drawing/2010/main" val="0"/>
+              </a:ext>
+            </a:extLst>
+          </a:blip>
+          <a:stretch>
+            <a:fillRect/>
+          </a:stretch>
+        </p:blipFill>
+        <p:spPr>
+          <a:xfrm>
+            <a:off x="4706493" y="2031843"/>
+            <a:ext cx="2777251" cy="2082938"/>
+          </a:xfrm>
+          <a:prstGeom prst="rect">
+            <a:avLst/>
+          </a:prstGeom>
+        </p:spPr>
+      </p:pic>
+      <p:pic>
+        <p:nvPicPr>
+          <p:cNvPr id="8" name="Picture 7"/>
+          <p:cNvPicPr>
+            <a:picLocks noChangeAspect="1"/>
+          </p:cNvPicPr>
+          <p:nvPr/>
+        </p:nvPicPr>
+        <p:blipFill>
+          <a:blip r:embed="rId6">
+            <a:extLst>
+              <a:ext uri="{28A0092B-C50C-407E-A947-70E740481C1C}">
+                <a14:useLocalDpi xmlns:a14="http://schemas.microsoft.com/office/drawing/2010/main" val="0"/>
+              </a:ext>
+            </a:extLst>
+          </a:blip>
+          <a:stretch>
+            <a:fillRect/>
+          </a:stretch>
+        </p:blipFill>
+        <p:spPr>
+          <a:xfrm>
+            <a:off x="1148882" y="4382213"/>
+            <a:ext cx="2777251" cy="2082938"/>
+          </a:xfrm>
+          <a:prstGeom prst="rect">
+            <a:avLst/>
+          </a:prstGeom>
+        </p:spPr>
+      </p:pic>
+      <p:sp>
+        <p:nvSpPr>
+          <p:cNvPr id="3" name="TextBox 2"/>
+          <p:cNvSpPr txBox="1"/>
+          <p:nvPr/>
+        </p:nvSpPr>
+        <p:spPr>
+          <a:xfrm>
+            <a:off x="1148882" y="2031843"/>
+            <a:ext cx="311727" cy="276999"/>
+          </a:xfrm>
+          <a:prstGeom prst="rect">
+            <a:avLst/>
+          </a:prstGeom>
+          <a:noFill/>
+        </p:spPr>
+        <p:txBody>
+          <a:bodyPr wrap="square" rtlCol="0">
+            <a:spAutoFit/>
+          </a:bodyPr>
+          <a:lstStyle/>
+          <a:p>
+            <a:r>
+              <a:rPr lang="en-US" sz="1200" dirty="0">
+                <a:solidFill>
+                  <a:schemeClr val="bg1"/>
+                </a:solidFill>
+              </a:rPr>
+              <a:t>A</a:t>
+            </a:r>
+          </a:p>
+        </p:txBody>
+      </p:sp>
+      <p:sp>
+        <p:nvSpPr>
+          <p:cNvPr id="11" name="TextBox 10"/>
+          <p:cNvSpPr txBox="1"/>
+          <p:nvPr/>
+        </p:nvSpPr>
+        <p:spPr>
+          <a:xfrm>
+            <a:off x="4706493" y="2031842"/>
+            <a:ext cx="311727" cy="276999"/>
+          </a:xfrm>
+          <a:prstGeom prst="rect">
+            <a:avLst/>
+          </a:prstGeom>
+          <a:noFill/>
+        </p:spPr>
+        <p:txBody>
+          <a:bodyPr wrap="square" rtlCol="0">
+            <a:spAutoFit/>
+          </a:bodyPr>
+          <a:lstStyle/>
+          <a:p>
+            <a:r>
+              <a:rPr lang="en-US" sz="1200" dirty="0">
+                <a:solidFill>
+                  <a:schemeClr val="bg1"/>
+                </a:solidFill>
+              </a:rPr>
+              <a:t>B</a:t>
+            </a:r>
+          </a:p>
+        </p:txBody>
+      </p:sp>
+      <p:sp>
+        <p:nvSpPr>
+          <p:cNvPr id="12" name="TextBox 11"/>
+          <p:cNvSpPr txBox="1"/>
+          <p:nvPr/>
+        </p:nvSpPr>
+        <p:spPr>
+          <a:xfrm>
+            <a:off x="8248915" y="2031841"/>
+            <a:ext cx="311727" cy="276999"/>
+          </a:xfrm>
+          <a:prstGeom prst="rect">
+            <a:avLst/>
+          </a:prstGeom>
+          <a:noFill/>
+        </p:spPr>
+        <p:txBody>
+          <a:bodyPr wrap="square" rtlCol="0">
+            <a:spAutoFit/>
+          </a:bodyPr>
+          <a:lstStyle/>
+          <a:p>
+            <a:r>
+              <a:rPr lang="en-US" sz="1200" dirty="0">
+                <a:solidFill>
+                  <a:schemeClr val="bg1"/>
+                </a:solidFill>
+              </a:rPr>
+              <a:t>C</a:t>
+            </a:r>
+          </a:p>
+        </p:txBody>
+      </p:sp>
+      <p:sp>
+        <p:nvSpPr>
+          <p:cNvPr id="13" name="TextBox 12"/>
+          <p:cNvSpPr txBox="1"/>
+          <p:nvPr/>
+        </p:nvSpPr>
+        <p:spPr>
+          <a:xfrm>
+            <a:off x="1148881" y="4382213"/>
+            <a:ext cx="311727" cy="276999"/>
+          </a:xfrm>
+          <a:prstGeom prst="rect">
+            <a:avLst/>
+          </a:prstGeom>
+          <a:noFill/>
+        </p:spPr>
+        <p:txBody>
+          <a:bodyPr wrap="square" rtlCol="0">
+            <a:spAutoFit/>
+          </a:bodyPr>
+          <a:lstStyle/>
+          <a:p>
+            <a:r>
+              <a:rPr lang="en-US" sz="1200" dirty="0">
+                <a:solidFill>
+                  <a:schemeClr val="bg1"/>
+                </a:solidFill>
+              </a:rPr>
+              <a:t>D</a:t>
+            </a:r>
+          </a:p>
+        </p:txBody>
+      </p:sp>
+      <p:sp>
+        <p:nvSpPr>
+          <p:cNvPr id="14" name="TextBox 13"/>
+          <p:cNvSpPr txBox="1"/>
+          <p:nvPr/>
+        </p:nvSpPr>
+        <p:spPr>
+          <a:xfrm>
+            <a:off x="4706493" y="4382212"/>
+            <a:ext cx="311727" cy="276999"/>
+          </a:xfrm>
+          <a:prstGeom prst="rect">
+            <a:avLst/>
+          </a:prstGeom>
+          <a:noFill/>
+        </p:spPr>
+        <p:txBody>
+          <a:bodyPr wrap="square" rtlCol="0">
+            <a:spAutoFit/>
+          </a:bodyPr>
+          <a:lstStyle/>
+          <a:p>
+            <a:r>
+              <a:rPr lang="en-US" sz="1200" dirty="0">
+                <a:solidFill>
+                  <a:schemeClr val="bg1"/>
+                </a:solidFill>
+              </a:rPr>
+              <a:t>E</a:t>
+            </a:r>
+          </a:p>
+        </p:txBody>
+      </p:sp>
+      <p:sp>
+        <p:nvSpPr>
+          <p:cNvPr id="9" name="TextBox 8">
+            <a:extLst>
+              <a:ext uri="{FF2B5EF4-FFF2-40B4-BE49-F238E27FC236}">
+                <a16:creationId xmlns:a16="http://schemas.microsoft.com/office/drawing/2014/main" id="{780DB996-9247-4CB0-A225-A0BC2E7DFA3F}"/>
+              </a:ext>
+            </a:extLst>
+          </p:cNvPr>
+          <p:cNvSpPr txBox="1"/>
+          <p:nvPr/>
+        </p:nvSpPr>
+        <p:spPr>
+          <a:xfrm>
+            <a:off x="8314434" y="4962017"/>
+            <a:ext cx="2658686" cy="923330"/>
+          </a:xfrm>
+          <a:prstGeom prst="rect">
+            <a:avLst/>
+          </a:prstGeom>
+          <a:noFill/>
+        </p:spPr>
+        <p:txBody>
+          <a:bodyPr wrap="square" rtlCol="0">
+            <a:spAutoFit/>
+          </a:bodyPr>
+          <a:lstStyle/>
+          <a:p>
+            <a:pPr algn="ctr"/>
+            <a:r>
+              <a:rPr lang="en-US" dirty="0"/>
+              <a:t>Fig. 4 – Graphical Depiction of </a:t>
+            </a:r>
+            <a:r>
+              <a:rPr lang="el-GR" dirty="0"/>
+              <a:t>Δ</a:t>
+            </a:r>
+            <a:r>
+              <a:rPr lang="en-US" dirty="0"/>
+              <a:t>T with respect to laser power </a:t>
+            </a:r>
+          </a:p>
+        </p:txBody>
+      </p:sp>
+    </p:spTree>
+    <p:extLst>
+      <p:ext uri="{BB962C8B-B14F-4D97-AF65-F5344CB8AC3E}">
+        <p14:creationId xmlns:p14="http://schemas.microsoft.com/office/powerpoint/2010/main" val="2774933004"/>
+      </p:ext>
+    </p:extLst>
+  </p:cSld>
+  <p:clrMapOvr>
+    <a:masterClrMapping/>
+  </p:clrMapOvr>
+</p:sld>
+</file>
+
+<file path=ppt/slides/slide9.xml><?xml version="1.0" encoding="utf-8"?>
+<p:sld xmlns:a="http://schemas.openxmlformats.org/drawingml/2006/main" xmlns:r="http://schemas.openxmlformats.org/officeDocument/2006/relationships" xmlns:p="http://schemas.openxmlformats.org/presentationml/2006/main">
+  <p:cSld>
+    <p:spTree>
+      <p:nvGrpSpPr>
+        <p:cNvPr id="1" name=""/>
+        <p:cNvGrpSpPr/>
+        <p:nvPr/>
+      </p:nvGrpSpPr>
+      <p:grpSpPr>
+        <a:xfrm>
+          <a:off x="0" y="0"/>
+          <a:ext cx="0" cy="0"/>
+          <a:chOff x="0" y="0"/>
+          <a:chExt cx="0" cy="0"/>
+        </a:xfrm>
+      </p:grpSpPr>
+      <p:sp>
+        <p:nvSpPr>
+          <p:cNvPr id="2" name="Title 1"/>
+          <p:cNvSpPr>
+            <a:spLocks noGrp="1"/>
+          </p:cNvSpPr>
+          <p:nvPr>
+            <p:ph type="title"/>
+          </p:nvPr>
+        </p:nvSpPr>
+        <p:spPr/>
+        <p:txBody>
+          <a:bodyPr/>
+          <a:lstStyle/>
+          <a:p>
+            <a:r>
+              <a:rPr lang="en-US" dirty="0"/>
+              <a:t>Experimental Temperature Data</a:t>
+            </a:r>
+          </a:p>
+        </p:txBody>
+      </p:sp>
+      <p:pic>
+        <p:nvPicPr>
+          <p:cNvPr id="5" name="Content Placeholder 4"/>
+          <p:cNvPicPr>
+            <a:picLocks noGrp="1" noChangeAspect="1"/>
+          </p:cNvPicPr>
+          <p:nvPr>
+            <p:ph idx="1"/>
+          </p:nvPr>
+        </p:nvPicPr>
+        <p:blipFill>
+          <a:blip r:embed="rId2" cstate="print">
+            <a:extLst>
+              <a:ext uri="{28A0092B-C50C-407E-A947-70E740481C1C}">
+                <a14:useLocalDpi xmlns:a14="http://schemas.microsoft.com/office/drawing/2010/main" val="0"/>
+              </a:ext>
+            </a:extLst>
+          </a:blip>
+          <a:stretch>
+            <a:fillRect/>
+          </a:stretch>
+        </p:blipFill>
+        <p:spPr>
+          <a:xfrm>
+            <a:off x="1665655" y="2119497"/>
+            <a:ext cx="7643190" cy="4534958"/>
+          </a:xfrm>
+        </p:spPr>
+      </p:pic>
+      <p:sp>
+        <p:nvSpPr>
+          <p:cNvPr id="3" name="TextBox 2"/>
+          <p:cNvSpPr txBox="1"/>
+          <p:nvPr/>
+        </p:nvSpPr>
+        <p:spPr>
+          <a:xfrm>
+            <a:off x="9650896" y="4139648"/>
+            <a:ext cx="2445026" cy="738664"/>
+          </a:xfrm>
+          <a:prstGeom prst="rect">
+            <a:avLst/>
+          </a:prstGeom>
+          <a:noFill/>
+        </p:spPr>
+        <p:txBody>
+          <a:bodyPr wrap="square" rtlCol="0">
+            <a:spAutoFit/>
+          </a:bodyPr>
+          <a:lstStyle/>
+          <a:p>
+            <a:r>
+              <a:rPr lang="en-US" sz="1400" dirty="0"/>
+              <a:t>Fig 5. Complete Temperature Depiction using Matlab</a:t>
+            </a:r>
+          </a:p>
+        </p:txBody>
+      </p:sp>
+    </p:spTree>
+    <p:extLst>
+      <p:ext uri="{BB962C8B-B14F-4D97-AF65-F5344CB8AC3E}">
+        <p14:creationId xmlns:p14="http://schemas.microsoft.com/office/powerpoint/2010/main" val="281804014"/>
       </p:ext>
     </p:extLst>
   </p:cSld>

--- a/Presentations/Fall Updates/FallUpdate3.pptx
+++ b/Presentations/Fall Updates/FallUpdate3.pptx
@@ -5,7 +5,7 @@
     <p:sldMasterId id="2147483660" r:id="rId1"/>
   </p:sldMasterIdLst>
   <p:notesMasterIdLst>
-    <p:notesMasterId r:id="rId14"/>
+    <p:notesMasterId r:id="rId20"/>
   </p:notesMasterIdLst>
   <p:sldIdLst>
     <p:sldId id="256" r:id="rId2"/>
@@ -20,6 +20,12 @@
     <p:sldId id="271" r:id="rId11"/>
     <p:sldId id="275" r:id="rId12"/>
     <p:sldId id="276" r:id="rId13"/>
+    <p:sldId id="278" r:id="rId14"/>
+    <p:sldId id="279" r:id="rId15"/>
+    <p:sldId id="282" r:id="rId16"/>
+    <p:sldId id="281" r:id="rId17"/>
+    <p:sldId id="283" r:id="rId18"/>
+    <p:sldId id="280" r:id="rId19"/>
   </p:sldIdLst>
   <p:sldSz cx="12192000" cy="6858000"/>
   <p:notesSz cx="6858000" cy="9144000"/>
@@ -262,7 +268,7 @@
           <a:p>
             <a:fld id="{B79E382A-D706-485D-8E63-DF05071AD92C}" type="datetimeFigureOut">
               <a:rPr lang="en-US" smtClean="0"/>
-              <a:t>11/6/2020</a:t>
+              <a:t>11/12/2020</a:t>
             </a:fld>
             <a:endParaRPr lang="en-US"/>
           </a:p>
@@ -971,7 +977,7 @@
           <a:p>
             <a:fld id="{4D2578AF-831C-4276-9B94-E306D14E70A4}" type="datetimeFigureOut">
               <a:rPr lang="en-US" smtClean="0"/>
-              <a:t>11/6/2020</a:t>
+              <a:t>11/12/2020</a:t>
             </a:fld>
             <a:endParaRPr lang="en-US"/>
           </a:p>
@@ -1385,7 +1391,7 @@
           <a:p>
             <a:fld id="{4D2578AF-831C-4276-9B94-E306D14E70A4}" type="datetimeFigureOut">
               <a:rPr lang="en-US" smtClean="0"/>
-              <a:t>11/6/2020</a:t>
+              <a:t>11/12/2020</a:t>
             </a:fld>
             <a:endParaRPr lang="en-US"/>
           </a:p>
@@ -1721,7 +1727,7 @@
           <a:p>
             <a:fld id="{4D2578AF-831C-4276-9B94-E306D14E70A4}" type="datetimeFigureOut">
               <a:rPr lang="en-US" smtClean="0"/>
-              <a:t>11/6/2020</a:t>
+              <a:t>11/12/2020</a:t>
             </a:fld>
             <a:endParaRPr lang="en-US"/>
           </a:p>
@@ -2126,7 +2132,7 @@
           <a:p>
             <a:fld id="{4D2578AF-831C-4276-9B94-E306D14E70A4}" type="datetimeFigureOut">
               <a:rPr lang="en-US" smtClean="0"/>
-              <a:t>11/6/2020</a:t>
+              <a:t>11/12/2020</a:t>
             </a:fld>
             <a:endParaRPr lang="en-US"/>
           </a:p>
@@ -2694,7 +2700,7 @@
           <a:p>
             <a:fld id="{4D2578AF-831C-4276-9B94-E306D14E70A4}" type="datetimeFigureOut">
               <a:rPr lang="en-US" smtClean="0"/>
-              <a:t>11/6/2020</a:t>
+              <a:t>11/12/2020</a:t>
             </a:fld>
             <a:endParaRPr lang="en-US"/>
           </a:p>
@@ -3375,7 +3381,7 @@
           <a:p>
             <a:fld id="{4D2578AF-831C-4276-9B94-E306D14E70A4}" type="datetimeFigureOut">
               <a:rPr lang="en-US" smtClean="0"/>
-              <a:t>11/6/2020</a:t>
+              <a:t>11/12/2020</a:t>
             </a:fld>
             <a:endParaRPr lang="en-US"/>
           </a:p>
@@ -4288,7 +4294,7 @@
           <a:p>
             <a:fld id="{4D2578AF-831C-4276-9B94-E306D14E70A4}" type="datetimeFigureOut">
               <a:rPr lang="en-US" smtClean="0"/>
-              <a:t>11/6/2020</a:t>
+              <a:t>11/12/2020</a:t>
             </a:fld>
             <a:endParaRPr lang="en-US"/>
           </a:p>
@@ -4601,7 +4607,7 @@
           <a:p>
             <a:fld id="{4D2578AF-831C-4276-9B94-E306D14E70A4}" type="datetimeFigureOut">
               <a:rPr lang="en-US" smtClean="0"/>
-              <a:t>11/6/2020</a:t>
+              <a:t>11/12/2020</a:t>
             </a:fld>
             <a:endParaRPr lang="en-US"/>
           </a:p>
@@ -4865,7 +4871,7 @@
           <a:p>
             <a:fld id="{4D2578AF-831C-4276-9B94-E306D14E70A4}" type="datetimeFigureOut">
               <a:rPr lang="en-US" smtClean="0"/>
-              <a:t>11/6/2020</a:t>
+              <a:t>11/12/2020</a:t>
             </a:fld>
             <a:endParaRPr lang="en-US"/>
           </a:p>
@@ -5188,7 +5194,7 @@
           <a:p>
             <a:fld id="{4D2578AF-831C-4276-9B94-E306D14E70A4}" type="datetimeFigureOut">
               <a:rPr lang="en-US" smtClean="0"/>
-              <a:t>11/6/2020</a:t>
+              <a:t>11/12/2020</a:t>
             </a:fld>
             <a:endParaRPr lang="en-US"/>
           </a:p>
@@ -5577,7 +5583,7 @@
           <a:p>
             <a:fld id="{4D2578AF-831C-4276-9B94-E306D14E70A4}" type="datetimeFigureOut">
               <a:rPr lang="en-US" smtClean="0"/>
-              <a:t>11/6/2020</a:t>
+              <a:t>11/12/2020</a:t>
             </a:fld>
             <a:endParaRPr lang="en-US"/>
           </a:p>
@@ -5953,7 +5959,7 @@
           <a:p>
             <a:fld id="{4D2578AF-831C-4276-9B94-E306D14E70A4}" type="datetimeFigureOut">
               <a:rPr lang="en-US" smtClean="0"/>
-              <a:t>11/6/2020</a:t>
+              <a:t>11/12/2020</a:t>
             </a:fld>
             <a:endParaRPr lang="en-US"/>
           </a:p>
@@ -6459,7 +6465,7 @@
           <a:p>
             <a:fld id="{4D2578AF-831C-4276-9B94-E306D14E70A4}" type="datetimeFigureOut">
               <a:rPr lang="en-US" smtClean="0"/>
-              <a:t>11/6/2020</a:t>
+              <a:t>11/12/2020</a:t>
             </a:fld>
             <a:endParaRPr lang="en-US"/>
           </a:p>
@@ -6716,7 +6722,7 @@
           <a:p>
             <a:fld id="{4D2578AF-831C-4276-9B94-E306D14E70A4}" type="datetimeFigureOut">
               <a:rPr lang="en-US" smtClean="0"/>
-              <a:t>11/6/2020</a:t>
+              <a:t>11/12/2020</a:t>
             </a:fld>
             <a:endParaRPr lang="en-US"/>
           </a:p>
@@ -6879,7 +6885,7 @@
           <a:p>
             <a:fld id="{4D2578AF-831C-4276-9B94-E306D14E70A4}" type="datetimeFigureOut">
               <a:rPr lang="en-US" smtClean="0"/>
-              <a:t>11/6/2020</a:t>
+              <a:t>11/12/2020</a:t>
             </a:fld>
             <a:endParaRPr lang="en-US"/>
           </a:p>
@@ -7269,7 +7275,7 @@
           <a:p>
             <a:fld id="{4D2578AF-831C-4276-9B94-E306D14E70A4}" type="datetimeFigureOut">
               <a:rPr lang="en-US" smtClean="0"/>
-              <a:t>11/6/2020</a:t>
+              <a:t>11/12/2020</a:t>
             </a:fld>
             <a:endParaRPr lang="en-US"/>
           </a:p>
@@ -7678,7 +7684,7 @@
           <a:p>
             <a:fld id="{4D2578AF-831C-4276-9B94-E306D14E70A4}" type="datetimeFigureOut">
               <a:rPr lang="en-US" smtClean="0"/>
-              <a:t>11/6/2020</a:t>
+              <a:t>11/12/2020</a:t>
             </a:fld>
             <a:endParaRPr lang="en-US"/>
           </a:p>
@@ -7922,7 +7928,7 @@
           <a:p>
             <a:fld id="{4D2578AF-831C-4276-9B94-E306D14E70A4}" type="datetimeFigureOut">
               <a:rPr lang="en-US" smtClean="0"/>
-              <a:t>11/6/2020</a:t>
+              <a:t>11/12/2020</a:t>
             </a:fld>
             <a:endParaRPr lang="en-US"/>
           </a:p>
@@ -9197,7 +9203,7 @@
           <a:p>
             <a:r>
               <a:rPr lang="en-US" dirty="0"/>
-              <a:t>Fig. 4 – Representative temperature transient</a:t>
+              <a:t>Fig. 7 – Representative temperature transient</a:t>
             </a:r>
           </a:p>
         </p:txBody>
@@ -9292,7 +9298,7 @@
           <a:p>
             <a:r>
               <a:rPr lang="en-US" dirty="0"/>
-              <a:t>Look at early time samples, see</a:t>
+              <a:t>Alter other variables, see how big of a role they play on modeling</a:t>
             </a:r>
           </a:p>
           <a:p>
@@ -9327,6 +9333,782 @@
     <p:extLst>
       <p:ext uri="{BB962C8B-B14F-4D97-AF65-F5344CB8AC3E}">
         <p14:creationId xmlns:p14="http://schemas.microsoft.com/office/powerpoint/2010/main" val="3359512043"/>
+      </p:ext>
+    </p:extLst>
+  </p:cSld>
+  <p:clrMapOvr>
+    <a:masterClrMapping/>
+  </p:clrMapOvr>
+</p:sld>
+</file>
+
+<file path=ppt/slides/slide13.xml><?xml version="1.0" encoding="utf-8"?>
+<p:sld xmlns:a="http://schemas.openxmlformats.org/drawingml/2006/main" xmlns:r="http://schemas.openxmlformats.org/officeDocument/2006/relationships" xmlns:p="http://schemas.openxmlformats.org/presentationml/2006/main">
+  <p:cSld>
+    <p:spTree>
+      <p:nvGrpSpPr>
+        <p:cNvPr id="1" name=""/>
+        <p:cNvGrpSpPr/>
+        <p:nvPr/>
+      </p:nvGrpSpPr>
+      <p:grpSpPr>
+        <a:xfrm>
+          <a:off x="0" y="0"/>
+          <a:ext cx="0" cy="0"/>
+          <a:chOff x="0" y="0"/>
+          <a:chExt cx="0" cy="0"/>
+        </a:xfrm>
+      </p:grpSpPr>
+      <p:sp>
+        <p:nvSpPr>
+          <p:cNvPr id="2" name="Title 1">
+            <a:extLst>
+              <a:ext uri="{FF2B5EF4-FFF2-40B4-BE49-F238E27FC236}">
+                <a16:creationId xmlns:a16="http://schemas.microsoft.com/office/drawing/2014/main" id="{7F6999A7-B017-4C53-A89A-4EA0469E9925}"/>
+              </a:ext>
+            </a:extLst>
+          </p:cNvPr>
+          <p:cNvSpPr>
+            <a:spLocks noGrp="1"/>
+          </p:cNvSpPr>
+          <p:nvPr>
+            <p:ph type="title"/>
+          </p:nvPr>
+        </p:nvSpPr>
+        <p:spPr/>
+        <p:txBody>
+          <a:bodyPr/>
+          <a:lstStyle/>
+          <a:p>
+            <a:r>
+              <a:rPr lang="en-US" dirty="0"/>
+              <a:t>Temperature Transient - Power</a:t>
+            </a:r>
+          </a:p>
+        </p:txBody>
+      </p:sp>
+      <p:pic>
+        <p:nvPicPr>
+          <p:cNvPr id="7" name="Picture 6" descr="Chart, line chart&#10;&#10;Description automatically generated">
+            <a:extLst>
+              <a:ext uri="{FF2B5EF4-FFF2-40B4-BE49-F238E27FC236}">
+                <a16:creationId xmlns:a16="http://schemas.microsoft.com/office/drawing/2014/main" id="{96426409-97DE-4C41-B186-C186D13D4061}"/>
+              </a:ext>
+            </a:extLst>
+          </p:cNvPr>
+          <p:cNvPicPr>
+            <a:picLocks noChangeAspect="1"/>
+          </p:cNvPicPr>
+          <p:nvPr/>
+        </p:nvPicPr>
+        <p:blipFill>
+          <a:blip r:embed="rId2">
+            <a:extLst>
+              <a:ext uri="{28A0092B-C50C-407E-A947-70E740481C1C}">
+                <a14:useLocalDpi xmlns:a14="http://schemas.microsoft.com/office/drawing/2010/main" val="0"/>
+              </a:ext>
+            </a:extLst>
+          </a:blip>
+          <a:stretch>
+            <a:fillRect/>
+          </a:stretch>
+        </p:blipFill>
+        <p:spPr>
+          <a:xfrm>
+            <a:off x="680321" y="2014278"/>
+            <a:ext cx="10639313" cy="4788552"/>
+          </a:xfrm>
+          <a:prstGeom prst="rect">
+            <a:avLst/>
+          </a:prstGeom>
+        </p:spPr>
+      </p:pic>
+      <p:sp>
+        <p:nvSpPr>
+          <p:cNvPr id="8" name="TextBox 7">
+            <a:extLst>
+              <a:ext uri="{FF2B5EF4-FFF2-40B4-BE49-F238E27FC236}">
+                <a16:creationId xmlns:a16="http://schemas.microsoft.com/office/drawing/2014/main" id="{A4B435CD-65B1-4E46-903C-24818F02E426}"/>
+              </a:ext>
+            </a:extLst>
+          </p:cNvPr>
+          <p:cNvSpPr txBox="1"/>
+          <p:nvPr/>
+        </p:nvSpPr>
+        <p:spPr>
+          <a:xfrm>
+            <a:off x="5702887" y="2185011"/>
+            <a:ext cx="594179" cy="276999"/>
+          </a:xfrm>
+          <a:prstGeom prst="rect">
+            <a:avLst/>
+          </a:prstGeom>
+          <a:noFill/>
+        </p:spPr>
+        <p:txBody>
+          <a:bodyPr wrap="square" rtlCol="0">
+            <a:spAutoFit/>
+          </a:bodyPr>
+          <a:lstStyle/>
+          <a:p>
+            <a:r>
+              <a:rPr lang="en-US" sz="1200" dirty="0">
+                <a:solidFill>
+                  <a:schemeClr val="bg1"/>
+                </a:solidFill>
+              </a:rPr>
+              <a:t>Fig. 8</a:t>
+            </a:r>
+          </a:p>
+        </p:txBody>
+      </p:sp>
+    </p:spTree>
+    <p:extLst>
+      <p:ext uri="{BB962C8B-B14F-4D97-AF65-F5344CB8AC3E}">
+        <p14:creationId xmlns:p14="http://schemas.microsoft.com/office/powerpoint/2010/main" val="401270586"/>
+      </p:ext>
+    </p:extLst>
+  </p:cSld>
+  <p:clrMapOvr>
+    <a:masterClrMapping/>
+  </p:clrMapOvr>
+</p:sld>
+</file>
+
+<file path=ppt/slides/slide14.xml><?xml version="1.0" encoding="utf-8"?>
+<p:sld xmlns:a="http://schemas.openxmlformats.org/drawingml/2006/main" xmlns:r="http://schemas.openxmlformats.org/officeDocument/2006/relationships" xmlns:p="http://schemas.openxmlformats.org/presentationml/2006/main">
+  <p:cSld>
+    <p:spTree>
+      <p:nvGrpSpPr>
+        <p:cNvPr id="1" name=""/>
+        <p:cNvGrpSpPr/>
+        <p:nvPr/>
+      </p:nvGrpSpPr>
+      <p:grpSpPr>
+        <a:xfrm>
+          <a:off x="0" y="0"/>
+          <a:ext cx="0" cy="0"/>
+          <a:chOff x="0" y="0"/>
+          <a:chExt cx="0" cy="0"/>
+        </a:xfrm>
+      </p:grpSpPr>
+      <p:sp>
+        <p:nvSpPr>
+          <p:cNvPr id="2" name="Title 1">
+            <a:extLst>
+              <a:ext uri="{FF2B5EF4-FFF2-40B4-BE49-F238E27FC236}">
+                <a16:creationId xmlns:a16="http://schemas.microsoft.com/office/drawing/2014/main" id="{05D70BB9-C0C3-431B-8C44-1787E91D6A5A}"/>
+              </a:ext>
+            </a:extLst>
+          </p:cNvPr>
+          <p:cNvSpPr>
+            <a:spLocks noGrp="1"/>
+          </p:cNvSpPr>
+          <p:nvPr>
+            <p:ph type="title"/>
+          </p:nvPr>
+        </p:nvSpPr>
+        <p:spPr/>
+        <p:txBody>
+          <a:bodyPr/>
+          <a:lstStyle/>
+          <a:p>
+            <a:r>
+              <a:rPr lang="en-US" dirty="0"/>
+              <a:t>Temperature Transient – Z Distance</a:t>
+            </a:r>
+          </a:p>
+        </p:txBody>
+      </p:sp>
+      <p:pic>
+        <p:nvPicPr>
+          <p:cNvPr id="5" name="Picture 4" descr="Chart, line chart&#10;&#10;Description automatically generated">
+            <a:extLst>
+              <a:ext uri="{FF2B5EF4-FFF2-40B4-BE49-F238E27FC236}">
+                <a16:creationId xmlns:a16="http://schemas.microsoft.com/office/drawing/2014/main" id="{0FB10A54-9132-49A6-9660-3979B4E32EE0}"/>
+              </a:ext>
+            </a:extLst>
+          </p:cNvPr>
+          <p:cNvPicPr>
+            <a:picLocks noChangeAspect="1"/>
+          </p:cNvPicPr>
+          <p:nvPr/>
+        </p:nvPicPr>
+        <p:blipFill>
+          <a:blip r:embed="rId2">
+            <a:extLst>
+              <a:ext uri="{28A0092B-C50C-407E-A947-70E740481C1C}">
+                <a14:useLocalDpi xmlns:a14="http://schemas.microsoft.com/office/drawing/2010/main" val="0"/>
+              </a:ext>
+            </a:extLst>
+          </a:blip>
+          <a:stretch>
+            <a:fillRect/>
+          </a:stretch>
+        </p:blipFill>
+        <p:spPr>
+          <a:xfrm>
+            <a:off x="948909" y="2082739"/>
+            <a:ext cx="10294182" cy="4633215"/>
+          </a:xfrm>
+          <a:prstGeom prst="rect">
+            <a:avLst/>
+          </a:prstGeom>
+        </p:spPr>
+      </p:pic>
+      <p:sp>
+        <p:nvSpPr>
+          <p:cNvPr id="7" name="TextBox 6">
+            <a:extLst>
+              <a:ext uri="{FF2B5EF4-FFF2-40B4-BE49-F238E27FC236}">
+                <a16:creationId xmlns:a16="http://schemas.microsoft.com/office/drawing/2014/main" id="{994C7214-2338-4A82-B67C-94151F49AD10}"/>
+              </a:ext>
+            </a:extLst>
+          </p:cNvPr>
+          <p:cNvSpPr txBox="1"/>
+          <p:nvPr/>
+        </p:nvSpPr>
+        <p:spPr>
+          <a:xfrm>
+            <a:off x="5723494" y="2201637"/>
+            <a:ext cx="594179" cy="276999"/>
+          </a:xfrm>
+          <a:prstGeom prst="rect">
+            <a:avLst/>
+          </a:prstGeom>
+          <a:noFill/>
+        </p:spPr>
+        <p:txBody>
+          <a:bodyPr wrap="square" rtlCol="0">
+            <a:spAutoFit/>
+          </a:bodyPr>
+          <a:lstStyle/>
+          <a:p>
+            <a:r>
+              <a:rPr lang="en-US" sz="1200" dirty="0">
+                <a:solidFill>
+                  <a:schemeClr val="bg1"/>
+                </a:solidFill>
+              </a:rPr>
+              <a:t>Fig. 9</a:t>
+            </a:r>
+          </a:p>
+        </p:txBody>
+      </p:sp>
+    </p:spTree>
+    <p:extLst>
+      <p:ext uri="{BB962C8B-B14F-4D97-AF65-F5344CB8AC3E}">
+        <p14:creationId xmlns:p14="http://schemas.microsoft.com/office/powerpoint/2010/main" val="2791287000"/>
+      </p:ext>
+    </p:extLst>
+  </p:cSld>
+  <p:clrMapOvr>
+    <a:masterClrMapping/>
+  </p:clrMapOvr>
+</p:sld>
+</file>
+
+<file path=ppt/slides/slide15.xml><?xml version="1.0" encoding="utf-8"?>
+<p:sld xmlns:a="http://schemas.openxmlformats.org/drawingml/2006/main" xmlns:r="http://schemas.openxmlformats.org/officeDocument/2006/relationships" xmlns:p="http://schemas.openxmlformats.org/presentationml/2006/main">
+  <p:cSld>
+    <p:spTree>
+      <p:nvGrpSpPr>
+        <p:cNvPr id="1" name=""/>
+        <p:cNvGrpSpPr/>
+        <p:nvPr/>
+      </p:nvGrpSpPr>
+      <p:grpSpPr>
+        <a:xfrm>
+          <a:off x="0" y="0"/>
+          <a:ext cx="0" cy="0"/>
+          <a:chOff x="0" y="0"/>
+          <a:chExt cx="0" cy="0"/>
+        </a:xfrm>
+      </p:grpSpPr>
+      <p:sp>
+        <p:nvSpPr>
+          <p:cNvPr id="2" name="Title 1">
+            <a:extLst>
+              <a:ext uri="{FF2B5EF4-FFF2-40B4-BE49-F238E27FC236}">
+                <a16:creationId xmlns:a16="http://schemas.microsoft.com/office/drawing/2014/main" id="{27A2BBF2-9BF6-4253-BEFE-CB455F69FAE2}"/>
+              </a:ext>
+            </a:extLst>
+          </p:cNvPr>
+          <p:cNvSpPr>
+            <a:spLocks noGrp="1"/>
+          </p:cNvSpPr>
+          <p:nvPr>
+            <p:ph type="title"/>
+          </p:nvPr>
+        </p:nvSpPr>
+        <p:spPr/>
+        <p:txBody>
+          <a:bodyPr/>
+          <a:lstStyle/>
+          <a:p>
+            <a:r>
+              <a:rPr lang="en-US" dirty="0"/>
+              <a:t>Temperature Transient – Optical Absorption Coefficient</a:t>
+            </a:r>
+          </a:p>
+        </p:txBody>
+      </p:sp>
+      <p:pic>
+        <p:nvPicPr>
+          <p:cNvPr id="5" name="Picture 4" descr="Chart, line chart&#10;&#10;Description automatically generated">
+            <a:extLst>
+              <a:ext uri="{FF2B5EF4-FFF2-40B4-BE49-F238E27FC236}">
+                <a16:creationId xmlns:a16="http://schemas.microsoft.com/office/drawing/2014/main" id="{80DA8832-BB37-40E8-90BB-AD082D3111CA}"/>
+              </a:ext>
+            </a:extLst>
+          </p:cNvPr>
+          <p:cNvPicPr>
+            <a:picLocks noChangeAspect="1"/>
+          </p:cNvPicPr>
+          <p:nvPr/>
+        </p:nvPicPr>
+        <p:blipFill>
+          <a:blip r:embed="rId2">
+            <a:extLst>
+              <a:ext uri="{28A0092B-C50C-407E-A947-70E740481C1C}">
+                <a14:useLocalDpi xmlns:a14="http://schemas.microsoft.com/office/drawing/2010/main" val="0"/>
+              </a:ext>
+            </a:extLst>
+          </a:blip>
+          <a:stretch>
+            <a:fillRect/>
+          </a:stretch>
+        </p:blipFill>
+        <p:spPr>
+          <a:xfrm>
+            <a:off x="978131" y="2118757"/>
+            <a:ext cx="10235738" cy="4606911"/>
+          </a:xfrm>
+          <a:prstGeom prst="rect">
+            <a:avLst/>
+          </a:prstGeom>
+        </p:spPr>
+      </p:pic>
+      <p:sp>
+        <p:nvSpPr>
+          <p:cNvPr id="7" name="TextBox 6">
+            <a:extLst>
+              <a:ext uri="{FF2B5EF4-FFF2-40B4-BE49-F238E27FC236}">
+                <a16:creationId xmlns:a16="http://schemas.microsoft.com/office/drawing/2014/main" id="{397C4416-96DF-4465-BC53-78402153B086}"/>
+              </a:ext>
+            </a:extLst>
+          </p:cNvPr>
+          <p:cNvSpPr txBox="1"/>
+          <p:nvPr/>
+        </p:nvSpPr>
+        <p:spPr>
+          <a:xfrm>
+            <a:off x="5723494" y="2201637"/>
+            <a:ext cx="649597" cy="276999"/>
+          </a:xfrm>
+          <a:prstGeom prst="rect">
+            <a:avLst/>
+          </a:prstGeom>
+          <a:noFill/>
+        </p:spPr>
+        <p:txBody>
+          <a:bodyPr wrap="square" rtlCol="0">
+            <a:spAutoFit/>
+          </a:bodyPr>
+          <a:lstStyle/>
+          <a:p>
+            <a:r>
+              <a:rPr lang="en-US" sz="1200" dirty="0">
+                <a:solidFill>
+                  <a:schemeClr val="bg1"/>
+                </a:solidFill>
+              </a:rPr>
+              <a:t>Fig. 10</a:t>
+            </a:r>
+          </a:p>
+        </p:txBody>
+      </p:sp>
+    </p:spTree>
+    <p:extLst>
+      <p:ext uri="{BB962C8B-B14F-4D97-AF65-F5344CB8AC3E}">
+        <p14:creationId xmlns:p14="http://schemas.microsoft.com/office/powerpoint/2010/main" val="1070773253"/>
+      </p:ext>
+    </p:extLst>
+  </p:cSld>
+  <p:clrMapOvr>
+    <a:masterClrMapping/>
+  </p:clrMapOvr>
+</p:sld>
+</file>
+
+<file path=ppt/slides/slide16.xml><?xml version="1.0" encoding="utf-8"?>
+<p:sld xmlns:a="http://schemas.openxmlformats.org/drawingml/2006/main" xmlns:r="http://schemas.openxmlformats.org/officeDocument/2006/relationships" xmlns:p="http://schemas.openxmlformats.org/presentationml/2006/main">
+  <p:cSld>
+    <p:spTree>
+      <p:nvGrpSpPr>
+        <p:cNvPr id="1" name=""/>
+        <p:cNvGrpSpPr/>
+        <p:nvPr/>
+      </p:nvGrpSpPr>
+      <p:grpSpPr>
+        <a:xfrm>
+          <a:off x="0" y="0"/>
+          <a:ext cx="0" cy="0"/>
+          <a:chOff x="0" y="0"/>
+          <a:chExt cx="0" cy="0"/>
+        </a:xfrm>
+      </p:grpSpPr>
+      <p:sp>
+        <p:nvSpPr>
+          <p:cNvPr id="2" name="Title 1">
+            <a:extLst>
+              <a:ext uri="{FF2B5EF4-FFF2-40B4-BE49-F238E27FC236}">
+                <a16:creationId xmlns:a16="http://schemas.microsoft.com/office/drawing/2014/main" id="{FF8F13F2-C8BC-4EF5-9C9B-682527F4ECF7}"/>
+              </a:ext>
+            </a:extLst>
+          </p:cNvPr>
+          <p:cNvSpPr>
+            <a:spLocks noGrp="1"/>
+          </p:cNvSpPr>
+          <p:nvPr>
+            <p:ph type="title"/>
+          </p:nvPr>
+        </p:nvSpPr>
+        <p:spPr/>
+        <p:txBody>
+          <a:bodyPr/>
+          <a:lstStyle/>
+          <a:p>
+            <a:r>
+              <a:rPr lang="en-US" dirty="0"/>
+              <a:t>Optical Absorption Coefficient</a:t>
+            </a:r>
+          </a:p>
+        </p:txBody>
+      </p:sp>
+      <p:pic>
+        <p:nvPicPr>
+          <p:cNvPr id="5" name="Content Placeholder 4" descr="Chart, histogram&#10;&#10;Description automatically generated">
+            <a:extLst>
+              <a:ext uri="{FF2B5EF4-FFF2-40B4-BE49-F238E27FC236}">
+                <a16:creationId xmlns:a16="http://schemas.microsoft.com/office/drawing/2014/main" id="{EA305DD6-8C66-40F9-8268-F1EB3D6ECB43}"/>
+              </a:ext>
+            </a:extLst>
+          </p:cNvPr>
+          <p:cNvPicPr>
+            <a:picLocks noGrp="1" noChangeAspect="1"/>
+          </p:cNvPicPr>
+          <p:nvPr>
+            <p:ph idx="1"/>
+          </p:nvPr>
+        </p:nvPicPr>
+        <p:blipFill>
+          <a:blip r:embed="rId2">
+            <a:extLst>
+              <a:ext uri="{28A0092B-C50C-407E-A947-70E740481C1C}">
+                <a14:useLocalDpi xmlns:a14="http://schemas.microsoft.com/office/drawing/2010/main" val="0"/>
+              </a:ext>
+            </a:extLst>
+          </a:blip>
+          <a:stretch>
+            <a:fillRect/>
+          </a:stretch>
+        </p:blipFill>
+        <p:spPr>
+          <a:xfrm>
+            <a:off x="1339157" y="2167858"/>
+            <a:ext cx="5285685" cy="4404738"/>
+          </a:xfrm>
+        </p:spPr>
+      </p:pic>
+      <p:sp>
+        <p:nvSpPr>
+          <p:cNvPr id="6" name="TextBox 5">
+            <a:extLst>
+              <a:ext uri="{FF2B5EF4-FFF2-40B4-BE49-F238E27FC236}">
+                <a16:creationId xmlns:a16="http://schemas.microsoft.com/office/drawing/2014/main" id="{DE85C7C7-8A26-4AA3-B5C4-1A7953EDCE61}"/>
+              </a:ext>
+            </a:extLst>
+          </p:cNvPr>
+          <p:cNvSpPr txBox="1"/>
+          <p:nvPr/>
+        </p:nvSpPr>
+        <p:spPr>
+          <a:xfrm>
+            <a:off x="7176655" y="2427316"/>
+            <a:ext cx="4051069" cy="1477328"/>
+          </a:xfrm>
+          <a:prstGeom prst="rect">
+            <a:avLst/>
+          </a:prstGeom>
+          <a:noFill/>
+        </p:spPr>
+        <p:txBody>
+          <a:bodyPr wrap="square" rtlCol="0">
+            <a:spAutoFit/>
+          </a:bodyPr>
+          <a:lstStyle/>
+          <a:p>
+            <a:r>
+              <a:rPr lang="en-US" dirty="0"/>
+              <a:t>Figure 11 – </a:t>
+            </a:r>
+          </a:p>
+          <a:p>
+            <a:r>
+              <a:rPr lang="en-US" dirty="0"/>
+              <a:t>Specific absorption coefficient of water (725-2500nm) linearly interpolated from original data with a resolution of 5nm</a:t>
+            </a:r>
+          </a:p>
+        </p:txBody>
+      </p:sp>
+    </p:spTree>
+    <p:extLst>
+      <p:ext uri="{BB962C8B-B14F-4D97-AF65-F5344CB8AC3E}">
+        <p14:creationId xmlns:p14="http://schemas.microsoft.com/office/powerpoint/2010/main" val="2243878402"/>
+      </p:ext>
+    </p:extLst>
+  </p:cSld>
+  <p:clrMapOvr>
+    <a:masterClrMapping/>
+  </p:clrMapOvr>
+</p:sld>
+</file>
+
+<file path=ppt/slides/slide17.xml><?xml version="1.0" encoding="utf-8"?>
+<p:sld xmlns:a="http://schemas.openxmlformats.org/drawingml/2006/main" xmlns:r="http://schemas.openxmlformats.org/officeDocument/2006/relationships" xmlns:p="http://schemas.openxmlformats.org/presentationml/2006/main">
+  <p:cSld>
+    <p:spTree>
+      <p:nvGrpSpPr>
+        <p:cNvPr id="1" name=""/>
+        <p:cNvGrpSpPr/>
+        <p:nvPr/>
+      </p:nvGrpSpPr>
+      <p:grpSpPr>
+        <a:xfrm>
+          <a:off x="0" y="0"/>
+          <a:ext cx="0" cy="0"/>
+          <a:chOff x="0" y="0"/>
+          <a:chExt cx="0" cy="0"/>
+        </a:xfrm>
+      </p:grpSpPr>
+      <p:sp>
+        <p:nvSpPr>
+          <p:cNvPr id="2" name="Title 1">
+            <a:extLst>
+              <a:ext uri="{FF2B5EF4-FFF2-40B4-BE49-F238E27FC236}">
+                <a16:creationId xmlns:a16="http://schemas.microsoft.com/office/drawing/2014/main" id="{9A5F6D11-2ED6-4001-AAFE-934DEB6813BC}"/>
+              </a:ext>
+            </a:extLst>
+          </p:cNvPr>
+          <p:cNvSpPr>
+            <a:spLocks noGrp="1"/>
+          </p:cNvSpPr>
+          <p:nvPr>
+            <p:ph type="title"/>
+          </p:nvPr>
+        </p:nvSpPr>
+        <p:spPr/>
+        <p:txBody>
+          <a:bodyPr/>
+          <a:lstStyle/>
+          <a:p>
+            <a:r>
+              <a:rPr lang="en-US" dirty="0"/>
+              <a:t>General Conclusions</a:t>
+            </a:r>
+          </a:p>
+        </p:txBody>
+      </p:sp>
+      <p:sp>
+        <p:nvSpPr>
+          <p:cNvPr id="3" name="Content Placeholder 2">
+            <a:extLst>
+              <a:ext uri="{FF2B5EF4-FFF2-40B4-BE49-F238E27FC236}">
+                <a16:creationId xmlns:a16="http://schemas.microsoft.com/office/drawing/2014/main" id="{86A280C4-E888-46D2-9F16-909525A3D0EA}"/>
+              </a:ext>
+            </a:extLst>
+          </p:cNvPr>
+          <p:cNvSpPr>
+            <a:spLocks noGrp="1"/>
+          </p:cNvSpPr>
+          <p:nvPr>
+            <p:ph idx="1"/>
+          </p:nvPr>
+        </p:nvSpPr>
+        <p:spPr/>
+        <p:txBody>
+          <a:bodyPr/>
+          <a:lstStyle/>
+          <a:p>
+            <a:r>
+              <a:rPr lang="en-US" dirty="0"/>
+              <a:t>Altering base parameters (z-distance, power, optical </a:t>
+            </a:r>
+            <a:r>
+              <a:rPr lang="en-US" dirty="0" err="1"/>
+              <a:t>absorbtion</a:t>
+            </a:r>
+            <a:r>
+              <a:rPr lang="en-US" dirty="0"/>
+              <a:t>) did not fix the issues with steepness/plateauing</a:t>
+            </a:r>
+          </a:p>
+          <a:p>
+            <a:pPr lvl="1"/>
+            <a:r>
+              <a:rPr lang="en-US" dirty="0"/>
+              <a:t>Certain combinations may yield promising results – combinations of higher z-distances with higher powers could change the model</a:t>
+            </a:r>
+          </a:p>
+          <a:p>
+            <a:pPr marL="0" indent="0">
+              <a:buNone/>
+            </a:pPr>
+            <a:r>
+              <a:rPr lang="en-US" dirty="0"/>
+              <a:t> </a:t>
+            </a:r>
+          </a:p>
+          <a:p>
+            <a:r>
+              <a:rPr lang="en-US" dirty="0"/>
+              <a:t>It may be time to explore alternative models </a:t>
+            </a:r>
+          </a:p>
+        </p:txBody>
+      </p:sp>
+    </p:spTree>
+    <p:extLst>
+      <p:ext uri="{BB962C8B-B14F-4D97-AF65-F5344CB8AC3E}">
+        <p14:creationId xmlns:p14="http://schemas.microsoft.com/office/powerpoint/2010/main" val="2108629555"/>
+      </p:ext>
+    </p:extLst>
+  </p:cSld>
+  <p:clrMapOvr>
+    <a:masterClrMapping/>
+  </p:clrMapOvr>
+</p:sld>
+</file>
+
+<file path=ppt/slides/slide18.xml><?xml version="1.0" encoding="utf-8"?>
+<p:sld xmlns:a="http://schemas.openxmlformats.org/drawingml/2006/main" xmlns:r="http://schemas.openxmlformats.org/officeDocument/2006/relationships" xmlns:p="http://schemas.openxmlformats.org/presentationml/2006/main">
+  <p:cSld>
+    <p:spTree>
+      <p:nvGrpSpPr>
+        <p:cNvPr id="1" name=""/>
+        <p:cNvGrpSpPr/>
+        <p:nvPr/>
+      </p:nvGrpSpPr>
+      <p:grpSpPr>
+        <a:xfrm>
+          <a:off x="0" y="0"/>
+          <a:ext cx="0" cy="0"/>
+          <a:chOff x="0" y="0"/>
+          <a:chExt cx="0" cy="0"/>
+        </a:xfrm>
+      </p:grpSpPr>
+      <p:sp>
+        <p:nvSpPr>
+          <p:cNvPr id="2" name="Title 1">
+            <a:extLst>
+              <a:ext uri="{FF2B5EF4-FFF2-40B4-BE49-F238E27FC236}">
+                <a16:creationId xmlns:a16="http://schemas.microsoft.com/office/drawing/2014/main" id="{C71C11F8-792E-4891-AC4B-2335CC4BCFBE}"/>
+              </a:ext>
+            </a:extLst>
+          </p:cNvPr>
+          <p:cNvSpPr>
+            <a:spLocks noGrp="1"/>
+          </p:cNvSpPr>
+          <p:nvPr>
+            <p:ph type="title"/>
+          </p:nvPr>
+        </p:nvSpPr>
+        <p:spPr/>
+        <p:txBody>
+          <a:bodyPr/>
+          <a:lstStyle/>
+          <a:p>
+            <a:r>
+              <a:rPr lang="en-US" dirty="0"/>
+              <a:t>Sources</a:t>
+            </a:r>
+          </a:p>
+        </p:txBody>
+      </p:sp>
+      <p:sp>
+        <p:nvSpPr>
+          <p:cNvPr id="3" name="Content Placeholder 2">
+            <a:extLst>
+              <a:ext uri="{FF2B5EF4-FFF2-40B4-BE49-F238E27FC236}">
+                <a16:creationId xmlns:a16="http://schemas.microsoft.com/office/drawing/2014/main" id="{FD19BF1E-05AE-4F03-A6B6-5ADB425B4C91}"/>
+              </a:ext>
+            </a:extLst>
+          </p:cNvPr>
+          <p:cNvSpPr>
+            <a:spLocks noGrp="1"/>
+          </p:cNvSpPr>
+          <p:nvPr>
+            <p:ph idx="1"/>
+          </p:nvPr>
+        </p:nvSpPr>
+        <p:spPr>
+          <a:xfrm>
+            <a:off x="680321" y="2336873"/>
+            <a:ext cx="9613861" cy="4091636"/>
+          </a:xfrm>
+        </p:spPr>
+        <p:txBody>
+          <a:bodyPr>
+            <a:normAutofit/>
+          </a:bodyPr>
+          <a:lstStyle/>
+          <a:p>
+            <a:r>
+              <a:rPr lang="en-US" sz="2000" dirty="0"/>
+              <a:t>K.F. Palmer and D. Williams, Optical Properties of water in the near infrared, Journal of the Optical Society of America, V.64, pp. 1107-1110, August, 1974</a:t>
+            </a:r>
+          </a:p>
+          <a:p>
+            <a:endParaRPr lang="en-US" sz="2000" dirty="0"/>
+          </a:p>
+          <a:p>
+            <a:r>
+              <a:rPr lang="en-US" sz="2000" dirty="0"/>
+              <a:t>Zhu, Xuedong, Jen-Wei Lin, and Michelle Y Sander. "Infrared Inhibition and Waveform Modulation of Action Potentials in the Crayfish Motor Axon." Biomedical Optics Express 10, no. 12 (2019): 6580-6594.</a:t>
+            </a:r>
+          </a:p>
+          <a:p>
+            <a:endParaRPr lang="en-US" sz="2000" dirty="0"/>
+          </a:p>
+          <a:p>
+            <a:r>
+              <a:rPr lang="en-US" sz="2000" dirty="0"/>
+              <a:t>Li, </a:t>
+            </a:r>
+            <a:r>
+              <a:rPr lang="en-US" sz="2000" dirty="0" err="1"/>
+              <a:t>Xinyu</a:t>
+            </a:r>
+            <a:r>
+              <a:rPr lang="en-US" sz="2000" dirty="0"/>
+              <a:t>, Jia Liu, Shanshan Liang, and </a:t>
+            </a:r>
+            <a:r>
+              <a:rPr lang="en-US" sz="2000" dirty="0" err="1"/>
+              <a:t>Changsen</a:t>
+            </a:r>
+            <a:r>
+              <a:rPr lang="en-US" sz="2000" dirty="0"/>
+              <a:t> Sun. "980-nm Infrared Laser Modulation of Sodium Channel Kinetics in a Neuron Cell Linearly Mediated by Photothermal Effect." Journal of Biomedical Optics 19, no. 10 (2014): 105002-105002.</a:t>
+            </a:r>
+          </a:p>
+        </p:txBody>
+      </p:sp>
+    </p:spTree>
+    <p:extLst>
+      <p:ext uri="{BB962C8B-B14F-4D97-AF65-F5344CB8AC3E}">
+        <p14:creationId xmlns:p14="http://schemas.microsoft.com/office/powerpoint/2010/main" val="2879736363"/>
       </p:ext>
     </p:extLst>
   </p:cSld>
@@ -10040,7 +10822,7 @@
             </a:r>
             <a:r>
               <a:rPr lang="en-US" sz="1400" dirty="0"/>
-              <a:t>a = 73.9 cm^-1	Optical Absorption Coefficient</a:t>
+              <a:t>a = 73.9 cm^-1		Optical Absorption Coefficient</a:t>
             </a:r>
           </a:p>
           <a:p>
@@ -10054,7 +10836,7 @@
             </a:r>
             <a:r>
               <a:rPr lang="en-US" sz="1400" dirty="0"/>
-              <a:t>m  	Beam waist at axial distance</a:t>
+              <a:t>m  		Beam waist at axial distance</a:t>
             </a:r>
           </a:p>
           <a:p>
@@ -10068,7 +10850,7 @@
             </a:r>
             <a:r>
               <a:rPr lang="en-US" sz="1400" dirty="0"/>
-              <a:t>m	Axial Distance</a:t>
+              <a:t>m		Axial Distance</a:t>
             </a:r>
           </a:p>
           <a:p>
@@ -10078,13 +10860,13 @@
             </a:r>
             <a:r>
               <a:rPr lang="en-US" sz="1400" dirty="0"/>
-              <a:t> = .01523 s	Characteristic time of the thermal lens</a:t>
+              <a:t> = .01523 s		Characteristic time of the thermal lens</a:t>
             </a:r>
           </a:p>
           <a:p>
             <a:r>
               <a:rPr lang="en-US" sz="1400" dirty="0"/>
-              <a:t>P = .009999 W	irradiation laser power, obeys Beer-Lambert law				with the initial laser power Po</a:t>
+              <a:t>P = .009999 W		Irradiation laser power, obeys Beer-Lambert law				with the initial laser power Po</a:t>
             </a:r>
           </a:p>
           <a:p>
@@ -10102,7 +10884,7 @@
             </a:r>
             <a:r>
               <a:rPr lang="en-US" sz="1400" dirty="0"/>
-              <a:t> 	thermal conductivity</a:t>
+              <a:t> 		thermal conductivity</a:t>
             </a:r>
           </a:p>
           <a:p>
@@ -10112,7 +10894,7 @@
             </a:r>
             <a:r>
               <a:rPr lang="en-US" sz="1400" dirty="0"/>
-              <a:t> = 1000 kg/m^3	density of water</a:t>
+              <a:t> = 1000 kg/m^3		density of water</a:t>
             </a:r>
           </a:p>
           <a:p>
@@ -10152,7 +10934,7 @@
             </a:r>
             <a:r>
               <a:rPr lang="en-US" sz="1400" dirty="0"/>
-              <a:t>m		radius of the fiber core</a:t>
+              <a:t>m			radius of the fiber core</a:t>
             </a:r>
             <a:endParaRPr lang="en-US" sz="1400" i="1" dirty="0"/>
           </a:p>

--- a/Presentations/Fall Updates/FallUpdate3.pptx
+++ b/Presentations/Fall Updates/FallUpdate3.pptx
@@ -5,7 +5,7 @@
     <p:sldMasterId id="2147483660" r:id="rId1"/>
   </p:sldMasterIdLst>
   <p:notesMasterIdLst>
-    <p:notesMasterId r:id="rId20"/>
+    <p:notesMasterId r:id="rId22"/>
   </p:notesMasterIdLst>
   <p:sldIdLst>
     <p:sldId id="256" r:id="rId2"/>
@@ -25,7 +25,9 @@
     <p:sldId id="282" r:id="rId16"/>
     <p:sldId id="281" r:id="rId17"/>
     <p:sldId id="283" r:id="rId18"/>
-    <p:sldId id="280" r:id="rId19"/>
+    <p:sldId id="284" r:id="rId19"/>
+    <p:sldId id="285" r:id="rId20"/>
+    <p:sldId id="280" r:id="rId21"/>
   </p:sldIdLst>
   <p:sldSz cx="12192000" cy="6858000"/>
   <p:notesSz cx="6858000" cy="9144000"/>
@@ -268,7 +270,7 @@
           <a:p>
             <a:fld id="{B79E382A-D706-485D-8E63-DF05071AD92C}" type="datetimeFigureOut">
               <a:rPr lang="en-US" smtClean="0"/>
-              <a:t>11/12/2020</a:t>
+              <a:t>11/20/2020</a:t>
             </a:fld>
             <a:endParaRPr lang="en-US"/>
           </a:p>
@@ -977,7 +979,7 @@
           <a:p>
             <a:fld id="{4D2578AF-831C-4276-9B94-E306D14E70A4}" type="datetimeFigureOut">
               <a:rPr lang="en-US" smtClean="0"/>
-              <a:t>11/12/2020</a:t>
+              <a:t>11/20/2020</a:t>
             </a:fld>
             <a:endParaRPr lang="en-US"/>
           </a:p>
@@ -1391,7 +1393,7 @@
           <a:p>
             <a:fld id="{4D2578AF-831C-4276-9B94-E306D14E70A4}" type="datetimeFigureOut">
               <a:rPr lang="en-US" smtClean="0"/>
-              <a:t>11/12/2020</a:t>
+              <a:t>11/20/2020</a:t>
             </a:fld>
             <a:endParaRPr lang="en-US"/>
           </a:p>
@@ -1727,7 +1729,7 @@
           <a:p>
             <a:fld id="{4D2578AF-831C-4276-9B94-E306D14E70A4}" type="datetimeFigureOut">
               <a:rPr lang="en-US" smtClean="0"/>
-              <a:t>11/12/2020</a:t>
+              <a:t>11/20/2020</a:t>
             </a:fld>
             <a:endParaRPr lang="en-US"/>
           </a:p>
@@ -2132,7 +2134,7 @@
           <a:p>
             <a:fld id="{4D2578AF-831C-4276-9B94-E306D14E70A4}" type="datetimeFigureOut">
               <a:rPr lang="en-US" smtClean="0"/>
-              <a:t>11/12/2020</a:t>
+              <a:t>11/20/2020</a:t>
             </a:fld>
             <a:endParaRPr lang="en-US"/>
           </a:p>
@@ -2700,7 +2702,7 @@
           <a:p>
             <a:fld id="{4D2578AF-831C-4276-9B94-E306D14E70A4}" type="datetimeFigureOut">
               <a:rPr lang="en-US" smtClean="0"/>
-              <a:t>11/12/2020</a:t>
+              <a:t>11/20/2020</a:t>
             </a:fld>
             <a:endParaRPr lang="en-US"/>
           </a:p>
@@ -3381,7 +3383,7 @@
           <a:p>
             <a:fld id="{4D2578AF-831C-4276-9B94-E306D14E70A4}" type="datetimeFigureOut">
               <a:rPr lang="en-US" smtClean="0"/>
-              <a:t>11/12/2020</a:t>
+              <a:t>11/20/2020</a:t>
             </a:fld>
             <a:endParaRPr lang="en-US"/>
           </a:p>
@@ -4294,7 +4296,7 @@
           <a:p>
             <a:fld id="{4D2578AF-831C-4276-9B94-E306D14E70A4}" type="datetimeFigureOut">
               <a:rPr lang="en-US" smtClean="0"/>
-              <a:t>11/12/2020</a:t>
+              <a:t>11/20/2020</a:t>
             </a:fld>
             <a:endParaRPr lang="en-US"/>
           </a:p>
@@ -4607,7 +4609,7 @@
           <a:p>
             <a:fld id="{4D2578AF-831C-4276-9B94-E306D14E70A4}" type="datetimeFigureOut">
               <a:rPr lang="en-US" smtClean="0"/>
-              <a:t>11/12/2020</a:t>
+              <a:t>11/20/2020</a:t>
             </a:fld>
             <a:endParaRPr lang="en-US"/>
           </a:p>
@@ -4871,7 +4873,7 @@
           <a:p>
             <a:fld id="{4D2578AF-831C-4276-9B94-E306D14E70A4}" type="datetimeFigureOut">
               <a:rPr lang="en-US" smtClean="0"/>
-              <a:t>11/12/2020</a:t>
+              <a:t>11/20/2020</a:t>
             </a:fld>
             <a:endParaRPr lang="en-US"/>
           </a:p>
@@ -5194,7 +5196,7 @@
           <a:p>
             <a:fld id="{4D2578AF-831C-4276-9B94-E306D14E70A4}" type="datetimeFigureOut">
               <a:rPr lang="en-US" smtClean="0"/>
-              <a:t>11/12/2020</a:t>
+              <a:t>11/20/2020</a:t>
             </a:fld>
             <a:endParaRPr lang="en-US"/>
           </a:p>
@@ -5583,7 +5585,7 @@
           <a:p>
             <a:fld id="{4D2578AF-831C-4276-9B94-E306D14E70A4}" type="datetimeFigureOut">
               <a:rPr lang="en-US" smtClean="0"/>
-              <a:t>11/12/2020</a:t>
+              <a:t>11/20/2020</a:t>
             </a:fld>
             <a:endParaRPr lang="en-US"/>
           </a:p>
@@ -5959,7 +5961,7 @@
           <a:p>
             <a:fld id="{4D2578AF-831C-4276-9B94-E306D14E70A4}" type="datetimeFigureOut">
               <a:rPr lang="en-US" smtClean="0"/>
-              <a:t>11/12/2020</a:t>
+              <a:t>11/20/2020</a:t>
             </a:fld>
             <a:endParaRPr lang="en-US"/>
           </a:p>
@@ -6465,7 +6467,7 @@
           <a:p>
             <a:fld id="{4D2578AF-831C-4276-9B94-E306D14E70A4}" type="datetimeFigureOut">
               <a:rPr lang="en-US" smtClean="0"/>
-              <a:t>11/12/2020</a:t>
+              <a:t>11/20/2020</a:t>
             </a:fld>
             <a:endParaRPr lang="en-US"/>
           </a:p>
@@ -6722,7 +6724,7 @@
           <a:p>
             <a:fld id="{4D2578AF-831C-4276-9B94-E306D14E70A4}" type="datetimeFigureOut">
               <a:rPr lang="en-US" smtClean="0"/>
-              <a:t>11/12/2020</a:t>
+              <a:t>11/20/2020</a:t>
             </a:fld>
             <a:endParaRPr lang="en-US"/>
           </a:p>
@@ -6885,7 +6887,7 @@
           <a:p>
             <a:fld id="{4D2578AF-831C-4276-9B94-E306D14E70A4}" type="datetimeFigureOut">
               <a:rPr lang="en-US" smtClean="0"/>
-              <a:t>11/12/2020</a:t>
+              <a:t>11/20/2020</a:t>
             </a:fld>
             <a:endParaRPr lang="en-US"/>
           </a:p>
@@ -7275,7 +7277,7 @@
           <a:p>
             <a:fld id="{4D2578AF-831C-4276-9B94-E306D14E70A4}" type="datetimeFigureOut">
               <a:rPr lang="en-US" smtClean="0"/>
-              <a:t>11/12/2020</a:t>
+              <a:t>11/20/2020</a:t>
             </a:fld>
             <a:endParaRPr lang="en-US"/>
           </a:p>
@@ -7684,7 +7686,7 @@
           <a:p>
             <a:fld id="{4D2578AF-831C-4276-9B94-E306D14E70A4}" type="datetimeFigureOut">
               <a:rPr lang="en-US" smtClean="0"/>
-              <a:t>11/12/2020</a:t>
+              <a:t>11/20/2020</a:t>
             </a:fld>
             <a:endParaRPr lang="en-US"/>
           </a:p>
@@ -7928,7 +7930,7 @@
           <a:p>
             <a:fld id="{4D2578AF-831C-4276-9B94-E306D14E70A4}" type="datetimeFigureOut">
               <a:rPr lang="en-US" smtClean="0"/>
-              <a:t>11/12/2020</a:t>
+              <a:t>11/20/2020</a:t>
             </a:fld>
             <a:endParaRPr lang="en-US"/>
           </a:p>
@@ -10013,7 +10015,7 @@
           <p:cNvPr id="2" name="Title 1">
             <a:extLst>
               <a:ext uri="{FF2B5EF4-FFF2-40B4-BE49-F238E27FC236}">
-                <a16:creationId xmlns:a16="http://schemas.microsoft.com/office/drawing/2014/main" id="{C71C11F8-792E-4891-AC4B-2335CC4BCFBE}"/>
+                <a16:creationId xmlns:a16="http://schemas.microsoft.com/office/drawing/2014/main" id="{403EE829-922D-4FB2-B59A-628619DC121D}"/>
               </a:ext>
             </a:extLst>
           </p:cNvPr>
@@ -10031,76 +10033,81 @@
           <a:p>
             <a:r>
               <a:rPr lang="en-US" dirty="0"/>
-              <a:t>Sources</a:t>
-            </a:r>
-          </a:p>
-        </p:txBody>
-      </p:sp>
-      <p:sp>
-        <p:nvSpPr>
-          <p:cNvPr id="3" name="Content Placeholder 2">
+              <a:t>Temperature Transient – Power with Experimental</a:t>
+            </a:r>
+          </a:p>
+        </p:txBody>
+      </p:sp>
+      <p:pic>
+        <p:nvPicPr>
+          <p:cNvPr id="5" name="Content Placeholder 4" descr="Chart&#10;&#10;Description automatically generated">
             <a:extLst>
               <a:ext uri="{FF2B5EF4-FFF2-40B4-BE49-F238E27FC236}">
-                <a16:creationId xmlns:a16="http://schemas.microsoft.com/office/drawing/2014/main" id="{FD19BF1E-05AE-4F03-A6B6-5ADB425B4C91}"/>
+                <a16:creationId xmlns:a16="http://schemas.microsoft.com/office/drawing/2014/main" id="{D3CEBBED-49ED-4640-B1AD-7A01B7026C63}"/>
               </a:ext>
             </a:extLst>
           </p:cNvPr>
-          <p:cNvSpPr>
-            <a:spLocks noGrp="1"/>
-          </p:cNvSpPr>
+          <p:cNvPicPr>
+            <a:picLocks noGrp="1" noChangeAspect="1"/>
+          </p:cNvPicPr>
           <p:nvPr>
             <p:ph idx="1"/>
           </p:nvPr>
-        </p:nvSpPr>
-        <p:spPr>
-          <a:xfrm>
-            <a:off x="680321" y="2336873"/>
-            <a:ext cx="9613861" cy="4091636"/>
-          </a:xfrm>
-        </p:spPr>
-        <p:txBody>
-          <a:bodyPr>
-            <a:normAutofit/>
+        </p:nvPicPr>
+        <p:blipFill>
+          <a:blip r:embed="rId2">
+            <a:extLst>
+              <a:ext uri="{28A0092B-C50C-407E-A947-70E740481C1C}">
+                <a14:useLocalDpi xmlns:a14="http://schemas.microsoft.com/office/drawing/2010/main" val="0"/>
+              </a:ext>
+            </a:extLst>
+          </a:blip>
+          <a:stretch>
+            <a:fillRect/>
+          </a:stretch>
+        </p:blipFill>
+        <p:spPr>
+          <a:xfrm>
+            <a:off x="1034539" y="2083205"/>
+            <a:ext cx="10122922" cy="4556134"/>
+          </a:xfrm>
+        </p:spPr>
+      </p:pic>
+      <p:sp>
+        <p:nvSpPr>
+          <p:cNvPr id="6" name="TextBox 5">
+            <a:extLst>
+              <a:ext uri="{FF2B5EF4-FFF2-40B4-BE49-F238E27FC236}">
+                <a16:creationId xmlns:a16="http://schemas.microsoft.com/office/drawing/2014/main" id="{76837A1D-E808-4730-9074-DD0D194C7FC6}"/>
+              </a:ext>
+            </a:extLst>
+          </p:cNvPr>
+          <p:cNvSpPr txBox="1"/>
+          <p:nvPr/>
+        </p:nvSpPr>
+        <p:spPr>
+          <a:xfrm>
+            <a:off x="5702887" y="2185011"/>
+            <a:ext cx="707852" cy="276999"/>
+          </a:xfrm>
+          <a:prstGeom prst="rect">
+            <a:avLst/>
+          </a:prstGeom>
+          <a:noFill/>
+        </p:spPr>
+        <p:txBody>
+          <a:bodyPr wrap="square" rtlCol="0">
+            <a:spAutoFit/>
           </a:bodyPr>
           <a:lstStyle/>
           <a:p>
             <a:r>
-              <a:rPr lang="en-US" sz="2000" dirty="0"/>
-              <a:t>K.F. Palmer and D. Williams, Optical Properties of water in the near infrared, Journal of the Optical Society of America, V.64, pp. 1107-1110, August, 1974</a:t>
-            </a:r>
-          </a:p>
-          <a:p>
-            <a:endParaRPr lang="en-US" sz="2000" dirty="0"/>
-          </a:p>
-          <a:p>
-            <a:r>
-              <a:rPr lang="en-US" sz="2000" dirty="0"/>
-              <a:t>Zhu, Xuedong, Jen-Wei Lin, and Michelle Y Sander. "Infrared Inhibition and Waveform Modulation of Action Potentials in the Crayfish Motor Axon." Biomedical Optics Express 10, no. 12 (2019): 6580-6594.</a:t>
-            </a:r>
-          </a:p>
-          <a:p>
-            <a:endParaRPr lang="en-US" sz="2000" dirty="0"/>
-          </a:p>
-          <a:p>
-            <a:r>
-              <a:rPr lang="en-US" sz="2000" dirty="0"/>
-              <a:t>Li, </a:t>
-            </a:r>
-            <a:r>
-              <a:rPr lang="en-US" sz="2000" dirty="0" err="1"/>
-              <a:t>Xinyu</a:t>
-            </a:r>
-            <a:r>
-              <a:rPr lang="en-US" sz="2000" dirty="0"/>
-              <a:t>, Jia Liu, Shanshan Liang, and </a:t>
-            </a:r>
-            <a:r>
-              <a:rPr lang="en-US" sz="2000" dirty="0" err="1"/>
-              <a:t>Changsen</a:t>
-            </a:r>
-            <a:r>
-              <a:rPr lang="en-US" sz="2000" dirty="0"/>
-              <a:t> Sun. "980-nm Infrared Laser Modulation of Sodium Channel Kinetics in a Neuron Cell Linearly Mediated by Photothermal Effect." Journal of Biomedical Optics 19, no. 10 (2014): 105002-105002.</a:t>
+              <a:rPr lang="en-US" sz="1200" dirty="0">
+                <a:solidFill>
+                  <a:schemeClr val="bg1"/>
+                </a:solidFill>
+              </a:rPr>
+              <a:t>Fig. 12</a:t>
             </a:r>
           </a:p>
         </p:txBody>
@@ -10108,7 +10115,138 @@
     </p:spTree>
     <p:extLst>
       <p:ext uri="{BB962C8B-B14F-4D97-AF65-F5344CB8AC3E}">
-        <p14:creationId xmlns:p14="http://schemas.microsoft.com/office/powerpoint/2010/main" val="2879736363"/>
+        <p14:creationId xmlns:p14="http://schemas.microsoft.com/office/powerpoint/2010/main" val="2264475719"/>
+      </p:ext>
+    </p:extLst>
+  </p:cSld>
+  <p:clrMapOvr>
+    <a:masterClrMapping/>
+  </p:clrMapOvr>
+</p:sld>
+</file>
+
+<file path=ppt/slides/slide19.xml><?xml version="1.0" encoding="utf-8"?>
+<p:sld xmlns:a="http://schemas.openxmlformats.org/drawingml/2006/main" xmlns:r="http://schemas.openxmlformats.org/officeDocument/2006/relationships" xmlns:p="http://schemas.openxmlformats.org/presentationml/2006/main">
+  <p:cSld>
+    <p:spTree>
+      <p:nvGrpSpPr>
+        <p:cNvPr id="1" name=""/>
+        <p:cNvGrpSpPr/>
+        <p:nvPr/>
+      </p:nvGrpSpPr>
+      <p:grpSpPr>
+        <a:xfrm>
+          <a:off x="0" y="0"/>
+          <a:ext cx="0" cy="0"/>
+          <a:chOff x="0" y="0"/>
+          <a:chExt cx="0" cy="0"/>
+        </a:xfrm>
+      </p:grpSpPr>
+      <p:sp>
+        <p:nvSpPr>
+          <p:cNvPr id="2" name="Title 1">
+            <a:extLst>
+              <a:ext uri="{FF2B5EF4-FFF2-40B4-BE49-F238E27FC236}">
+                <a16:creationId xmlns:a16="http://schemas.microsoft.com/office/drawing/2014/main" id="{403EE829-922D-4FB2-B59A-628619DC121D}"/>
+              </a:ext>
+            </a:extLst>
+          </p:cNvPr>
+          <p:cNvSpPr>
+            <a:spLocks noGrp="1"/>
+          </p:cNvSpPr>
+          <p:nvPr>
+            <p:ph type="title"/>
+          </p:nvPr>
+        </p:nvSpPr>
+        <p:spPr/>
+        <p:txBody>
+          <a:bodyPr/>
+          <a:lstStyle/>
+          <a:p>
+            <a:r>
+              <a:rPr lang="en-US" dirty="0"/>
+              <a:t>Temperature Transient – OAC with Experimental</a:t>
+            </a:r>
+          </a:p>
+        </p:txBody>
+      </p:sp>
+      <p:pic>
+        <p:nvPicPr>
+          <p:cNvPr id="5" name="Content Placeholder 4">
+            <a:extLst>
+              <a:ext uri="{FF2B5EF4-FFF2-40B4-BE49-F238E27FC236}">
+                <a16:creationId xmlns:a16="http://schemas.microsoft.com/office/drawing/2014/main" id="{D3CEBBED-49ED-4640-B1AD-7A01B7026C63}"/>
+              </a:ext>
+            </a:extLst>
+          </p:cNvPr>
+          <p:cNvPicPr>
+            <a:picLocks noGrp="1" noChangeAspect="1"/>
+          </p:cNvPicPr>
+          <p:nvPr>
+            <p:ph idx="1"/>
+          </p:nvPr>
+        </p:nvPicPr>
+        <p:blipFill>
+          <a:blip r:embed="rId2">
+            <a:extLst>
+              <a:ext uri="{28A0092B-C50C-407E-A947-70E740481C1C}">
+                <a14:useLocalDpi xmlns:a14="http://schemas.microsoft.com/office/drawing/2010/main" val="0"/>
+              </a:ext>
+            </a:extLst>
+          </a:blip>
+          <a:srcRect/>
+          <a:stretch/>
+        </p:blipFill>
+        <p:spPr>
+          <a:xfrm>
+            <a:off x="1034539" y="2083205"/>
+            <a:ext cx="10122921" cy="4556134"/>
+          </a:xfrm>
+        </p:spPr>
+      </p:pic>
+      <p:sp>
+        <p:nvSpPr>
+          <p:cNvPr id="6" name="TextBox 5">
+            <a:extLst>
+              <a:ext uri="{FF2B5EF4-FFF2-40B4-BE49-F238E27FC236}">
+                <a16:creationId xmlns:a16="http://schemas.microsoft.com/office/drawing/2014/main" id="{76837A1D-E808-4730-9074-DD0D194C7FC6}"/>
+              </a:ext>
+            </a:extLst>
+          </p:cNvPr>
+          <p:cNvSpPr txBox="1"/>
+          <p:nvPr/>
+        </p:nvSpPr>
+        <p:spPr>
+          <a:xfrm>
+            <a:off x="5702887" y="2185011"/>
+            <a:ext cx="707852" cy="276999"/>
+          </a:xfrm>
+          <a:prstGeom prst="rect">
+            <a:avLst/>
+          </a:prstGeom>
+          <a:noFill/>
+        </p:spPr>
+        <p:txBody>
+          <a:bodyPr wrap="square" rtlCol="0">
+            <a:spAutoFit/>
+          </a:bodyPr>
+          <a:lstStyle/>
+          <a:p>
+            <a:r>
+              <a:rPr lang="en-US" sz="1200" dirty="0">
+                <a:solidFill>
+                  <a:schemeClr val="bg1"/>
+                </a:solidFill>
+              </a:rPr>
+              <a:t>Fig. 13</a:t>
+            </a:r>
+          </a:p>
+        </p:txBody>
+      </p:sp>
+    </p:spTree>
+    <p:extLst>
+      <p:ext uri="{BB962C8B-B14F-4D97-AF65-F5344CB8AC3E}">
+        <p14:creationId xmlns:p14="http://schemas.microsoft.com/office/powerpoint/2010/main" val="1018285031"/>
       </p:ext>
     </p:extLst>
   </p:cSld>
@@ -10318,6 +10456,133 @@
     <p:extLst>
       <p:ext uri="{BB962C8B-B14F-4D97-AF65-F5344CB8AC3E}">
         <p14:creationId xmlns:p14="http://schemas.microsoft.com/office/powerpoint/2010/main" val="2102302730"/>
+      </p:ext>
+    </p:extLst>
+  </p:cSld>
+  <p:clrMapOvr>
+    <a:masterClrMapping/>
+  </p:clrMapOvr>
+</p:sld>
+</file>
+
+<file path=ppt/slides/slide20.xml><?xml version="1.0" encoding="utf-8"?>
+<p:sld xmlns:a="http://schemas.openxmlformats.org/drawingml/2006/main" xmlns:r="http://schemas.openxmlformats.org/officeDocument/2006/relationships" xmlns:p="http://schemas.openxmlformats.org/presentationml/2006/main">
+  <p:cSld>
+    <p:spTree>
+      <p:nvGrpSpPr>
+        <p:cNvPr id="1" name=""/>
+        <p:cNvGrpSpPr/>
+        <p:nvPr/>
+      </p:nvGrpSpPr>
+      <p:grpSpPr>
+        <a:xfrm>
+          <a:off x="0" y="0"/>
+          <a:ext cx="0" cy="0"/>
+          <a:chOff x="0" y="0"/>
+          <a:chExt cx="0" cy="0"/>
+        </a:xfrm>
+      </p:grpSpPr>
+      <p:sp>
+        <p:nvSpPr>
+          <p:cNvPr id="2" name="Title 1">
+            <a:extLst>
+              <a:ext uri="{FF2B5EF4-FFF2-40B4-BE49-F238E27FC236}">
+                <a16:creationId xmlns:a16="http://schemas.microsoft.com/office/drawing/2014/main" id="{C71C11F8-792E-4891-AC4B-2335CC4BCFBE}"/>
+              </a:ext>
+            </a:extLst>
+          </p:cNvPr>
+          <p:cNvSpPr>
+            <a:spLocks noGrp="1"/>
+          </p:cNvSpPr>
+          <p:nvPr>
+            <p:ph type="title"/>
+          </p:nvPr>
+        </p:nvSpPr>
+        <p:spPr/>
+        <p:txBody>
+          <a:bodyPr/>
+          <a:lstStyle/>
+          <a:p>
+            <a:r>
+              <a:rPr lang="en-US" dirty="0"/>
+              <a:t>Sources</a:t>
+            </a:r>
+          </a:p>
+        </p:txBody>
+      </p:sp>
+      <p:sp>
+        <p:nvSpPr>
+          <p:cNvPr id="3" name="Content Placeholder 2">
+            <a:extLst>
+              <a:ext uri="{FF2B5EF4-FFF2-40B4-BE49-F238E27FC236}">
+                <a16:creationId xmlns:a16="http://schemas.microsoft.com/office/drawing/2014/main" id="{FD19BF1E-05AE-4F03-A6B6-5ADB425B4C91}"/>
+              </a:ext>
+            </a:extLst>
+          </p:cNvPr>
+          <p:cNvSpPr>
+            <a:spLocks noGrp="1"/>
+          </p:cNvSpPr>
+          <p:nvPr>
+            <p:ph idx="1"/>
+          </p:nvPr>
+        </p:nvSpPr>
+        <p:spPr>
+          <a:xfrm>
+            <a:off x="680321" y="2336873"/>
+            <a:ext cx="9613861" cy="4091636"/>
+          </a:xfrm>
+        </p:spPr>
+        <p:txBody>
+          <a:bodyPr>
+            <a:normAutofit/>
+          </a:bodyPr>
+          <a:lstStyle/>
+          <a:p>
+            <a:r>
+              <a:rPr lang="en-US" sz="2000" dirty="0"/>
+              <a:t>K.F. Palmer and D. Williams, Optical Properties of water in the near infrared, Journal of the Optical Society of America, V.64, pp. 1107-1110, August, 1974</a:t>
+            </a:r>
+          </a:p>
+          <a:p>
+            <a:endParaRPr lang="en-US" sz="2000" dirty="0"/>
+          </a:p>
+          <a:p>
+            <a:r>
+              <a:rPr lang="en-US" sz="2000" dirty="0"/>
+              <a:t>Zhu, Xuedong, Jen-Wei Lin, and Michelle Y Sander. "Infrared Inhibition and Waveform Modulation of Action Potentials in the Crayfish Motor Axon." Biomedical Optics Express 10, no. 12 (2019): 6580-6594.</a:t>
+            </a:r>
+          </a:p>
+          <a:p>
+            <a:endParaRPr lang="en-US" sz="2000" dirty="0"/>
+          </a:p>
+          <a:p>
+            <a:r>
+              <a:rPr lang="en-US" sz="2000" dirty="0"/>
+              <a:t>Li, </a:t>
+            </a:r>
+            <a:r>
+              <a:rPr lang="en-US" sz="2000" dirty="0" err="1"/>
+              <a:t>Xinyu</a:t>
+            </a:r>
+            <a:r>
+              <a:rPr lang="en-US" sz="2000" dirty="0"/>
+              <a:t>, Jia Liu, Shanshan Liang, and </a:t>
+            </a:r>
+            <a:r>
+              <a:rPr lang="en-US" sz="2000" dirty="0" err="1"/>
+              <a:t>Changsen</a:t>
+            </a:r>
+            <a:r>
+              <a:rPr lang="en-US" sz="2000" dirty="0"/>
+              <a:t> Sun. "980-nm Infrared Laser Modulation of Sodium Channel Kinetics in a Neuron Cell Linearly Mediated by Photothermal Effect." Journal of Biomedical Optics 19, no. 10 (2014): 105002-105002.</a:t>
+            </a:r>
+          </a:p>
+        </p:txBody>
+      </p:sp>
+    </p:spTree>
+    <p:extLst>
+      <p:ext uri="{BB962C8B-B14F-4D97-AF65-F5344CB8AC3E}">
+        <p14:creationId xmlns:p14="http://schemas.microsoft.com/office/powerpoint/2010/main" val="2879736363"/>
       </p:ext>
     </p:extLst>
   </p:cSld>

--- a/Presentations/Fall Updates/FallUpdate3.pptx
+++ b/Presentations/Fall Updates/FallUpdate3.pptx
@@ -5,7 +5,7 @@
     <p:sldMasterId id="2147483660" r:id="rId1"/>
   </p:sldMasterIdLst>
   <p:notesMasterIdLst>
-    <p:notesMasterId r:id="rId22"/>
+    <p:notesMasterId r:id="rId24"/>
   </p:notesMasterIdLst>
   <p:sldIdLst>
     <p:sldId id="256" r:id="rId2"/>
@@ -27,7 +27,9 @@
     <p:sldId id="283" r:id="rId18"/>
     <p:sldId id="284" r:id="rId19"/>
     <p:sldId id="285" r:id="rId20"/>
-    <p:sldId id="280" r:id="rId21"/>
+    <p:sldId id="286" r:id="rId21"/>
+    <p:sldId id="287" r:id="rId22"/>
+    <p:sldId id="280" r:id="rId23"/>
   </p:sldIdLst>
   <p:sldSz cx="12192000" cy="6858000"/>
   <p:notesSz cx="6858000" cy="9144000"/>
@@ -8364,7 +8366,7 @@
           <a:p>
             <a:r>
               <a:rPr lang="en-US" dirty="0"/>
-              <a:t>Fall Update 3</a:t>
+              <a:t>Fall Update 5</a:t>
             </a:r>
           </a:p>
         </p:txBody>
@@ -9917,7 +9919,7 @@
           <a:p>
             <a:r>
               <a:rPr lang="en-US" dirty="0"/>
-              <a:t>General Conclusions</a:t>
+              <a:t>Conclusions</a:t>
             </a:r>
           </a:p>
         </p:txBody>
@@ -10487,6 +10489,391 @@
           <p:cNvPr id="2" name="Title 1">
             <a:extLst>
               <a:ext uri="{FF2B5EF4-FFF2-40B4-BE49-F238E27FC236}">
+                <a16:creationId xmlns:a16="http://schemas.microsoft.com/office/drawing/2014/main" id="{D6AF5FED-0236-4448-AF65-F6F599CAE8BD}"/>
+              </a:ext>
+            </a:extLst>
+          </p:cNvPr>
+          <p:cNvSpPr>
+            <a:spLocks noGrp="1"/>
+          </p:cNvSpPr>
+          <p:nvPr>
+            <p:ph type="title"/>
+          </p:nvPr>
+        </p:nvSpPr>
+        <p:spPr/>
+        <p:txBody>
+          <a:bodyPr/>
+          <a:lstStyle/>
+          <a:p>
+            <a:r>
+              <a:rPr lang="en-US" dirty="0"/>
+              <a:t>Temperature Transient – z distance with Experimental</a:t>
+            </a:r>
+          </a:p>
+        </p:txBody>
+      </p:sp>
+      <p:sp>
+        <p:nvSpPr>
+          <p:cNvPr id="3" name="Content Placeholder 2">
+            <a:extLst>
+              <a:ext uri="{FF2B5EF4-FFF2-40B4-BE49-F238E27FC236}">
+                <a16:creationId xmlns:a16="http://schemas.microsoft.com/office/drawing/2014/main" id="{76C9D941-CA2E-49E1-99DE-3D133438AA07}"/>
+              </a:ext>
+            </a:extLst>
+          </p:cNvPr>
+          <p:cNvSpPr>
+            <a:spLocks noGrp="1"/>
+          </p:cNvSpPr>
+          <p:nvPr>
+            <p:ph idx="1"/>
+          </p:nvPr>
+        </p:nvSpPr>
+        <p:spPr>
+          <a:xfrm>
+            <a:off x="680322" y="2336873"/>
+            <a:ext cx="4994921" cy="3599316"/>
+          </a:xfrm>
+        </p:spPr>
+        <p:txBody>
+          <a:bodyPr/>
+          <a:lstStyle/>
+          <a:p>
+            <a:r>
+              <a:rPr lang="en-US" dirty="0"/>
+              <a:t>In the original program, R is not set to vary with z</a:t>
+            </a:r>
+          </a:p>
+          <a:p>
+            <a:pPr marL="0" indent="0">
+              <a:buNone/>
+            </a:pPr>
+            <a:endParaRPr lang="en-US" dirty="0"/>
+          </a:p>
+          <a:p>
+            <a:r>
+              <a:rPr lang="en-US" dirty="0"/>
+              <a:t>An equation is needed for the gaussian model used</a:t>
+            </a:r>
+          </a:p>
+        </p:txBody>
+      </p:sp>
+      <p:pic>
+        <p:nvPicPr>
+          <p:cNvPr id="4" name="Picture 3">
+            <a:extLst>
+              <a:ext uri="{FF2B5EF4-FFF2-40B4-BE49-F238E27FC236}">
+                <a16:creationId xmlns:a16="http://schemas.microsoft.com/office/drawing/2014/main" id="{11760510-BF20-4813-AFB1-94F569C0D32F}"/>
+              </a:ext>
+            </a:extLst>
+          </p:cNvPr>
+          <p:cNvPicPr>
+            <a:picLocks noChangeAspect="1"/>
+          </p:cNvPicPr>
+          <p:nvPr/>
+        </p:nvPicPr>
+        <p:blipFill>
+          <a:blip r:embed="rId2"/>
+          <a:stretch>
+            <a:fillRect/>
+          </a:stretch>
+        </p:blipFill>
+        <p:spPr>
+          <a:xfrm>
+            <a:off x="6146022" y="3394213"/>
+            <a:ext cx="5627930" cy="994227"/>
+          </a:xfrm>
+          <a:prstGeom prst="rect">
+            <a:avLst/>
+          </a:prstGeom>
+        </p:spPr>
+      </p:pic>
+      <p:sp>
+        <p:nvSpPr>
+          <p:cNvPr id="5" name="TextBox 4">
+            <a:extLst>
+              <a:ext uri="{FF2B5EF4-FFF2-40B4-BE49-F238E27FC236}">
+                <a16:creationId xmlns:a16="http://schemas.microsoft.com/office/drawing/2014/main" id="{52AA8713-E0F4-4B48-A7B7-41A5374B07FF}"/>
+              </a:ext>
+            </a:extLst>
+          </p:cNvPr>
+          <p:cNvSpPr txBox="1"/>
+          <p:nvPr/>
+        </p:nvSpPr>
+        <p:spPr>
+          <a:xfrm>
+            <a:off x="7493965" y="4502426"/>
+            <a:ext cx="2932044" cy="646331"/>
+          </a:xfrm>
+          <a:prstGeom prst="rect">
+            <a:avLst/>
+          </a:prstGeom>
+          <a:noFill/>
+        </p:spPr>
+        <p:txBody>
+          <a:bodyPr wrap="square" rtlCol="0">
+            <a:spAutoFit/>
+          </a:bodyPr>
+          <a:lstStyle/>
+          <a:p>
+            <a:r>
+              <a:rPr lang="en-US" dirty="0"/>
+              <a:t>Fig. 14 – Axial distance, fiber radius, and spot size</a:t>
+            </a:r>
+          </a:p>
+        </p:txBody>
+      </p:sp>
+    </p:spTree>
+    <p:extLst>
+      <p:ext uri="{BB962C8B-B14F-4D97-AF65-F5344CB8AC3E}">
+        <p14:creationId xmlns:p14="http://schemas.microsoft.com/office/powerpoint/2010/main" val="3963705502"/>
+      </p:ext>
+    </p:extLst>
+  </p:cSld>
+  <p:clrMapOvr>
+    <a:masterClrMapping/>
+  </p:clrMapOvr>
+</p:sld>
+</file>
+
+<file path=ppt/slides/slide21.xml><?xml version="1.0" encoding="utf-8"?>
+<p:sld xmlns:a="http://schemas.openxmlformats.org/drawingml/2006/main" xmlns:r="http://schemas.openxmlformats.org/officeDocument/2006/relationships" xmlns:p="http://schemas.openxmlformats.org/presentationml/2006/main">
+  <p:cSld>
+    <p:spTree>
+      <p:nvGrpSpPr>
+        <p:cNvPr id="1" name=""/>
+        <p:cNvGrpSpPr/>
+        <p:nvPr/>
+      </p:nvGrpSpPr>
+      <p:grpSpPr>
+        <a:xfrm>
+          <a:off x="0" y="0"/>
+          <a:ext cx="0" cy="0"/>
+          <a:chOff x="0" y="0"/>
+          <a:chExt cx="0" cy="0"/>
+        </a:xfrm>
+      </p:grpSpPr>
+      <p:sp>
+        <p:nvSpPr>
+          <p:cNvPr id="2" name="Title 1">
+            <a:extLst>
+              <a:ext uri="{FF2B5EF4-FFF2-40B4-BE49-F238E27FC236}">
+                <a16:creationId xmlns:a16="http://schemas.microsoft.com/office/drawing/2014/main" id="{D9E5B390-DC2A-471B-AB2F-BEE2D75A4407}"/>
+              </a:ext>
+            </a:extLst>
+          </p:cNvPr>
+          <p:cNvSpPr>
+            <a:spLocks noGrp="1"/>
+          </p:cNvSpPr>
+          <p:nvPr>
+            <p:ph type="title"/>
+          </p:nvPr>
+        </p:nvSpPr>
+        <p:spPr/>
+        <p:txBody>
+          <a:bodyPr/>
+          <a:lstStyle/>
+          <a:p>
+            <a:r>
+              <a:rPr lang="en-US" dirty="0"/>
+              <a:t>Error</a:t>
+            </a:r>
+          </a:p>
+        </p:txBody>
+      </p:sp>
+      <p:pic>
+        <p:nvPicPr>
+          <p:cNvPr id="5" name="Content Placeholder 4" descr="Chart, line chart&#10;&#10;Description automatically generated">
+            <a:extLst>
+              <a:ext uri="{FF2B5EF4-FFF2-40B4-BE49-F238E27FC236}">
+                <a16:creationId xmlns:a16="http://schemas.microsoft.com/office/drawing/2014/main" id="{AA94F286-9104-4AA0-B46B-FAE6E09532DC}"/>
+              </a:ext>
+            </a:extLst>
+          </p:cNvPr>
+          <p:cNvPicPr>
+            <a:picLocks noGrp="1" noChangeAspect="1"/>
+          </p:cNvPicPr>
+          <p:nvPr>
+            <p:ph idx="1"/>
+          </p:nvPr>
+        </p:nvPicPr>
+        <p:blipFill>
+          <a:blip r:embed="rId2">
+            <a:extLst>
+              <a:ext uri="{28A0092B-C50C-407E-A947-70E740481C1C}">
+                <a14:useLocalDpi xmlns:a14="http://schemas.microsoft.com/office/drawing/2010/main" val="0"/>
+              </a:ext>
+            </a:extLst>
+          </a:blip>
+          <a:stretch>
+            <a:fillRect/>
+          </a:stretch>
+        </p:blipFill>
+        <p:spPr>
+          <a:xfrm>
+            <a:off x="6378598" y="2361648"/>
+            <a:ext cx="5465048" cy="4098786"/>
+          </a:xfrm>
+        </p:spPr>
+      </p:pic>
+      <p:pic>
+        <p:nvPicPr>
+          <p:cNvPr id="8" name="Picture 7">
+            <a:extLst>
+              <a:ext uri="{FF2B5EF4-FFF2-40B4-BE49-F238E27FC236}">
+                <a16:creationId xmlns:a16="http://schemas.microsoft.com/office/drawing/2014/main" id="{60C741BD-79C1-4F17-B8C6-00A0C0AA7026}"/>
+              </a:ext>
+            </a:extLst>
+          </p:cNvPr>
+          <p:cNvPicPr>
+            <a:picLocks noChangeAspect="1"/>
+          </p:cNvPicPr>
+          <p:nvPr/>
+        </p:nvPicPr>
+        <p:blipFill>
+          <a:blip r:embed="rId3"/>
+          <a:stretch>
+            <a:fillRect/>
+          </a:stretch>
+        </p:blipFill>
+        <p:spPr>
+          <a:xfrm>
+            <a:off x="1521350" y="4709689"/>
+            <a:ext cx="3624289" cy="1109671"/>
+          </a:xfrm>
+          <a:prstGeom prst="rect">
+            <a:avLst/>
+          </a:prstGeom>
+        </p:spPr>
+      </p:pic>
+      <p:sp>
+        <p:nvSpPr>
+          <p:cNvPr id="9" name="TextBox 8">
+            <a:extLst>
+              <a:ext uri="{FF2B5EF4-FFF2-40B4-BE49-F238E27FC236}">
+                <a16:creationId xmlns:a16="http://schemas.microsoft.com/office/drawing/2014/main" id="{FD36FFD9-56CE-425E-81F5-82CA06085BF9}"/>
+              </a:ext>
+            </a:extLst>
+          </p:cNvPr>
+          <p:cNvSpPr txBox="1"/>
+          <p:nvPr/>
+        </p:nvSpPr>
+        <p:spPr>
+          <a:xfrm>
+            <a:off x="680321" y="2276061"/>
+            <a:ext cx="5415679" cy="2031325"/>
+          </a:xfrm>
+          <a:prstGeom prst="rect">
+            <a:avLst/>
+          </a:prstGeom>
+          <a:noFill/>
+        </p:spPr>
+        <p:txBody>
+          <a:bodyPr wrap="square" rtlCol="0">
+            <a:spAutoFit/>
+          </a:bodyPr>
+          <a:lstStyle/>
+          <a:p>
+            <a:pPr marL="285750" indent="-285750">
+              <a:buFont typeface="Arial" panose="020B0604020202020204" pitchFamily="34" charset="0"/>
+              <a:buChar char="•"/>
+            </a:pPr>
+            <a:r>
+              <a:rPr lang="en-US" dirty="0"/>
+              <a:t>Using the mean absolute percentage error, an attempt is made to calculate the error between the experimental data and the calculated power values</a:t>
+            </a:r>
+          </a:p>
+          <a:p>
+            <a:pPr marL="285750" indent="-285750">
+              <a:buFont typeface="Arial" panose="020B0604020202020204" pitchFamily="34" charset="0"/>
+              <a:buChar char="•"/>
+            </a:pPr>
+            <a:r>
+              <a:rPr lang="en-US" dirty="0"/>
+              <a:t>There exists some fixable carryover, considering the general trend of the error</a:t>
+            </a:r>
+          </a:p>
+          <a:p>
+            <a:pPr marL="285750" indent="-285750">
+              <a:buFont typeface="Arial" panose="020B0604020202020204" pitchFamily="34" charset="0"/>
+              <a:buChar char="•"/>
+            </a:pPr>
+            <a:r>
+              <a:rPr lang="en-US" dirty="0"/>
+              <a:t>The calculation is shown below -</a:t>
+            </a:r>
+          </a:p>
+        </p:txBody>
+      </p:sp>
+      <p:sp>
+        <p:nvSpPr>
+          <p:cNvPr id="10" name="TextBox 9">
+            <a:extLst>
+              <a:ext uri="{FF2B5EF4-FFF2-40B4-BE49-F238E27FC236}">
+                <a16:creationId xmlns:a16="http://schemas.microsoft.com/office/drawing/2014/main" id="{E1260670-B861-4780-94EF-7809CB9FAE33}"/>
+              </a:ext>
+            </a:extLst>
+          </p:cNvPr>
+          <p:cNvSpPr txBox="1"/>
+          <p:nvPr/>
+        </p:nvSpPr>
+        <p:spPr>
+          <a:xfrm>
+            <a:off x="1123692" y="5928692"/>
+            <a:ext cx="4611094" cy="307777"/>
+          </a:xfrm>
+          <a:prstGeom prst="rect">
+            <a:avLst/>
+          </a:prstGeom>
+          <a:noFill/>
+        </p:spPr>
+        <p:txBody>
+          <a:bodyPr wrap="square" rtlCol="0">
+            <a:spAutoFit/>
+          </a:bodyPr>
+          <a:lstStyle/>
+          <a:p>
+            <a:r>
+              <a:rPr lang="en-US" sz="1400" dirty="0"/>
+              <a:t>Fig 15 – MAPE Calculation, power alteration with MAPE</a:t>
+            </a:r>
+          </a:p>
+        </p:txBody>
+      </p:sp>
+    </p:spTree>
+    <p:extLst>
+      <p:ext uri="{BB962C8B-B14F-4D97-AF65-F5344CB8AC3E}">
+        <p14:creationId xmlns:p14="http://schemas.microsoft.com/office/powerpoint/2010/main" val="1190408492"/>
+      </p:ext>
+    </p:extLst>
+  </p:cSld>
+  <p:clrMapOvr>
+    <a:masterClrMapping/>
+  </p:clrMapOvr>
+</p:sld>
+</file>
+
+<file path=ppt/slides/slide22.xml><?xml version="1.0" encoding="utf-8"?>
+<p:sld xmlns:a="http://schemas.openxmlformats.org/drawingml/2006/main" xmlns:r="http://schemas.openxmlformats.org/officeDocument/2006/relationships" xmlns:p="http://schemas.openxmlformats.org/presentationml/2006/main">
+  <p:cSld>
+    <p:spTree>
+      <p:nvGrpSpPr>
+        <p:cNvPr id="1" name=""/>
+        <p:cNvGrpSpPr/>
+        <p:nvPr/>
+      </p:nvGrpSpPr>
+      <p:grpSpPr>
+        <a:xfrm>
+          <a:off x="0" y="0"/>
+          <a:ext cx="0" cy="0"/>
+          <a:chOff x="0" y="0"/>
+          <a:chExt cx="0" cy="0"/>
+        </a:xfrm>
+      </p:grpSpPr>
+      <p:sp>
+        <p:nvSpPr>
+          <p:cNvPr id="2" name="Title 1">
+            <a:extLst>
+              <a:ext uri="{FF2B5EF4-FFF2-40B4-BE49-F238E27FC236}">
                 <a16:creationId xmlns:a16="http://schemas.microsoft.com/office/drawing/2014/main" id="{C71C11F8-792E-4891-AC4B-2335CC4BCFBE}"/>
               </a:ext>
             </a:extLst>
@@ -10823,7 +11210,7 @@
         <p:spPr>
           <a:xfrm>
             <a:off x="1033895" y="5021775"/>
-            <a:ext cx="9357690" cy="1200329"/>
+            <a:ext cx="9357690" cy="923330"/>
           </a:xfrm>
           <a:prstGeom prst="rect">
             <a:avLst/>
@@ -10835,16 +11222,6 @@
             <a:spAutoFit/>
           </a:bodyPr>
           <a:lstStyle/>
-          <a:p>
-            <a:pPr marL="285750" indent="-285750">
-              <a:buFont typeface="Arial" panose="020B0604020202020204" pitchFamily="34" charset="0"/>
-              <a:buChar char="•"/>
-            </a:pPr>
-            <a:r>
-              <a:rPr lang="en-US" dirty="0"/>
-              <a:t>The thermal lens effect occurs when the laser beam is absorbed in the focusing region</a:t>
-            </a:r>
-          </a:p>
           <a:p>
             <a:pPr marL="285750" indent="-285750">
               <a:buFont typeface="Arial" panose="020B0604020202020204" pitchFamily="34" charset="0"/>
@@ -11068,7 +11445,7 @@
         <p:spPr>
           <a:xfrm>
             <a:off x="601658" y="4021152"/>
-            <a:ext cx="5979831" cy="2246769"/>
+            <a:ext cx="5979831" cy="2031325"/>
           </a:xfrm>
           <a:prstGeom prst="rect">
             <a:avLst/>
@@ -11093,7 +11470,7 @@
           <a:p>
             <a:r>
               <a:rPr lang="en-US" sz="1400" dirty="0"/>
-              <a:t>R = 93.41 </a:t>
+              <a:t>R = 25 </a:t>
             </a:r>
             <a:r>
               <a:rPr lang="el-GR" sz="1400" dirty="0"/>
@@ -11101,13 +11478,13 @@
             </a:r>
             <a:r>
               <a:rPr lang="en-US" sz="1400" dirty="0"/>
-              <a:t>m  		Beam waist at axial distance</a:t>
+              <a:t>m  			Beam waist at axial distance</a:t>
             </a:r>
           </a:p>
           <a:p>
             <a:r>
               <a:rPr lang="en-US" sz="1400" dirty="0"/>
-              <a:t>z = 164.56 </a:t>
+              <a:t>z = 117.55 </a:t>
             </a:r>
             <a:r>
               <a:rPr lang="el-GR" sz="1400" dirty="0"/>
@@ -11125,13 +11502,13 @@
             </a:r>
             <a:r>
               <a:rPr lang="en-US" sz="1400" dirty="0"/>
-              <a:t> = .01523 s		Characteristic time of the thermal lens</a:t>
+              <a:t> = .00109 s		Characteristic time of the thermal lens</a:t>
             </a:r>
           </a:p>
           <a:p>
             <a:r>
               <a:rPr lang="en-US" sz="1400" dirty="0"/>
-              <a:t>P = .009999 W		Irradiation laser power, obeys Beer-Lambert law				with the initial laser power Po</a:t>
+              <a:t>Po = .00692 W		Initial laser power </a:t>
             </a:r>
           </a:p>
           <a:p>

--- a/Presentations/Fall Updates/FallUpdate3.pptx
+++ b/Presentations/Fall Updates/FallUpdate3.pptx
@@ -5,7 +5,7 @@
     <p:sldMasterId id="2147483660" r:id="rId1"/>
   </p:sldMasterIdLst>
   <p:notesMasterIdLst>
-    <p:notesMasterId r:id="rId24"/>
+    <p:notesMasterId r:id="rId37"/>
   </p:notesMasterIdLst>
   <p:sldIdLst>
     <p:sldId id="256" r:id="rId2"/>
@@ -29,7 +29,20 @@
     <p:sldId id="285" r:id="rId20"/>
     <p:sldId id="286" r:id="rId21"/>
     <p:sldId id="287" r:id="rId22"/>
-    <p:sldId id="280" r:id="rId23"/>
+    <p:sldId id="289" r:id="rId23"/>
+    <p:sldId id="290" r:id="rId24"/>
+    <p:sldId id="292" r:id="rId25"/>
+    <p:sldId id="293" r:id="rId26"/>
+    <p:sldId id="295" r:id="rId27"/>
+    <p:sldId id="296" r:id="rId28"/>
+    <p:sldId id="298" r:id="rId29"/>
+    <p:sldId id="299" r:id="rId30"/>
+    <p:sldId id="297" r:id="rId31"/>
+    <p:sldId id="301" r:id="rId32"/>
+    <p:sldId id="302" r:id="rId33"/>
+    <p:sldId id="303" r:id="rId34"/>
+    <p:sldId id="280" r:id="rId35"/>
+    <p:sldId id="291" r:id="rId36"/>
   </p:sldIdLst>
   <p:sldSz cx="12192000" cy="6858000"/>
   <p:notesSz cx="6858000" cy="9144000"/>
@@ -272,7 +285,7 @@
           <a:p>
             <a:fld id="{B79E382A-D706-485D-8E63-DF05071AD92C}" type="datetimeFigureOut">
               <a:rPr lang="en-US" smtClean="0"/>
-              <a:t>11/20/2020</a:t>
+              <a:t>12/11/2020</a:t>
             </a:fld>
             <a:endParaRPr lang="en-US"/>
           </a:p>
@@ -981,7 +994,7 @@
           <a:p>
             <a:fld id="{4D2578AF-831C-4276-9B94-E306D14E70A4}" type="datetimeFigureOut">
               <a:rPr lang="en-US" smtClean="0"/>
-              <a:t>11/20/2020</a:t>
+              <a:t>12/11/2020</a:t>
             </a:fld>
             <a:endParaRPr lang="en-US"/>
           </a:p>
@@ -1395,7 +1408,7 @@
           <a:p>
             <a:fld id="{4D2578AF-831C-4276-9B94-E306D14E70A4}" type="datetimeFigureOut">
               <a:rPr lang="en-US" smtClean="0"/>
-              <a:t>11/20/2020</a:t>
+              <a:t>12/11/2020</a:t>
             </a:fld>
             <a:endParaRPr lang="en-US"/>
           </a:p>
@@ -1731,7 +1744,7 @@
           <a:p>
             <a:fld id="{4D2578AF-831C-4276-9B94-E306D14E70A4}" type="datetimeFigureOut">
               <a:rPr lang="en-US" smtClean="0"/>
-              <a:t>11/20/2020</a:t>
+              <a:t>12/11/2020</a:t>
             </a:fld>
             <a:endParaRPr lang="en-US"/>
           </a:p>
@@ -2136,7 +2149,7 @@
           <a:p>
             <a:fld id="{4D2578AF-831C-4276-9B94-E306D14E70A4}" type="datetimeFigureOut">
               <a:rPr lang="en-US" smtClean="0"/>
-              <a:t>11/20/2020</a:t>
+              <a:t>12/11/2020</a:t>
             </a:fld>
             <a:endParaRPr lang="en-US"/>
           </a:p>
@@ -2704,7 +2717,7 @@
           <a:p>
             <a:fld id="{4D2578AF-831C-4276-9B94-E306D14E70A4}" type="datetimeFigureOut">
               <a:rPr lang="en-US" smtClean="0"/>
-              <a:t>11/20/2020</a:t>
+              <a:t>12/11/2020</a:t>
             </a:fld>
             <a:endParaRPr lang="en-US"/>
           </a:p>
@@ -3385,7 +3398,7 @@
           <a:p>
             <a:fld id="{4D2578AF-831C-4276-9B94-E306D14E70A4}" type="datetimeFigureOut">
               <a:rPr lang="en-US" smtClean="0"/>
-              <a:t>11/20/2020</a:t>
+              <a:t>12/11/2020</a:t>
             </a:fld>
             <a:endParaRPr lang="en-US"/>
           </a:p>
@@ -4298,7 +4311,7 @@
           <a:p>
             <a:fld id="{4D2578AF-831C-4276-9B94-E306D14E70A4}" type="datetimeFigureOut">
               <a:rPr lang="en-US" smtClean="0"/>
-              <a:t>11/20/2020</a:t>
+              <a:t>12/11/2020</a:t>
             </a:fld>
             <a:endParaRPr lang="en-US"/>
           </a:p>
@@ -4611,7 +4624,7 @@
           <a:p>
             <a:fld id="{4D2578AF-831C-4276-9B94-E306D14E70A4}" type="datetimeFigureOut">
               <a:rPr lang="en-US" smtClean="0"/>
-              <a:t>11/20/2020</a:t>
+              <a:t>12/11/2020</a:t>
             </a:fld>
             <a:endParaRPr lang="en-US"/>
           </a:p>
@@ -4875,7 +4888,7 @@
           <a:p>
             <a:fld id="{4D2578AF-831C-4276-9B94-E306D14E70A4}" type="datetimeFigureOut">
               <a:rPr lang="en-US" smtClean="0"/>
-              <a:t>11/20/2020</a:t>
+              <a:t>12/11/2020</a:t>
             </a:fld>
             <a:endParaRPr lang="en-US"/>
           </a:p>
@@ -5198,7 +5211,7 @@
           <a:p>
             <a:fld id="{4D2578AF-831C-4276-9B94-E306D14E70A4}" type="datetimeFigureOut">
               <a:rPr lang="en-US" smtClean="0"/>
-              <a:t>11/20/2020</a:t>
+              <a:t>12/11/2020</a:t>
             </a:fld>
             <a:endParaRPr lang="en-US"/>
           </a:p>
@@ -5587,7 +5600,7 @@
           <a:p>
             <a:fld id="{4D2578AF-831C-4276-9B94-E306D14E70A4}" type="datetimeFigureOut">
               <a:rPr lang="en-US" smtClean="0"/>
-              <a:t>11/20/2020</a:t>
+              <a:t>12/11/2020</a:t>
             </a:fld>
             <a:endParaRPr lang="en-US"/>
           </a:p>
@@ -5963,7 +5976,7 @@
           <a:p>
             <a:fld id="{4D2578AF-831C-4276-9B94-E306D14E70A4}" type="datetimeFigureOut">
               <a:rPr lang="en-US" smtClean="0"/>
-              <a:t>11/20/2020</a:t>
+              <a:t>12/11/2020</a:t>
             </a:fld>
             <a:endParaRPr lang="en-US"/>
           </a:p>
@@ -6469,7 +6482,7 @@
           <a:p>
             <a:fld id="{4D2578AF-831C-4276-9B94-E306D14E70A4}" type="datetimeFigureOut">
               <a:rPr lang="en-US" smtClean="0"/>
-              <a:t>11/20/2020</a:t>
+              <a:t>12/11/2020</a:t>
             </a:fld>
             <a:endParaRPr lang="en-US"/>
           </a:p>
@@ -6726,7 +6739,7 @@
           <a:p>
             <a:fld id="{4D2578AF-831C-4276-9B94-E306D14E70A4}" type="datetimeFigureOut">
               <a:rPr lang="en-US" smtClean="0"/>
-              <a:t>11/20/2020</a:t>
+              <a:t>12/11/2020</a:t>
             </a:fld>
             <a:endParaRPr lang="en-US"/>
           </a:p>
@@ -6889,7 +6902,7 @@
           <a:p>
             <a:fld id="{4D2578AF-831C-4276-9B94-E306D14E70A4}" type="datetimeFigureOut">
               <a:rPr lang="en-US" smtClean="0"/>
-              <a:t>11/20/2020</a:t>
+              <a:t>12/11/2020</a:t>
             </a:fld>
             <a:endParaRPr lang="en-US"/>
           </a:p>
@@ -7279,7 +7292,7 @@
           <a:p>
             <a:fld id="{4D2578AF-831C-4276-9B94-E306D14E70A4}" type="datetimeFigureOut">
               <a:rPr lang="en-US" smtClean="0"/>
-              <a:t>11/20/2020</a:t>
+              <a:t>12/11/2020</a:t>
             </a:fld>
             <a:endParaRPr lang="en-US"/>
           </a:p>
@@ -7688,7 +7701,7 @@
           <a:p>
             <a:fld id="{4D2578AF-831C-4276-9B94-E306D14E70A4}" type="datetimeFigureOut">
               <a:rPr lang="en-US" smtClean="0"/>
-              <a:t>11/20/2020</a:t>
+              <a:t>12/11/2020</a:t>
             </a:fld>
             <a:endParaRPr lang="en-US"/>
           </a:p>
@@ -7932,7 +7945,7 @@
           <a:p>
             <a:fld id="{4D2578AF-831C-4276-9B94-E306D14E70A4}" type="datetimeFigureOut">
               <a:rPr lang="en-US" smtClean="0"/>
-              <a:t>11/20/2020</a:t>
+              <a:t>12/11/2020</a:t>
             </a:fld>
             <a:endParaRPr lang="en-US"/>
           </a:p>
@@ -10874,7 +10887,7 @@
           <p:cNvPr id="2" name="Title 1">
             <a:extLst>
               <a:ext uri="{FF2B5EF4-FFF2-40B4-BE49-F238E27FC236}">
-                <a16:creationId xmlns:a16="http://schemas.microsoft.com/office/drawing/2014/main" id="{C71C11F8-792E-4891-AC4B-2335CC4BCFBE}"/>
+                <a16:creationId xmlns:a16="http://schemas.microsoft.com/office/drawing/2014/main" id="{A5DA8B4D-4226-4FC1-A5CF-BE072B0BA907}"/>
               </a:ext>
             </a:extLst>
           </p:cNvPr>
@@ -10892,7 +10905,65 @@
           <a:p>
             <a:r>
               <a:rPr lang="en-US" dirty="0"/>
-              <a:t>Sources</a:t>
+              <a:t>Final Update</a:t>
+            </a:r>
+          </a:p>
+        </p:txBody>
+      </p:sp>
+    </p:spTree>
+    <p:extLst>
+      <p:ext uri="{BB962C8B-B14F-4D97-AF65-F5344CB8AC3E}">
+        <p14:creationId xmlns:p14="http://schemas.microsoft.com/office/powerpoint/2010/main" val="3925897813"/>
+      </p:ext>
+    </p:extLst>
+  </p:cSld>
+  <p:clrMapOvr>
+    <a:masterClrMapping/>
+  </p:clrMapOvr>
+</p:sld>
+</file>
+
+<file path=ppt/slides/slide23.xml><?xml version="1.0" encoding="utf-8"?>
+<p:sld xmlns:a="http://schemas.openxmlformats.org/drawingml/2006/main" xmlns:r="http://schemas.openxmlformats.org/officeDocument/2006/relationships" xmlns:p="http://schemas.openxmlformats.org/presentationml/2006/main">
+  <p:cSld>
+    <p:spTree>
+      <p:nvGrpSpPr>
+        <p:cNvPr id="1" name=""/>
+        <p:cNvGrpSpPr/>
+        <p:nvPr/>
+      </p:nvGrpSpPr>
+      <p:grpSpPr>
+        <a:xfrm>
+          <a:off x="0" y="0"/>
+          <a:ext cx="0" cy="0"/>
+          <a:chOff x="0" y="0"/>
+          <a:chExt cx="0" cy="0"/>
+        </a:xfrm>
+      </p:grpSpPr>
+      <p:sp>
+        <p:nvSpPr>
+          <p:cNvPr id="2" name="Title 1">
+            <a:extLst>
+              <a:ext uri="{FF2B5EF4-FFF2-40B4-BE49-F238E27FC236}">
+                <a16:creationId xmlns:a16="http://schemas.microsoft.com/office/drawing/2014/main" id="{2495E65C-CC4C-4254-A773-79250D6648DE}"/>
+              </a:ext>
+            </a:extLst>
+          </p:cNvPr>
+          <p:cNvSpPr>
+            <a:spLocks noGrp="1"/>
+          </p:cNvSpPr>
+          <p:nvPr>
+            <p:ph type="title"/>
+          </p:nvPr>
+        </p:nvSpPr>
+        <p:spPr/>
+        <p:txBody>
+          <a:bodyPr/>
+          <a:lstStyle/>
+          <a:p>
+            <a:r>
+              <a:rPr lang="en-US" dirty="0"/>
+              <a:t>Temperature-Dependent Parameters of Saline</a:t>
             </a:r>
           </a:p>
         </p:txBody>
@@ -10902,7 +10973,7 @@
           <p:cNvPr id="3" name="Content Placeholder 2">
             <a:extLst>
               <a:ext uri="{FF2B5EF4-FFF2-40B4-BE49-F238E27FC236}">
-                <a16:creationId xmlns:a16="http://schemas.microsoft.com/office/drawing/2014/main" id="{FD19BF1E-05AE-4F03-A6B6-5ADB425B4C91}"/>
+                <a16:creationId xmlns:a16="http://schemas.microsoft.com/office/drawing/2014/main" id="{8E0C05EE-34DE-4BB9-841A-9367A19E6C3C}"/>
               </a:ext>
             </a:extLst>
           </p:cNvPr>
@@ -10915,61 +10986,780 @@
         </p:nvSpPr>
         <p:spPr>
           <a:xfrm>
-            <a:off x="680321" y="2336873"/>
-            <a:ext cx="9613861" cy="4091636"/>
-          </a:xfrm>
-        </p:spPr>
-        <p:txBody>
-          <a:bodyPr>
-            <a:normAutofit/>
-          </a:bodyPr>
+            <a:off x="680321" y="2336872"/>
+            <a:ext cx="9613861" cy="3949627"/>
+          </a:xfrm>
+        </p:spPr>
+        <p:txBody>
+          <a:bodyPr/>
           <a:lstStyle/>
           <a:p>
             <a:r>
-              <a:rPr lang="en-US" sz="2000" dirty="0"/>
-              <a:t>K.F. Palmer and D. Williams, Optical Properties of water in the near infrared, Journal of the Optical Society of America, V.64, pp. 1107-1110, August, 1974</a:t>
-            </a:r>
-          </a:p>
-          <a:p>
-            <a:endParaRPr lang="en-US" sz="2000" dirty="0"/>
-          </a:p>
-          <a:p>
-            <a:r>
-              <a:rPr lang="en-US" sz="2000" dirty="0"/>
-              <a:t>Zhu, Xuedong, Jen-Wei Lin, and Michelle Y Sander. "Infrared Inhibition and Waveform Modulation of Action Potentials in the Crayfish Motor Axon." Biomedical Optics Express 10, no. 12 (2019): 6580-6594.</a:t>
-            </a:r>
-          </a:p>
-          <a:p>
-            <a:endParaRPr lang="en-US" sz="2000" dirty="0"/>
-          </a:p>
-          <a:p>
-            <a:r>
-              <a:rPr lang="en-US" sz="2000" dirty="0"/>
-              <a:t>Li, </a:t>
-            </a:r>
-            <a:r>
-              <a:rPr lang="en-US" sz="2000" dirty="0" err="1"/>
-              <a:t>Xinyu</a:t>
-            </a:r>
-            <a:r>
-              <a:rPr lang="en-US" sz="2000" dirty="0"/>
-              <a:t>, Jia Liu, Shanshan Liang, and </a:t>
-            </a:r>
-            <a:r>
-              <a:rPr lang="en-US" sz="2000" dirty="0" err="1"/>
-              <a:t>Changsen</a:t>
-            </a:r>
-            <a:r>
-              <a:rPr lang="en-US" sz="2000" dirty="0"/>
-              <a:t> Sun. "980-nm Infrared Laser Modulation of Sodium Channel Kinetics in a Neuron Cell Linearly Mediated by Photothermal Effect." Journal of Biomedical Optics 19, no. 10 (2014): 105002-105002.</a:t>
-            </a:r>
+              <a:rPr lang="en-US" dirty="0"/>
+              <a:t>Density, Heat Capacity, and Thermal Conductivity all vary with the salinity of the solution	</a:t>
+            </a:r>
+          </a:p>
+          <a:p>
+            <a:pPr lvl="1"/>
+            <a:r>
+              <a:rPr lang="en-US" dirty="0"/>
+              <a:t>Increasing salinity yields –</a:t>
+            </a:r>
+          </a:p>
+          <a:p>
+            <a:pPr lvl="2"/>
+            <a:r>
+              <a:rPr lang="en-US" dirty="0"/>
+              <a:t>Lower heat capacity </a:t>
+            </a:r>
+            <a:r>
+              <a:rPr lang="en-US" i="1" dirty="0"/>
+              <a:t>(c)</a:t>
+            </a:r>
+          </a:p>
+          <a:p>
+            <a:pPr lvl="2"/>
+            <a:r>
+              <a:rPr lang="en-US" dirty="0"/>
+              <a:t>Lower thermal conductivity </a:t>
+            </a:r>
+            <a:r>
+              <a:rPr lang="en-US" i="1" dirty="0"/>
+              <a:t>(k)</a:t>
+            </a:r>
+          </a:p>
+          <a:p>
+            <a:pPr lvl="2"/>
+            <a:r>
+              <a:rPr lang="en-US" dirty="0"/>
+              <a:t>Increased density </a:t>
+            </a:r>
+            <a:r>
+              <a:rPr lang="en-US" i="1" dirty="0"/>
+              <a:t>(p)</a:t>
+            </a:r>
+          </a:p>
+          <a:p>
+            <a:r>
+              <a:rPr lang="en-US" dirty="0"/>
+              <a:t>Solution contains 195 mM NaCl ~= 1% NaCl</a:t>
+            </a:r>
+          </a:p>
+          <a:p>
+            <a:pPr lvl="1"/>
+            <a:r>
+              <a:rPr lang="en-US" dirty="0"/>
+              <a:t>This corresponds with the following –</a:t>
+            </a:r>
+          </a:p>
+          <a:p>
+            <a:pPr lvl="2"/>
+            <a:r>
+              <a:rPr lang="en-US" dirty="0"/>
+              <a:t>Density = 1010 kg/m^3</a:t>
+            </a:r>
+          </a:p>
+          <a:p>
+            <a:pPr lvl="2"/>
+            <a:r>
+              <a:rPr lang="en-US" dirty="0"/>
+              <a:t>Heat Capacity = 4150 J/ kg*K</a:t>
+            </a:r>
+          </a:p>
+          <a:p>
+            <a:pPr lvl="2"/>
+            <a:r>
+              <a:rPr lang="en-US" dirty="0"/>
+              <a:t>Thermal Conductivity = .584 W / (</a:t>
+            </a:r>
+            <a:r>
+              <a:rPr lang="en-US" dirty="0" err="1"/>
+              <a:t>mK</a:t>
+            </a:r>
+            <a:r>
+              <a:rPr lang="en-US" dirty="0"/>
+              <a:t>) </a:t>
+            </a:r>
+          </a:p>
+          <a:p>
+            <a:pPr lvl="2"/>
+            <a:endParaRPr lang="en-US" dirty="0"/>
+          </a:p>
+          <a:p>
+            <a:endParaRPr lang="en-US" dirty="0"/>
           </a:p>
         </p:txBody>
       </p:sp>
     </p:spTree>
     <p:extLst>
       <p:ext uri="{BB962C8B-B14F-4D97-AF65-F5344CB8AC3E}">
-        <p14:creationId xmlns:p14="http://schemas.microsoft.com/office/powerpoint/2010/main" val="2879736363"/>
+        <p14:creationId xmlns:p14="http://schemas.microsoft.com/office/powerpoint/2010/main" val="1043933969"/>
+      </p:ext>
+    </p:extLst>
+  </p:cSld>
+  <p:clrMapOvr>
+    <a:masterClrMapping/>
+  </p:clrMapOvr>
+</p:sld>
+</file>
+
+<file path=ppt/slides/slide24.xml><?xml version="1.0" encoding="utf-8"?>
+<p:sld xmlns:a="http://schemas.openxmlformats.org/drawingml/2006/main" xmlns:r="http://schemas.openxmlformats.org/officeDocument/2006/relationships" xmlns:p="http://schemas.openxmlformats.org/presentationml/2006/main">
+  <p:cSld>
+    <p:spTree>
+      <p:nvGrpSpPr>
+        <p:cNvPr id="1" name=""/>
+        <p:cNvGrpSpPr/>
+        <p:nvPr/>
+      </p:nvGrpSpPr>
+      <p:grpSpPr>
+        <a:xfrm>
+          <a:off x="0" y="0"/>
+          <a:ext cx="0" cy="0"/>
+          <a:chOff x="0" y="0"/>
+          <a:chExt cx="0" cy="0"/>
+        </a:xfrm>
+      </p:grpSpPr>
+      <p:sp>
+        <p:nvSpPr>
+          <p:cNvPr id="2" name="Title 1">
+            <a:extLst>
+              <a:ext uri="{FF2B5EF4-FFF2-40B4-BE49-F238E27FC236}">
+                <a16:creationId xmlns:a16="http://schemas.microsoft.com/office/drawing/2014/main" id="{69533160-C254-40C1-9CCA-5DE9594AA961}"/>
+              </a:ext>
+            </a:extLst>
+          </p:cNvPr>
+          <p:cNvSpPr>
+            <a:spLocks noGrp="1"/>
+          </p:cNvSpPr>
+          <p:nvPr>
+            <p:ph type="title"/>
+          </p:nvPr>
+        </p:nvSpPr>
+        <p:spPr/>
+        <p:txBody>
+          <a:bodyPr/>
+          <a:lstStyle/>
+          <a:p>
+            <a:r>
+              <a:rPr lang="en-US" dirty="0"/>
+              <a:t>Temperature Transient – Power with Experimental</a:t>
+            </a:r>
+          </a:p>
+        </p:txBody>
+      </p:sp>
+      <p:pic>
+        <p:nvPicPr>
+          <p:cNvPr id="8" name="Picture 7" descr="Chart, line chart&#10;&#10;Description automatically generated">
+            <a:extLst>
+              <a:ext uri="{FF2B5EF4-FFF2-40B4-BE49-F238E27FC236}">
+                <a16:creationId xmlns:a16="http://schemas.microsoft.com/office/drawing/2014/main" id="{7E83E002-2C0A-458D-9B54-00036528A388}"/>
+              </a:ext>
+            </a:extLst>
+          </p:cNvPr>
+          <p:cNvPicPr>
+            <a:picLocks noChangeAspect="1"/>
+          </p:cNvPicPr>
+          <p:nvPr/>
+        </p:nvPicPr>
+        <p:blipFill>
+          <a:blip r:embed="rId2">
+            <a:extLst>
+              <a:ext uri="{28A0092B-C50C-407E-A947-70E740481C1C}">
+                <a14:useLocalDpi xmlns:a14="http://schemas.microsoft.com/office/drawing/2010/main" val="0"/>
+              </a:ext>
+            </a:extLst>
+          </a:blip>
+          <a:stretch>
+            <a:fillRect/>
+          </a:stretch>
+        </p:blipFill>
+        <p:spPr>
+          <a:xfrm>
+            <a:off x="974308" y="2089622"/>
+            <a:ext cx="10243384" cy="4610352"/>
+          </a:xfrm>
+          <a:prstGeom prst="rect">
+            <a:avLst/>
+          </a:prstGeom>
+        </p:spPr>
+      </p:pic>
+    </p:spTree>
+    <p:extLst>
+      <p:ext uri="{BB962C8B-B14F-4D97-AF65-F5344CB8AC3E}">
+        <p14:creationId xmlns:p14="http://schemas.microsoft.com/office/powerpoint/2010/main" val="2726426081"/>
+      </p:ext>
+    </p:extLst>
+  </p:cSld>
+  <p:clrMapOvr>
+    <a:masterClrMapping/>
+  </p:clrMapOvr>
+</p:sld>
+</file>
+
+<file path=ppt/slides/slide25.xml><?xml version="1.0" encoding="utf-8"?>
+<p:sld xmlns:a="http://schemas.openxmlformats.org/drawingml/2006/main" xmlns:r="http://schemas.openxmlformats.org/officeDocument/2006/relationships" xmlns:p="http://schemas.openxmlformats.org/presentationml/2006/main">
+  <p:cSld>
+    <p:spTree>
+      <p:nvGrpSpPr>
+        <p:cNvPr id="1" name=""/>
+        <p:cNvGrpSpPr/>
+        <p:nvPr/>
+      </p:nvGrpSpPr>
+      <p:grpSpPr>
+        <a:xfrm>
+          <a:off x="0" y="0"/>
+          <a:ext cx="0" cy="0"/>
+          <a:chOff x="0" y="0"/>
+          <a:chExt cx="0" cy="0"/>
+        </a:xfrm>
+      </p:grpSpPr>
+      <p:sp>
+        <p:nvSpPr>
+          <p:cNvPr id="2" name="Title 1">
+            <a:extLst>
+              <a:ext uri="{FF2B5EF4-FFF2-40B4-BE49-F238E27FC236}">
+                <a16:creationId xmlns:a16="http://schemas.microsoft.com/office/drawing/2014/main" id="{69533160-C254-40C1-9CCA-5DE9594AA961}"/>
+              </a:ext>
+            </a:extLst>
+          </p:cNvPr>
+          <p:cNvSpPr>
+            <a:spLocks noGrp="1"/>
+          </p:cNvSpPr>
+          <p:nvPr>
+            <p:ph type="title"/>
+          </p:nvPr>
+        </p:nvSpPr>
+        <p:spPr/>
+        <p:txBody>
+          <a:bodyPr/>
+          <a:lstStyle/>
+          <a:p>
+            <a:r>
+              <a:rPr lang="en-US" dirty="0"/>
+              <a:t>Temperature Transient – OAC with Experimental</a:t>
+            </a:r>
+          </a:p>
+        </p:txBody>
+      </p:sp>
+      <p:pic>
+        <p:nvPicPr>
+          <p:cNvPr id="4" name="Picture 3" descr="Chart, line chart&#10;&#10;Description automatically generated">
+            <a:extLst>
+              <a:ext uri="{FF2B5EF4-FFF2-40B4-BE49-F238E27FC236}">
+                <a16:creationId xmlns:a16="http://schemas.microsoft.com/office/drawing/2014/main" id="{67DD6CC2-5BBD-458C-B7BE-A7642D439ADF}"/>
+              </a:ext>
+            </a:extLst>
+          </p:cNvPr>
+          <p:cNvPicPr>
+            <a:picLocks noChangeAspect="1"/>
+          </p:cNvPicPr>
+          <p:nvPr/>
+        </p:nvPicPr>
+        <p:blipFill>
+          <a:blip r:embed="rId2">
+            <a:extLst>
+              <a:ext uri="{28A0092B-C50C-407E-A947-70E740481C1C}">
+                <a14:useLocalDpi xmlns:a14="http://schemas.microsoft.com/office/drawing/2010/main" val="0"/>
+              </a:ext>
+            </a:extLst>
+          </a:blip>
+          <a:stretch>
+            <a:fillRect/>
+          </a:stretch>
+        </p:blipFill>
+        <p:spPr>
+          <a:xfrm>
+            <a:off x="1086678" y="2141390"/>
+            <a:ext cx="10018643" cy="4509200"/>
+          </a:xfrm>
+          <a:prstGeom prst="rect">
+            <a:avLst/>
+          </a:prstGeom>
+        </p:spPr>
+      </p:pic>
+      <p:sp>
+        <p:nvSpPr>
+          <p:cNvPr id="5" name="TextBox 4">
+            <a:extLst>
+              <a:ext uri="{FF2B5EF4-FFF2-40B4-BE49-F238E27FC236}">
+                <a16:creationId xmlns:a16="http://schemas.microsoft.com/office/drawing/2014/main" id="{1D3D0045-42C4-4091-9867-8D011C87CC85}"/>
+              </a:ext>
+            </a:extLst>
+          </p:cNvPr>
+          <p:cNvSpPr txBox="1"/>
+          <p:nvPr/>
+        </p:nvSpPr>
+        <p:spPr>
+          <a:xfrm>
+            <a:off x="8863454" y="4682143"/>
+            <a:ext cx="895898" cy="169277"/>
+          </a:xfrm>
+          <a:prstGeom prst="rect">
+            <a:avLst/>
+          </a:prstGeom>
+          <a:solidFill>
+            <a:schemeClr val="tx1"/>
+          </a:solidFill>
+        </p:spPr>
+        <p:txBody>
+          <a:bodyPr wrap="square" rtlCol="0">
+            <a:spAutoFit/>
+          </a:bodyPr>
+          <a:lstStyle/>
+          <a:p>
+            <a:r>
+              <a:rPr lang="en-US" sz="500" dirty="0">
+                <a:solidFill>
+                  <a:schemeClr val="bg1"/>
+                </a:solidFill>
+              </a:rPr>
+              <a:t>Optical Absorption Coeff</a:t>
+            </a:r>
+          </a:p>
+        </p:txBody>
+      </p:sp>
+    </p:spTree>
+    <p:extLst>
+      <p:ext uri="{BB962C8B-B14F-4D97-AF65-F5344CB8AC3E}">
+        <p14:creationId xmlns:p14="http://schemas.microsoft.com/office/powerpoint/2010/main" val="1579563318"/>
+      </p:ext>
+    </p:extLst>
+  </p:cSld>
+  <p:clrMapOvr>
+    <a:masterClrMapping/>
+  </p:clrMapOvr>
+</p:sld>
+</file>
+
+<file path=ppt/slides/slide26.xml><?xml version="1.0" encoding="utf-8"?>
+<p:sld xmlns:a="http://schemas.openxmlformats.org/drawingml/2006/main" xmlns:r="http://schemas.openxmlformats.org/officeDocument/2006/relationships" xmlns:p="http://schemas.openxmlformats.org/presentationml/2006/main">
+  <p:cSld>
+    <p:spTree>
+      <p:nvGrpSpPr>
+        <p:cNvPr id="1" name=""/>
+        <p:cNvGrpSpPr/>
+        <p:nvPr/>
+      </p:nvGrpSpPr>
+      <p:grpSpPr>
+        <a:xfrm>
+          <a:off x="0" y="0"/>
+          <a:ext cx="0" cy="0"/>
+          <a:chOff x="0" y="0"/>
+          <a:chExt cx="0" cy="0"/>
+        </a:xfrm>
+      </p:grpSpPr>
+      <p:sp>
+        <p:nvSpPr>
+          <p:cNvPr id="2" name="Title 1">
+            <a:extLst>
+              <a:ext uri="{FF2B5EF4-FFF2-40B4-BE49-F238E27FC236}">
+                <a16:creationId xmlns:a16="http://schemas.microsoft.com/office/drawing/2014/main" id="{69533160-C254-40C1-9CCA-5DE9594AA961}"/>
+              </a:ext>
+            </a:extLst>
+          </p:cNvPr>
+          <p:cNvSpPr>
+            <a:spLocks noGrp="1"/>
+          </p:cNvSpPr>
+          <p:nvPr>
+            <p:ph type="title"/>
+          </p:nvPr>
+        </p:nvSpPr>
+        <p:spPr/>
+        <p:txBody>
+          <a:bodyPr/>
+          <a:lstStyle/>
+          <a:p>
+            <a:r>
+              <a:rPr lang="en-US" dirty="0"/>
+              <a:t>Temperature Transient – Z Distance with Experimental</a:t>
+            </a:r>
+          </a:p>
+        </p:txBody>
+      </p:sp>
+      <p:pic>
+        <p:nvPicPr>
+          <p:cNvPr id="5" name="Picture 4" descr="Chart, line chart&#10;&#10;Description automatically generated">
+            <a:extLst>
+              <a:ext uri="{FF2B5EF4-FFF2-40B4-BE49-F238E27FC236}">
+                <a16:creationId xmlns:a16="http://schemas.microsoft.com/office/drawing/2014/main" id="{5F1BF590-71A2-4920-A360-A8A17D8AFB49}"/>
+              </a:ext>
+            </a:extLst>
+          </p:cNvPr>
+          <p:cNvPicPr>
+            <a:picLocks noChangeAspect="1"/>
+          </p:cNvPicPr>
+          <p:nvPr/>
+        </p:nvPicPr>
+        <p:blipFill>
+          <a:blip r:embed="rId2">
+            <a:extLst>
+              <a:ext uri="{28A0092B-C50C-407E-A947-70E740481C1C}">
+                <a14:useLocalDpi xmlns:a14="http://schemas.microsoft.com/office/drawing/2010/main" val="0"/>
+              </a:ext>
+            </a:extLst>
+          </a:blip>
+          <a:stretch>
+            <a:fillRect/>
+          </a:stretch>
+        </p:blipFill>
+        <p:spPr>
+          <a:xfrm>
+            <a:off x="1248237" y="2231335"/>
+            <a:ext cx="9695525" cy="4363771"/>
+          </a:xfrm>
+          <a:prstGeom prst="rect">
+            <a:avLst/>
+          </a:prstGeom>
+        </p:spPr>
+      </p:pic>
+      <p:sp>
+        <p:nvSpPr>
+          <p:cNvPr id="6" name="TextBox 5">
+            <a:extLst>
+              <a:ext uri="{FF2B5EF4-FFF2-40B4-BE49-F238E27FC236}">
+                <a16:creationId xmlns:a16="http://schemas.microsoft.com/office/drawing/2014/main" id="{7C99A52D-F462-4588-8514-0506E5CD2304}"/>
+              </a:ext>
+            </a:extLst>
+          </p:cNvPr>
+          <p:cNvSpPr txBox="1"/>
+          <p:nvPr/>
+        </p:nvSpPr>
+        <p:spPr>
+          <a:xfrm>
+            <a:off x="8863454" y="4682143"/>
+            <a:ext cx="895898" cy="169277"/>
+          </a:xfrm>
+          <a:prstGeom prst="rect">
+            <a:avLst/>
+          </a:prstGeom>
+          <a:solidFill>
+            <a:schemeClr val="tx1"/>
+          </a:solidFill>
+        </p:spPr>
+        <p:txBody>
+          <a:bodyPr wrap="square" rtlCol="0">
+            <a:spAutoFit/>
+          </a:bodyPr>
+          <a:lstStyle/>
+          <a:p>
+            <a:pPr algn="ctr"/>
+            <a:r>
+              <a:rPr lang="en-US" sz="500" dirty="0">
+                <a:solidFill>
+                  <a:schemeClr val="bg1"/>
+                </a:solidFill>
+              </a:rPr>
+              <a:t>Z-Distance</a:t>
+            </a:r>
+          </a:p>
+        </p:txBody>
+      </p:sp>
+    </p:spTree>
+    <p:extLst>
+      <p:ext uri="{BB962C8B-B14F-4D97-AF65-F5344CB8AC3E}">
+        <p14:creationId xmlns:p14="http://schemas.microsoft.com/office/powerpoint/2010/main" val="2444500910"/>
+      </p:ext>
+    </p:extLst>
+  </p:cSld>
+  <p:clrMapOvr>
+    <a:masterClrMapping/>
+  </p:clrMapOvr>
+</p:sld>
+</file>
+
+<file path=ppt/slides/slide27.xml><?xml version="1.0" encoding="utf-8"?>
+<p:sld xmlns:a="http://schemas.openxmlformats.org/drawingml/2006/main" xmlns:r="http://schemas.openxmlformats.org/officeDocument/2006/relationships" xmlns:p="http://schemas.openxmlformats.org/presentationml/2006/main">
+  <p:cSld>
+    <p:spTree>
+      <p:nvGrpSpPr>
+        <p:cNvPr id="1" name=""/>
+        <p:cNvGrpSpPr/>
+        <p:nvPr/>
+      </p:nvGrpSpPr>
+      <p:grpSpPr>
+        <a:xfrm>
+          <a:off x="0" y="0"/>
+          <a:ext cx="0" cy="0"/>
+          <a:chOff x="0" y="0"/>
+          <a:chExt cx="0" cy="0"/>
+        </a:xfrm>
+      </p:grpSpPr>
+      <p:sp>
+        <p:nvSpPr>
+          <p:cNvPr id="2" name="Title 1">
+            <a:extLst>
+              <a:ext uri="{FF2B5EF4-FFF2-40B4-BE49-F238E27FC236}">
+                <a16:creationId xmlns:a16="http://schemas.microsoft.com/office/drawing/2014/main" id="{335EAD89-E72B-45CF-9733-DA5FC02FA359}"/>
+              </a:ext>
+            </a:extLst>
+          </p:cNvPr>
+          <p:cNvSpPr>
+            <a:spLocks noGrp="1"/>
+          </p:cNvSpPr>
+          <p:nvPr>
+            <p:ph type="title"/>
+          </p:nvPr>
+        </p:nvSpPr>
+        <p:spPr/>
+        <p:txBody>
+          <a:bodyPr/>
+          <a:lstStyle/>
+          <a:p>
+            <a:r>
+              <a:rPr lang="en-US" dirty="0"/>
+              <a:t>Simulated Curve Using Lowest Error Parameters</a:t>
+            </a:r>
+          </a:p>
+        </p:txBody>
+      </p:sp>
+      <p:pic>
+        <p:nvPicPr>
+          <p:cNvPr id="6" name="Picture 5" descr="Chart, line chart&#10;&#10;Description automatically generated">
+            <a:extLst>
+              <a:ext uri="{FF2B5EF4-FFF2-40B4-BE49-F238E27FC236}">
+                <a16:creationId xmlns:a16="http://schemas.microsoft.com/office/drawing/2014/main" id="{83C812A8-EDB6-4DCF-8374-1E7F4CDAF2DE}"/>
+              </a:ext>
+            </a:extLst>
+          </p:cNvPr>
+          <p:cNvPicPr>
+            <a:picLocks noChangeAspect="1"/>
+          </p:cNvPicPr>
+          <p:nvPr/>
+        </p:nvPicPr>
+        <p:blipFill>
+          <a:blip r:embed="rId2">
+            <a:extLst>
+              <a:ext uri="{28A0092B-C50C-407E-A947-70E740481C1C}">
+                <a14:useLocalDpi xmlns:a14="http://schemas.microsoft.com/office/drawing/2010/main" val="0"/>
+              </a:ext>
+            </a:extLst>
+          </a:blip>
+          <a:stretch>
+            <a:fillRect/>
+          </a:stretch>
+        </p:blipFill>
+        <p:spPr>
+          <a:xfrm>
+            <a:off x="883867" y="2077279"/>
+            <a:ext cx="10424265" cy="4691763"/>
+          </a:xfrm>
+          <a:prstGeom prst="rect">
+            <a:avLst/>
+          </a:prstGeom>
+        </p:spPr>
+      </p:pic>
+    </p:spTree>
+    <p:extLst>
+      <p:ext uri="{BB962C8B-B14F-4D97-AF65-F5344CB8AC3E}">
+        <p14:creationId xmlns:p14="http://schemas.microsoft.com/office/powerpoint/2010/main" val="434039307"/>
+      </p:ext>
+    </p:extLst>
+  </p:cSld>
+  <p:clrMapOvr>
+    <a:masterClrMapping/>
+  </p:clrMapOvr>
+</p:sld>
+</file>
+
+<file path=ppt/slides/slide28.xml><?xml version="1.0" encoding="utf-8"?>
+<p:sld xmlns:a="http://schemas.openxmlformats.org/drawingml/2006/main" xmlns:r="http://schemas.openxmlformats.org/officeDocument/2006/relationships" xmlns:p="http://schemas.openxmlformats.org/presentationml/2006/main">
+  <p:cSld>
+    <p:spTree>
+      <p:nvGrpSpPr>
+        <p:cNvPr id="1" name=""/>
+        <p:cNvGrpSpPr/>
+        <p:nvPr/>
+      </p:nvGrpSpPr>
+      <p:grpSpPr>
+        <a:xfrm>
+          <a:off x="0" y="0"/>
+          <a:ext cx="0" cy="0"/>
+          <a:chOff x="0" y="0"/>
+          <a:chExt cx="0" cy="0"/>
+        </a:xfrm>
+      </p:grpSpPr>
+      <p:sp>
+        <p:nvSpPr>
+          <p:cNvPr id="2" name="Title 1">
+            <a:extLst>
+              <a:ext uri="{FF2B5EF4-FFF2-40B4-BE49-F238E27FC236}">
+                <a16:creationId xmlns:a16="http://schemas.microsoft.com/office/drawing/2014/main" id="{335EAD89-E72B-45CF-9733-DA5FC02FA359}"/>
+              </a:ext>
+            </a:extLst>
+          </p:cNvPr>
+          <p:cNvSpPr>
+            <a:spLocks noGrp="1"/>
+          </p:cNvSpPr>
+          <p:nvPr>
+            <p:ph type="title"/>
+          </p:nvPr>
+        </p:nvSpPr>
+        <p:spPr/>
+        <p:txBody>
+          <a:bodyPr/>
+          <a:lstStyle/>
+          <a:p>
+            <a:r>
+              <a:rPr lang="en-US" dirty="0"/>
+              <a:t>First 50 </a:t>
+            </a:r>
+            <a:r>
+              <a:rPr lang="en-US" dirty="0" err="1"/>
+              <a:t>ms</a:t>
+            </a:r>
+            <a:r>
+              <a:rPr lang="en-US" dirty="0"/>
+              <a:t> -&gt; Altering Optical </a:t>
+            </a:r>
+            <a:r>
+              <a:rPr lang="en-US" dirty="0" err="1"/>
+              <a:t>Aborbtion</a:t>
+            </a:r>
+            <a:endParaRPr lang="en-US" dirty="0"/>
+          </a:p>
+        </p:txBody>
+      </p:sp>
+      <p:pic>
+        <p:nvPicPr>
+          <p:cNvPr id="6" name="Picture 5">
+            <a:extLst>
+              <a:ext uri="{FF2B5EF4-FFF2-40B4-BE49-F238E27FC236}">
+                <a16:creationId xmlns:a16="http://schemas.microsoft.com/office/drawing/2014/main" id="{83C812A8-EDB6-4DCF-8374-1E7F4CDAF2DE}"/>
+              </a:ext>
+            </a:extLst>
+          </p:cNvPr>
+          <p:cNvPicPr>
+            <a:picLocks noChangeAspect="1"/>
+          </p:cNvPicPr>
+          <p:nvPr/>
+        </p:nvPicPr>
+        <p:blipFill>
+          <a:blip r:embed="rId2">
+            <a:extLst>
+              <a:ext uri="{28A0092B-C50C-407E-A947-70E740481C1C}">
+                <a14:useLocalDpi xmlns:a14="http://schemas.microsoft.com/office/drawing/2010/main" val="0"/>
+              </a:ext>
+            </a:extLst>
+          </a:blip>
+          <a:srcRect/>
+          <a:stretch/>
+        </p:blipFill>
+        <p:spPr>
+          <a:xfrm>
+            <a:off x="883868" y="2077279"/>
+            <a:ext cx="10424262" cy="4691762"/>
+          </a:xfrm>
+          <a:prstGeom prst="rect">
+            <a:avLst/>
+          </a:prstGeom>
+        </p:spPr>
+      </p:pic>
+    </p:spTree>
+    <p:extLst>
+      <p:ext uri="{BB962C8B-B14F-4D97-AF65-F5344CB8AC3E}">
+        <p14:creationId xmlns:p14="http://schemas.microsoft.com/office/powerpoint/2010/main" val="4274690890"/>
+      </p:ext>
+    </p:extLst>
+  </p:cSld>
+  <p:clrMapOvr>
+    <a:masterClrMapping/>
+  </p:clrMapOvr>
+</p:sld>
+</file>
+
+<file path=ppt/slides/slide29.xml><?xml version="1.0" encoding="utf-8"?>
+<p:sld xmlns:a="http://schemas.openxmlformats.org/drawingml/2006/main" xmlns:r="http://schemas.openxmlformats.org/officeDocument/2006/relationships" xmlns:p="http://schemas.openxmlformats.org/presentationml/2006/main">
+  <p:cSld>
+    <p:spTree>
+      <p:nvGrpSpPr>
+        <p:cNvPr id="1" name=""/>
+        <p:cNvGrpSpPr/>
+        <p:nvPr/>
+      </p:nvGrpSpPr>
+      <p:grpSpPr>
+        <a:xfrm>
+          <a:off x="0" y="0"/>
+          <a:ext cx="0" cy="0"/>
+          <a:chOff x="0" y="0"/>
+          <a:chExt cx="0" cy="0"/>
+        </a:xfrm>
+      </p:grpSpPr>
+      <p:sp>
+        <p:nvSpPr>
+          <p:cNvPr id="2" name="Title 1">
+            <a:extLst>
+              <a:ext uri="{FF2B5EF4-FFF2-40B4-BE49-F238E27FC236}">
+                <a16:creationId xmlns:a16="http://schemas.microsoft.com/office/drawing/2014/main" id="{335EAD89-E72B-45CF-9733-DA5FC02FA359}"/>
+              </a:ext>
+            </a:extLst>
+          </p:cNvPr>
+          <p:cNvSpPr>
+            <a:spLocks noGrp="1"/>
+          </p:cNvSpPr>
+          <p:nvPr>
+            <p:ph type="title"/>
+          </p:nvPr>
+        </p:nvSpPr>
+        <p:spPr/>
+        <p:txBody>
+          <a:bodyPr/>
+          <a:lstStyle/>
+          <a:p>
+            <a:r>
+              <a:rPr lang="en-US" dirty="0"/>
+              <a:t>First 50 </a:t>
+            </a:r>
+            <a:r>
+              <a:rPr lang="en-US" dirty="0" err="1"/>
+              <a:t>ms</a:t>
+            </a:r>
+            <a:r>
+              <a:rPr lang="en-US" dirty="0"/>
+              <a:t> -&gt; Altering Z-Distance</a:t>
+            </a:r>
+          </a:p>
+        </p:txBody>
+      </p:sp>
+      <p:pic>
+        <p:nvPicPr>
+          <p:cNvPr id="6" name="Picture 5">
+            <a:extLst>
+              <a:ext uri="{FF2B5EF4-FFF2-40B4-BE49-F238E27FC236}">
+                <a16:creationId xmlns:a16="http://schemas.microsoft.com/office/drawing/2014/main" id="{83C812A8-EDB6-4DCF-8374-1E7F4CDAF2DE}"/>
+              </a:ext>
+            </a:extLst>
+          </p:cNvPr>
+          <p:cNvPicPr>
+            <a:picLocks noChangeAspect="1"/>
+          </p:cNvPicPr>
+          <p:nvPr/>
+        </p:nvPicPr>
+        <p:blipFill>
+          <a:blip r:embed="rId2">
+            <a:extLst>
+              <a:ext uri="{28A0092B-C50C-407E-A947-70E740481C1C}">
+                <a14:useLocalDpi xmlns:a14="http://schemas.microsoft.com/office/drawing/2010/main" val="0"/>
+              </a:ext>
+            </a:extLst>
+          </a:blip>
+          <a:srcRect/>
+          <a:stretch/>
+        </p:blipFill>
+        <p:spPr>
+          <a:xfrm>
+            <a:off x="883868" y="2077279"/>
+            <a:ext cx="10424262" cy="4691761"/>
+          </a:xfrm>
+          <a:prstGeom prst="rect">
+            <a:avLst/>
+          </a:prstGeom>
+        </p:spPr>
+      </p:pic>
+    </p:spTree>
+    <p:extLst>
+      <p:ext uri="{BB962C8B-B14F-4D97-AF65-F5344CB8AC3E}">
+        <p14:creationId xmlns:p14="http://schemas.microsoft.com/office/powerpoint/2010/main" val="1299496677"/>
       </p:ext>
     </p:extLst>
   </p:cSld>
@@ -11283,6 +12073,654 @@
 </p:sld>
 </file>
 
+<file path=ppt/slides/slide30.xml><?xml version="1.0" encoding="utf-8"?>
+<p:sld xmlns:a="http://schemas.openxmlformats.org/drawingml/2006/main" xmlns:r="http://schemas.openxmlformats.org/officeDocument/2006/relationships" xmlns:p="http://schemas.openxmlformats.org/presentationml/2006/main">
+  <p:cSld>
+    <p:spTree>
+      <p:nvGrpSpPr>
+        <p:cNvPr id="1" name=""/>
+        <p:cNvGrpSpPr/>
+        <p:nvPr/>
+      </p:nvGrpSpPr>
+      <p:grpSpPr>
+        <a:xfrm>
+          <a:off x="0" y="0"/>
+          <a:ext cx="0" cy="0"/>
+          <a:chOff x="0" y="0"/>
+          <a:chExt cx="0" cy="0"/>
+        </a:xfrm>
+      </p:grpSpPr>
+      <p:sp>
+        <p:nvSpPr>
+          <p:cNvPr id="2" name="Title 1">
+            <a:extLst>
+              <a:ext uri="{FF2B5EF4-FFF2-40B4-BE49-F238E27FC236}">
+                <a16:creationId xmlns:a16="http://schemas.microsoft.com/office/drawing/2014/main" id="{335EAD89-E72B-45CF-9733-DA5FC02FA359}"/>
+              </a:ext>
+            </a:extLst>
+          </p:cNvPr>
+          <p:cNvSpPr>
+            <a:spLocks noGrp="1"/>
+          </p:cNvSpPr>
+          <p:nvPr>
+            <p:ph type="title"/>
+          </p:nvPr>
+        </p:nvSpPr>
+        <p:spPr/>
+        <p:txBody>
+          <a:bodyPr/>
+          <a:lstStyle/>
+          <a:p>
+            <a:r>
+              <a:rPr lang="en-US" dirty="0"/>
+              <a:t>First 50 </a:t>
+            </a:r>
+            <a:r>
+              <a:rPr lang="en-US" dirty="0" err="1"/>
+              <a:t>ms</a:t>
+            </a:r>
+            <a:r>
+              <a:rPr lang="en-US" dirty="0"/>
+              <a:t> -&gt; Altering Power</a:t>
+            </a:r>
+          </a:p>
+        </p:txBody>
+      </p:sp>
+      <p:pic>
+        <p:nvPicPr>
+          <p:cNvPr id="6" name="Picture 5">
+            <a:extLst>
+              <a:ext uri="{FF2B5EF4-FFF2-40B4-BE49-F238E27FC236}">
+                <a16:creationId xmlns:a16="http://schemas.microsoft.com/office/drawing/2014/main" id="{83C812A8-EDB6-4DCF-8374-1E7F4CDAF2DE}"/>
+              </a:ext>
+            </a:extLst>
+          </p:cNvPr>
+          <p:cNvPicPr>
+            <a:picLocks noChangeAspect="1"/>
+          </p:cNvPicPr>
+          <p:nvPr/>
+        </p:nvPicPr>
+        <p:blipFill>
+          <a:blip r:embed="rId2">
+            <a:extLst>
+              <a:ext uri="{28A0092B-C50C-407E-A947-70E740481C1C}">
+                <a14:useLocalDpi xmlns:a14="http://schemas.microsoft.com/office/drawing/2010/main" val="0"/>
+              </a:ext>
+            </a:extLst>
+          </a:blip>
+          <a:srcRect/>
+          <a:stretch/>
+        </p:blipFill>
+        <p:spPr>
+          <a:xfrm>
+            <a:off x="883867" y="2077279"/>
+            <a:ext cx="10424265" cy="4691762"/>
+          </a:xfrm>
+          <a:prstGeom prst="rect">
+            <a:avLst/>
+          </a:prstGeom>
+        </p:spPr>
+      </p:pic>
+    </p:spTree>
+    <p:extLst>
+      <p:ext uri="{BB962C8B-B14F-4D97-AF65-F5344CB8AC3E}">
+        <p14:creationId xmlns:p14="http://schemas.microsoft.com/office/powerpoint/2010/main" val="711875249"/>
+      </p:ext>
+    </p:extLst>
+  </p:cSld>
+  <p:clrMapOvr>
+    <a:masterClrMapping/>
+  </p:clrMapOvr>
+</p:sld>
+</file>
+
+<file path=ppt/slides/slide31.xml><?xml version="1.0" encoding="utf-8"?>
+<p:sld xmlns:a="http://schemas.openxmlformats.org/drawingml/2006/main" xmlns:r="http://schemas.openxmlformats.org/officeDocument/2006/relationships" xmlns:p="http://schemas.openxmlformats.org/presentationml/2006/main">
+  <p:cSld>
+    <p:spTree>
+      <p:nvGrpSpPr>
+        <p:cNvPr id="1" name=""/>
+        <p:cNvGrpSpPr/>
+        <p:nvPr/>
+      </p:nvGrpSpPr>
+      <p:grpSpPr>
+        <a:xfrm>
+          <a:off x="0" y="0"/>
+          <a:ext cx="0" cy="0"/>
+          <a:chOff x="0" y="0"/>
+          <a:chExt cx="0" cy="0"/>
+        </a:xfrm>
+      </p:grpSpPr>
+      <p:sp>
+        <p:nvSpPr>
+          <p:cNvPr id="2" name="Title 1">
+            <a:extLst>
+              <a:ext uri="{FF2B5EF4-FFF2-40B4-BE49-F238E27FC236}">
+                <a16:creationId xmlns:a16="http://schemas.microsoft.com/office/drawing/2014/main" id="{335EAD89-E72B-45CF-9733-DA5FC02FA359}"/>
+              </a:ext>
+            </a:extLst>
+          </p:cNvPr>
+          <p:cNvSpPr>
+            <a:spLocks noGrp="1"/>
+          </p:cNvSpPr>
+          <p:nvPr>
+            <p:ph type="title"/>
+          </p:nvPr>
+        </p:nvSpPr>
+        <p:spPr/>
+        <p:txBody>
+          <a:bodyPr/>
+          <a:lstStyle/>
+          <a:p>
+            <a:r>
+              <a:rPr lang="en-US" dirty="0"/>
+              <a:t>First 50 </a:t>
+            </a:r>
+            <a:r>
+              <a:rPr lang="en-US" dirty="0" err="1"/>
+              <a:t>ms</a:t>
+            </a:r>
+            <a:r>
+              <a:rPr lang="en-US" dirty="0"/>
+              <a:t> -&gt; Overall</a:t>
+            </a:r>
+          </a:p>
+        </p:txBody>
+      </p:sp>
+      <p:pic>
+        <p:nvPicPr>
+          <p:cNvPr id="6" name="Picture 5">
+            <a:extLst>
+              <a:ext uri="{FF2B5EF4-FFF2-40B4-BE49-F238E27FC236}">
+                <a16:creationId xmlns:a16="http://schemas.microsoft.com/office/drawing/2014/main" id="{83C812A8-EDB6-4DCF-8374-1E7F4CDAF2DE}"/>
+              </a:ext>
+            </a:extLst>
+          </p:cNvPr>
+          <p:cNvPicPr>
+            <a:picLocks noChangeAspect="1"/>
+          </p:cNvPicPr>
+          <p:nvPr/>
+        </p:nvPicPr>
+        <p:blipFill>
+          <a:blip r:embed="rId2">
+            <a:extLst>
+              <a:ext uri="{28A0092B-C50C-407E-A947-70E740481C1C}">
+                <a14:useLocalDpi xmlns:a14="http://schemas.microsoft.com/office/drawing/2010/main" val="0"/>
+              </a:ext>
+            </a:extLst>
+          </a:blip>
+          <a:srcRect/>
+          <a:stretch/>
+        </p:blipFill>
+        <p:spPr>
+          <a:xfrm>
+            <a:off x="883869" y="2077279"/>
+            <a:ext cx="10424260" cy="4691761"/>
+          </a:xfrm>
+          <a:prstGeom prst="rect">
+            <a:avLst/>
+          </a:prstGeom>
+        </p:spPr>
+      </p:pic>
+    </p:spTree>
+    <p:extLst>
+      <p:ext uri="{BB962C8B-B14F-4D97-AF65-F5344CB8AC3E}">
+        <p14:creationId xmlns:p14="http://schemas.microsoft.com/office/powerpoint/2010/main" val="1559490572"/>
+      </p:ext>
+    </p:extLst>
+  </p:cSld>
+  <p:clrMapOvr>
+    <a:masterClrMapping/>
+  </p:clrMapOvr>
+</p:sld>
+</file>
+
+<file path=ppt/slides/slide32.xml><?xml version="1.0" encoding="utf-8"?>
+<p:sld xmlns:a="http://schemas.openxmlformats.org/drawingml/2006/main" xmlns:r="http://schemas.openxmlformats.org/officeDocument/2006/relationships" xmlns:p="http://schemas.openxmlformats.org/presentationml/2006/main">
+  <p:cSld>
+    <p:spTree>
+      <p:nvGrpSpPr>
+        <p:cNvPr id="1" name=""/>
+        <p:cNvGrpSpPr/>
+        <p:nvPr/>
+      </p:nvGrpSpPr>
+      <p:grpSpPr>
+        <a:xfrm>
+          <a:off x="0" y="0"/>
+          <a:ext cx="0" cy="0"/>
+          <a:chOff x="0" y="0"/>
+          <a:chExt cx="0" cy="0"/>
+        </a:xfrm>
+      </p:grpSpPr>
+      <p:sp>
+        <p:nvSpPr>
+          <p:cNvPr id="2" name="Title 1">
+            <a:extLst>
+              <a:ext uri="{FF2B5EF4-FFF2-40B4-BE49-F238E27FC236}">
+                <a16:creationId xmlns:a16="http://schemas.microsoft.com/office/drawing/2014/main" id="{335EAD89-E72B-45CF-9733-DA5FC02FA359}"/>
+              </a:ext>
+            </a:extLst>
+          </p:cNvPr>
+          <p:cNvSpPr>
+            <a:spLocks noGrp="1"/>
+          </p:cNvSpPr>
+          <p:nvPr>
+            <p:ph type="title"/>
+          </p:nvPr>
+        </p:nvSpPr>
+        <p:spPr/>
+        <p:txBody>
+          <a:bodyPr/>
+          <a:lstStyle/>
+          <a:p>
+            <a:r>
+              <a:rPr lang="en-US" dirty="0"/>
+              <a:t>First 50 </a:t>
+            </a:r>
+            <a:r>
+              <a:rPr lang="en-US" dirty="0" err="1"/>
+              <a:t>ms</a:t>
+            </a:r>
+            <a:r>
+              <a:rPr lang="en-US" dirty="0"/>
+              <a:t> -&gt; Overall Expanded</a:t>
+            </a:r>
+          </a:p>
+        </p:txBody>
+      </p:sp>
+      <p:pic>
+        <p:nvPicPr>
+          <p:cNvPr id="6" name="Picture 5">
+            <a:extLst>
+              <a:ext uri="{FF2B5EF4-FFF2-40B4-BE49-F238E27FC236}">
+                <a16:creationId xmlns:a16="http://schemas.microsoft.com/office/drawing/2014/main" id="{83C812A8-EDB6-4DCF-8374-1E7F4CDAF2DE}"/>
+              </a:ext>
+            </a:extLst>
+          </p:cNvPr>
+          <p:cNvPicPr>
+            <a:picLocks noChangeAspect="1"/>
+          </p:cNvPicPr>
+          <p:nvPr/>
+        </p:nvPicPr>
+        <p:blipFill>
+          <a:blip r:embed="rId2">
+            <a:extLst>
+              <a:ext uri="{28A0092B-C50C-407E-A947-70E740481C1C}">
+                <a14:useLocalDpi xmlns:a14="http://schemas.microsoft.com/office/drawing/2010/main" val="0"/>
+              </a:ext>
+            </a:extLst>
+          </a:blip>
+          <a:srcRect/>
+          <a:stretch/>
+        </p:blipFill>
+        <p:spPr>
+          <a:xfrm>
+            <a:off x="883869" y="2077279"/>
+            <a:ext cx="10424260" cy="4691760"/>
+          </a:xfrm>
+          <a:prstGeom prst="rect">
+            <a:avLst/>
+          </a:prstGeom>
+        </p:spPr>
+      </p:pic>
+    </p:spTree>
+    <p:extLst>
+      <p:ext uri="{BB962C8B-B14F-4D97-AF65-F5344CB8AC3E}">
+        <p14:creationId xmlns:p14="http://schemas.microsoft.com/office/powerpoint/2010/main" val="1553080389"/>
+      </p:ext>
+    </p:extLst>
+  </p:cSld>
+  <p:clrMapOvr>
+    <a:masterClrMapping/>
+  </p:clrMapOvr>
+</p:sld>
+</file>
+
+<file path=ppt/slides/slide33.xml><?xml version="1.0" encoding="utf-8"?>
+<p:sld xmlns:a="http://schemas.openxmlformats.org/drawingml/2006/main" xmlns:r="http://schemas.openxmlformats.org/officeDocument/2006/relationships" xmlns:p="http://schemas.openxmlformats.org/presentationml/2006/main">
+  <p:cSld>
+    <p:spTree>
+      <p:nvGrpSpPr>
+        <p:cNvPr id="1" name=""/>
+        <p:cNvGrpSpPr/>
+        <p:nvPr/>
+      </p:nvGrpSpPr>
+      <p:grpSpPr>
+        <a:xfrm>
+          <a:off x="0" y="0"/>
+          <a:ext cx="0" cy="0"/>
+          <a:chOff x="0" y="0"/>
+          <a:chExt cx="0" cy="0"/>
+        </a:xfrm>
+      </p:grpSpPr>
+      <p:sp>
+        <p:nvSpPr>
+          <p:cNvPr id="2" name="Title 1">
+            <a:extLst>
+              <a:ext uri="{FF2B5EF4-FFF2-40B4-BE49-F238E27FC236}">
+                <a16:creationId xmlns:a16="http://schemas.microsoft.com/office/drawing/2014/main" id="{3FCBF3B1-250B-4DCE-994E-92228F52A58A}"/>
+              </a:ext>
+            </a:extLst>
+          </p:cNvPr>
+          <p:cNvSpPr>
+            <a:spLocks noGrp="1"/>
+          </p:cNvSpPr>
+          <p:nvPr>
+            <p:ph type="title"/>
+          </p:nvPr>
+        </p:nvSpPr>
+        <p:spPr/>
+        <p:txBody>
+          <a:bodyPr/>
+          <a:lstStyle/>
+          <a:p>
+            <a:r>
+              <a:rPr lang="en-US" dirty="0"/>
+              <a:t>Final Conclusions</a:t>
+            </a:r>
+          </a:p>
+        </p:txBody>
+      </p:sp>
+      <p:sp>
+        <p:nvSpPr>
+          <p:cNvPr id="3" name="Content Placeholder 2">
+            <a:extLst>
+              <a:ext uri="{FF2B5EF4-FFF2-40B4-BE49-F238E27FC236}">
+                <a16:creationId xmlns:a16="http://schemas.microsoft.com/office/drawing/2014/main" id="{1E9E29B6-C447-4455-B216-930F0CF2D8B7}"/>
+              </a:ext>
+            </a:extLst>
+          </p:cNvPr>
+          <p:cNvSpPr>
+            <a:spLocks noGrp="1"/>
+          </p:cNvSpPr>
+          <p:nvPr>
+            <p:ph idx="1"/>
+          </p:nvPr>
+        </p:nvSpPr>
+        <p:spPr/>
+        <p:txBody>
+          <a:bodyPr>
+            <a:normAutofit fontScale="92500"/>
+          </a:bodyPr>
+          <a:lstStyle/>
+          <a:p>
+            <a:r>
+              <a:rPr lang="en-US" dirty="0"/>
+              <a:t>Lowering the error percentage would require splitting the equation at 50ms</a:t>
+            </a:r>
+          </a:p>
+          <a:p>
+            <a:pPr lvl="1"/>
+            <a:r>
+              <a:rPr lang="en-US" dirty="0"/>
+              <a:t>This would have unforeseen consequences when simulating with different parameters </a:t>
+            </a:r>
+          </a:p>
+          <a:p>
+            <a:pPr lvl="1"/>
+            <a:endParaRPr lang="en-US" dirty="0"/>
+          </a:p>
+          <a:p>
+            <a:r>
+              <a:rPr lang="en-US" dirty="0"/>
+              <a:t>The original implementation of this equation sought to demonstrate the linear relationship between laser exposure and delta T</a:t>
+            </a:r>
+          </a:p>
+          <a:p>
+            <a:endParaRPr lang="en-US" dirty="0"/>
+          </a:p>
+          <a:p>
+            <a:r>
+              <a:rPr lang="en-US" dirty="0"/>
+              <a:t>A new equation could be rapidly implemented due to the modularity of the current program</a:t>
+            </a:r>
+          </a:p>
+        </p:txBody>
+      </p:sp>
+    </p:spTree>
+    <p:extLst>
+      <p:ext uri="{BB962C8B-B14F-4D97-AF65-F5344CB8AC3E}">
+        <p14:creationId xmlns:p14="http://schemas.microsoft.com/office/powerpoint/2010/main" val="3380229289"/>
+      </p:ext>
+    </p:extLst>
+  </p:cSld>
+  <p:clrMapOvr>
+    <a:masterClrMapping/>
+  </p:clrMapOvr>
+</p:sld>
+</file>
+
+<file path=ppt/slides/slide34.xml><?xml version="1.0" encoding="utf-8"?>
+<p:sld xmlns:a="http://schemas.openxmlformats.org/drawingml/2006/main" xmlns:r="http://schemas.openxmlformats.org/officeDocument/2006/relationships" xmlns:p="http://schemas.openxmlformats.org/presentationml/2006/main">
+  <p:cSld>
+    <p:spTree>
+      <p:nvGrpSpPr>
+        <p:cNvPr id="1" name=""/>
+        <p:cNvGrpSpPr/>
+        <p:nvPr/>
+      </p:nvGrpSpPr>
+      <p:grpSpPr>
+        <a:xfrm>
+          <a:off x="0" y="0"/>
+          <a:ext cx="0" cy="0"/>
+          <a:chOff x="0" y="0"/>
+          <a:chExt cx="0" cy="0"/>
+        </a:xfrm>
+      </p:grpSpPr>
+      <p:sp>
+        <p:nvSpPr>
+          <p:cNvPr id="2" name="Title 1">
+            <a:extLst>
+              <a:ext uri="{FF2B5EF4-FFF2-40B4-BE49-F238E27FC236}">
+                <a16:creationId xmlns:a16="http://schemas.microsoft.com/office/drawing/2014/main" id="{C71C11F8-792E-4891-AC4B-2335CC4BCFBE}"/>
+              </a:ext>
+            </a:extLst>
+          </p:cNvPr>
+          <p:cNvSpPr>
+            <a:spLocks noGrp="1"/>
+          </p:cNvSpPr>
+          <p:nvPr>
+            <p:ph type="title"/>
+          </p:nvPr>
+        </p:nvSpPr>
+        <p:spPr/>
+        <p:txBody>
+          <a:bodyPr/>
+          <a:lstStyle/>
+          <a:p>
+            <a:r>
+              <a:rPr lang="en-US" dirty="0"/>
+              <a:t>Sources</a:t>
+            </a:r>
+          </a:p>
+        </p:txBody>
+      </p:sp>
+      <p:sp>
+        <p:nvSpPr>
+          <p:cNvPr id="3" name="Content Placeholder 2">
+            <a:extLst>
+              <a:ext uri="{FF2B5EF4-FFF2-40B4-BE49-F238E27FC236}">
+                <a16:creationId xmlns:a16="http://schemas.microsoft.com/office/drawing/2014/main" id="{FD19BF1E-05AE-4F03-A6B6-5ADB425B4C91}"/>
+              </a:ext>
+            </a:extLst>
+          </p:cNvPr>
+          <p:cNvSpPr>
+            <a:spLocks noGrp="1"/>
+          </p:cNvSpPr>
+          <p:nvPr>
+            <p:ph idx="1"/>
+          </p:nvPr>
+        </p:nvSpPr>
+        <p:spPr>
+          <a:xfrm>
+            <a:off x="680321" y="2336873"/>
+            <a:ext cx="9613861" cy="4091636"/>
+          </a:xfrm>
+        </p:spPr>
+        <p:txBody>
+          <a:bodyPr>
+            <a:normAutofit/>
+          </a:bodyPr>
+          <a:lstStyle/>
+          <a:p>
+            <a:r>
+              <a:rPr lang="en-US" sz="2000" dirty="0"/>
+              <a:t>K.F. Palmer and D. Williams, Optical Properties of water in the near infrared, Journal of the Optical Society of America, V.64, pp. 1107-1110, August, 1974</a:t>
+            </a:r>
+          </a:p>
+          <a:p>
+            <a:endParaRPr lang="en-US" sz="2000" dirty="0"/>
+          </a:p>
+          <a:p>
+            <a:r>
+              <a:rPr lang="en-US" sz="2000" dirty="0"/>
+              <a:t>Zhu, Xuedong, Jen-Wei Lin, and Michelle Y Sander. "Infrared Inhibition and Waveform Modulation of Action Potentials in the Crayfish Motor Axon." Biomedical Optics Express 10, no. 12 (2019): 6580-6594.</a:t>
+            </a:r>
+          </a:p>
+          <a:p>
+            <a:endParaRPr lang="en-US" sz="2000" dirty="0"/>
+          </a:p>
+          <a:p>
+            <a:r>
+              <a:rPr lang="en-US" sz="2000" dirty="0"/>
+              <a:t>Li, </a:t>
+            </a:r>
+            <a:r>
+              <a:rPr lang="en-US" sz="2000" dirty="0" err="1"/>
+              <a:t>Xinyu</a:t>
+            </a:r>
+            <a:r>
+              <a:rPr lang="en-US" sz="2000" dirty="0"/>
+              <a:t>, Jia Liu, Shanshan Liang, and </a:t>
+            </a:r>
+            <a:r>
+              <a:rPr lang="en-US" sz="2000" dirty="0" err="1"/>
+              <a:t>Changsen</a:t>
+            </a:r>
+            <a:r>
+              <a:rPr lang="en-US" sz="2000" dirty="0"/>
+              <a:t> Sun. "980-nm Infrared Laser Modulation of Sodium Channel Kinetics in a Neuron Cell Linearly Mediated by Photothermal Effect." Journal of Biomedical Optics 19, no. 10 (2014): 105002-105002.</a:t>
+            </a:r>
+          </a:p>
+        </p:txBody>
+      </p:sp>
+    </p:spTree>
+    <p:extLst>
+      <p:ext uri="{BB962C8B-B14F-4D97-AF65-F5344CB8AC3E}">
+        <p14:creationId xmlns:p14="http://schemas.microsoft.com/office/powerpoint/2010/main" val="2879736363"/>
+      </p:ext>
+    </p:extLst>
+  </p:cSld>
+  <p:clrMapOvr>
+    <a:masterClrMapping/>
+  </p:clrMapOvr>
+</p:sld>
+</file>
+
+<file path=ppt/slides/slide35.xml><?xml version="1.0" encoding="utf-8"?>
+<p:sld xmlns:a="http://schemas.openxmlformats.org/drawingml/2006/main" xmlns:r="http://schemas.openxmlformats.org/officeDocument/2006/relationships" xmlns:p="http://schemas.openxmlformats.org/presentationml/2006/main">
+  <p:cSld>
+    <p:spTree>
+      <p:nvGrpSpPr>
+        <p:cNvPr id="1" name=""/>
+        <p:cNvGrpSpPr/>
+        <p:nvPr/>
+      </p:nvGrpSpPr>
+      <p:grpSpPr>
+        <a:xfrm>
+          <a:off x="0" y="0"/>
+          <a:ext cx="0" cy="0"/>
+          <a:chOff x="0" y="0"/>
+          <a:chExt cx="0" cy="0"/>
+        </a:xfrm>
+      </p:grpSpPr>
+      <p:sp>
+        <p:nvSpPr>
+          <p:cNvPr id="2" name="Title 1">
+            <a:extLst>
+              <a:ext uri="{FF2B5EF4-FFF2-40B4-BE49-F238E27FC236}">
+                <a16:creationId xmlns:a16="http://schemas.microsoft.com/office/drawing/2014/main" id="{575F32AA-E240-4381-8B35-F2E3F19347B6}"/>
+              </a:ext>
+            </a:extLst>
+          </p:cNvPr>
+          <p:cNvSpPr>
+            <a:spLocks noGrp="1"/>
+          </p:cNvSpPr>
+          <p:nvPr>
+            <p:ph type="title"/>
+          </p:nvPr>
+        </p:nvSpPr>
+        <p:spPr/>
+        <p:txBody>
+          <a:bodyPr/>
+          <a:lstStyle/>
+          <a:p>
+            <a:r>
+              <a:rPr lang="en-US" dirty="0"/>
+              <a:t>Sources</a:t>
+            </a:r>
+          </a:p>
+        </p:txBody>
+      </p:sp>
+      <p:sp>
+        <p:nvSpPr>
+          <p:cNvPr id="3" name="Content Placeholder 2">
+            <a:extLst>
+              <a:ext uri="{FF2B5EF4-FFF2-40B4-BE49-F238E27FC236}">
+                <a16:creationId xmlns:a16="http://schemas.microsoft.com/office/drawing/2014/main" id="{D77ACC23-0F7C-41A7-B05F-C039F429D018}"/>
+              </a:ext>
+            </a:extLst>
+          </p:cNvPr>
+          <p:cNvSpPr>
+            <a:spLocks noGrp="1"/>
+          </p:cNvSpPr>
+          <p:nvPr>
+            <p:ph idx="1"/>
+          </p:nvPr>
+        </p:nvSpPr>
+        <p:spPr/>
+        <p:txBody>
+          <a:bodyPr/>
+          <a:lstStyle/>
+          <a:p>
+            <a:r>
+              <a:rPr lang="en-US" dirty="0"/>
+              <a:t>Sodium Chloride and Water. (n.d.). Retrieved December 11, 2020, from https://www.engineeringtoolbox.com/sodium-chloride-water-d_1187.html</a:t>
+            </a:r>
+          </a:p>
+          <a:p>
+            <a:pPr marL="0" indent="0">
+              <a:buNone/>
+            </a:pPr>
+            <a:endParaRPr lang="en-US" dirty="0"/>
+          </a:p>
+          <a:p>
+            <a:pPr marL="0" indent="0">
+              <a:buNone/>
+            </a:pPr>
+            <a:endParaRPr lang="en-US" dirty="0"/>
+          </a:p>
+          <a:p>
+            <a:r>
+              <a:rPr lang="en-US" dirty="0"/>
+              <a:t>http://webserver.dmt.upm.es/~isidoro/bk3/c07sol/Solution%20properties.pdf</a:t>
+            </a:r>
+          </a:p>
+        </p:txBody>
+      </p:sp>
+    </p:spTree>
+    <p:extLst>
+      <p:ext uri="{BB962C8B-B14F-4D97-AF65-F5344CB8AC3E}">
+        <p14:creationId xmlns:p14="http://schemas.microsoft.com/office/powerpoint/2010/main" val="2395888919"/>
+      </p:ext>
+    </p:extLst>
+  </p:cSld>
+  <p:clrMapOvr>
+    <a:masterClrMapping/>
+  </p:clrMapOvr>
+</p:sld>
+</file>
+
 <file path=ppt/slides/slide4.xml><?xml version="1.0" encoding="utf-8"?>
 <p:sld xmlns:a="http://schemas.openxmlformats.org/drawingml/2006/main" xmlns:r="http://schemas.openxmlformats.org/officeDocument/2006/relationships" xmlns:p="http://schemas.openxmlformats.org/presentationml/2006/main">
   <p:cSld>
@@ -11508,7 +12946,15 @@
           <a:p>
             <a:r>
               <a:rPr lang="en-US" sz="1400" dirty="0"/>
-              <a:t>Po = .00692 W		Initial laser power </a:t>
+              <a:t>Po = </a:t>
+            </a:r>
+            <a:r>
+              <a:rPr lang="en-US" sz="1400"/>
+              <a:t>.00483 </a:t>
+            </a:r>
+            <a:r>
+              <a:rPr lang="en-US" sz="1400" dirty="0"/>
+              <a:t>W		Initial laser power </a:t>
             </a:r>
           </a:p>
           <a:p>
@@ -11536,7 +12982,7 @@
             </a:r>
             <a:r>
               <a:rPr lang="en-US" sz="1400" dirty="0"/>
-              <a:t> = 1000 kg/m^3		density of water</a:t>
+              <a:t> = 1000 kg/m^3		density of saline</a:t>
             </a:r>
           </a:p>
           <a:p>

--- a/Presentations/Fall Updates/FallUpdate3.pptx
+++ b/Presentations/Fall Updates/FallUpdate3.pptx
@@ -11042,7 +11042,7 @@
           <a:p>
             <a:r>
               <a:rPr lang="en-US" dirty="0"/>
-              <a:t>Solution contains 195 mM NaCl ~= 1% NaCl</a:t>
+              <a:t>Solution contains ~1% NaCl</a:t>
             </a:r>
           </a:p>
           <a:p>
@@ -12901,8 +12901,20 @@
               <a:t>μ</a:t>
             </a:r>
             <a:r>
+              <a:rPr lang="en-US" sz="1400"/>
+              <a:t>a = 107.8 </a:t>
+            </a:r>
+            <a:r>
               <a:rPr lang="en-US" sz="1400" dirty="0"/>
-              <a:t>a = 73.9 cm^-1		Optical Absorption Coefficient</a:t>
+              <a:t>cm^-1</a:t>
+            </a:r>
+            <a:r>
+              <a:rPr lang="en-US" sz="1400"/>
+              <a:t>	Optical </a:t>
+            </a:r>
+            <a:r>
+              <a:rPr lang="en-US" sz="1400" dirty="0"/>
+              <a:t>Absorption Coefficient</a:t>
             </a:r>
           </a:p>
           <a:p>
@@ -12922,7 +12934,7 @@
           <a:p>
             <a:r>
               <a:rPr lang="en-US" sz="1400" dirty="0"/>
-              <a:t>z = 117.55 </a:t>
+              <a:t>z = 116 </a:t>
             </a:r>
             <a:r>
               <a:rPr lang="el-GR" sz="1400" dirty="0"/>
@@ -12930,7 +12942,7 @@
             </a:r>
             <a:r>
               <a:rPr lang="en-US" sz="1400" dirty="0"/>
-              <a:t>m		Axial Distance</a:t>
+              <a:t>m			Axial Distance</a:t>
             </a:r>
           </a:p>
           <a:p>
@@ -12946,15 +12958,7 @@
           <a:p>
             <a:r>
               <a:rPr lang="en-US" sz="1400" dirty="0"/>
-              <a:t>Po = </a:t>
-            </a:r>
-            <a:r>
-              <a:rPr lang="en-US" sz="1400"/>
-              <a:t>.00483 </a:t>
-            </a:r>
-            <a:r>
-              <a:rPr lang="en-US" sz="1400" dirty="0"/>
-              <a:t>W		Initial laser power </a:t>
+              <a:t>Po = .00483 W		Initial laser power </a:t>
             </a:r>
           </a:p>
           <a:p>
@@ -12964,7 +12968,7 @@
             </a:r>
             <a:r>
               <a:rPr lang="en-US" sz="1400" dirty="0"/>
-              <a:t> = 0.6 W/</a:t>
+              <a:t> = 0.584 W/</a:t>
             </a:r>
             <a:r>
               <a:rPr lang="en-US" sz="1400" dirty="0" err="1"/>
@@ -12982,7 +12986,7 @@
             </a:r>
             <a:r>
               <a:rPr lang="en-US" sz="1400" dirty="0"/>
-              <a:t> = 1000 kg/m^3		density of saline</a:t>
+              <a:t> = 1010 kg/m^3		density of saline</a:t>
             </a:r>
           </a:p>
           <a:p>
@@ -12992,7 +12996,7 @@
             </a:r>
             <a:r>
               <a:rPr lang="en-US" sz="1400" dirty="0"/>
-              <a:t>4188 J kg^-1 K^-1</a:t>
+              <a:t>4150 J kg^-1 K^-1</a:t>
             </a:r>
             <a:r>
               <a:rPr lang="en-US" sz="1400" i="1" dirty="0"/>
